--- a/developer/session-6/session-6-rag-data.pptx
+++ b/developer/session-6/session-6-rag-data.pptx
@@ -6,7 +6,7 @@
   </p:sldMasterIdLst>
   <p:sldIdLst>
     <p:sldId id="256" r:id="rId7"/>
-    <p:sldId id="257" r:id="rId8"/>
+    <p:sldId id="257" r:id="rId9"/>
     <p:sldId id="258" r:id="rId10"/>
     <p:sldId id="259" r:id="rId11"/>
     <p:sldId id="260" r:id="rId12"/>
@@ -16,6 +16,9 @@
     <p:sldId id="264" r:id="rId16"/>
     <p:sldId id="265" r:id="rId17"/>
     <p:sldId id="266" r:id="rId18"/>
+    <p:sldId id="267" r:id="rId19"/>
+    <p:sldId id="268" r:id="rId20"/>
+    <p:sldId id="269" r:id="rId21"/>
   </p:sldIdLst>
   <p:sldSz cx="12191695" cy="6858000" type="screen4x3"/>
   <p:notesSz cx="6858000" cy="9144000"/>
@@ -512,7 +515,357 @@
           <a:lstStyle/>
           <a:p>
             <a:r>
-              <a:t>When someone asks 'can we make AI know our internal docs?' the answer is RAG. You don't retrain the model.</a:t>
+              <a:t>Welcome to Session 6. Embeddings, vector databases, retrieval-augmented generation</a:t>
+            </a:r>
+          </a:p>
+        </p:txBody>
+      </p:sp>
+      <p:sp>
+        <p:nvSpPr>
+          <p:cNvPr id="4" name="Slide Number Placeholder 3"/>
+          <p:cNvSpPr>
+            <a:spLocks noGrp="1"/>
+          </p:cNvSpPr>
+          <p:nvPr>
+            <p:ph type="sldNum" idx="5" sz="quarter"/>
+          </p:nvPr>
+        </p:nvSpPr>
+        <p:spPr/>
+      </p:sp>
+    </p:spTree>
+  </p:cSld>
+  <p:clrMapOvr>
+    <a:masterClrMapping/>
+  </p:clrMapOvr>
+</p:notes>
+</file>
+
+<file path=ppt/notesSlides/notesSlide10.xml><?xml version="1.0" encoding="utf-8"?>
+<p:notes xmlns:a="http://schemas.openxmlformats.org/drawingml/2006/main" xmlns:p="http://schemas.openxmlformats.org/presentationml/2006/main" xmlns:r="http://schemas.openxmlformats.org/officeDocument/2006/relationships">
+  <p:cSld>
+    <p:spTree>
+      <p:nvGrpSpPr>
+        <p:cNvPr id="1" name=""/>
+        <p:cNvGrpSpPr/>
+        <p:nvPr/>
+      </p:nvGrpSpPr>
+      <p:grpSpPr>
+        <a:xfrm>
+          <a:off x="0" y="0"/>
+          <a:ext cx="0" cy="0"/>
+          <a:chOff x="0" y="0"/>
+          <a:chExt cx="0" cy="0"/>
+        </a:xfrm>
+      </p:grpSpPr>
+      <p:sp>
+        <p:nvSpPr>
+          <p:cNvPr id="2" name="Slide Image Placeholder 1"/>
+          <p:cNvSpPr>
+            <a:spLocks noGrp="1"/>
+          </p:cNvSpPr>
+          <p:nvPr>
+            <p:ph type="sldImg" idx="2"/>
+          </p:nvPr>
+        </p:nvSpPr>
+        <p:spPr/>
+      </p:sp>
+      <p:sp>
+        <p:nvSpPr>
+          <p:cNvPr id="3" name="Notes Placeholder 2"/>
+          <p:cNvSpPr>
+            <a:spLocks noGrp="1"/>
+          </p:cNvSpPr>
+          <p:nvPr>
+            <p:ph type="body" idx="3" sz="quarter"/>
+          </p:nvPr>
+        </p:nvSpPr>
+        <p:spPr/>
+        <p:txBody>
+          <a:bodyPr/>
+          <a:lstStyle/>
+          <a:p>
+            <a:r>
+              <a:t>Chunking is the most under-appreciated part of RAG. Bad chunking = bad retrieval = bad answers.</a:t>
+            </a:r>
+          </a:p>
+        </p:txBody>
+      </p:sp>
+      <p:sp>
+        <p:nvSpPr>
+          <p:cNvPr id="4" name="Slide Number Placeholder 3"/>
+          <p:cNvSpPr>
+            <a:spLocks noGrp="1"/>
+          </p:cNvSpPr>
+          <p:nvPr>
+            <p:ph type="sldNum" idx="5" sz="quarter"/>
+          </p:nvPr>
+        </p:nvSpPr>
+        <p:spPr/>
+      </p:sp>
+    </p:spTree>
+  </p:cSld>
+  <p:clrMapOvr>
+    <a:masterClrMapping/>
+  </p:clrMapOvr>
+</p:notes>
+</file>
+
+<file path=ppt/notesSlides/notesSlide11.xml><?xml version="1.0" encoding="utf-8"?>
+<p:notes xmlns:a="http://schemas.openxmlformats.org/drawingml/2006/main" xmlns:p="http://schemas.openxmlformats.org/presentationml/2006/main" xmlns:r="http://schemas.openxmlformats.org/officeDocument/2006/relationships">
+  <p:cSld>
+    <p:spTree>
+      <p:nvGrpSpPr>
+        <p:cNvPr id="1" name=""/>
+        <p:cNvGrpSpPr/>
+        <p:nvPr/>
+      </p:nvGrpSpPr>
+      <p:grpSpPr>
+        <a:xfrm>
+          <a:off x="0" y="0"/>
+          <a:ext cx="0" cy="0"/>
+          <a:chOff x="0" y="0"/>
+          <a:chExt cx="0" cy="0"/>
+        </a:xfrm>
+      </p:grpSpPr>
+      <p:sp>
+        <p:nvSpPr>
+          <p:cNvPr id="2" name="Slide Image Placeholder 1"/>
+          <p:cNvSpPr>
+            <a:spLocks noGrp="1"/>
+          </p:cNvSpPr>
+          <p:nvPr>
+            <p:ph type="sldImg" idx="2"/>
+          </p:nvPr>
+        </p:nvSpPr>
+        <p:spPr/>
+      </p:sp>
+      <p:sp>
+        <p:nvSpPr>
+          <p:cNvPr id="3" name="Notes Placeholder 2"/>
+          <p:cNvSpPr>
+            <a:spLocks noGrp="1"/>
+          </p:cNvSpPr>
+          <p:nvPr>
+            <p:ph type="body" idx="3" sz="quarter"/>
+          </p:nvPr>
+        </p:nvSpPr>
+        <p:spPr/>
+        <p:txBody>
+          <a:bodyPr/>
+          <a:lstStyle/>
+          <a:p>
+            <a:r>
+              <a:t>Context windows are getting huge. For many use cases, you might not need RAG at all — just stuff the context.</a:t>
+            </a:r>
+          </a:p>
+        </p:txBody>
+      </p:sp>
+      <p:sp>
+        <p:nvSpPr>
+          <p:cNvPr id="4" name="Slide Number Placeholder 3"/>
+          <p:cNvSpPr>
+            <a:spLocks noGrp="1"/>
+          </p:cNvSpPr>
+          <p:nvPr>
+            <p:ph type="sldNum" idx="5" sz="quarter"/>
+          </p:nvPr>
+        </p:nvSpPr>
+        <p:spPr/>
+      </p:sp>
+    </p:spTree>
+  </p:cSld>
+  <p:clrMapOvr>
+    <a:masterClrMapping/>
+  </p:clrMapOvr>
+</p:notes>
+</file>
+
+<file path=ppt/notesSlides/notesSlide12.xml><?xml version="1.0" encoding="utf-8"?>
+<p:notes xmlns:a="http://schemas.openxmlformats.org/drawingml/2006/main" xmlns:p="http://schemas.openxmlformats.org/presentationml/2006/main" xmlns:r="http://schemas.openxmlformats.org/officeDocument/2006/relationships">
+  <p:cSld>
+    <p:spTree>
+      <p:nvGrpSpPr>
+        <p:cNvPr id="1" name=""/>
+        <p:cNvGrpSpPr/>
+        <p:nvPr/>
+      </p:nvGrpSpPr>
+      <p:grpSpPr>
+        <a:xfrm>
+          <a:off x="0" y="0"/>
+          <a:ext cx="0" cy="0"/>
+          <a:chOff x="0" y="0"/>
+          <a:chExt cx="0" cy="0"/>
+        </a:xfrm>
+      </p:grpSpPr>
+      <p:sp>
+        <p:nvSpPr>
+          <p:cNvPr id="2" name="Slide Image Placeholder 1"/>
+          <p:cNvSpPr>
+            <a:spLocks noGrp="1"/>
+          </p:cNvSpPr>
+          <p:nvPr>
+            <p:ph type="sldImg" idx="2"/>
+          </p:nvPr>
+        </p:nvSpPr>
+        <p:spPr/>
+      </p:sp>
+      <p:sp>
+        <p:nvSpPr>
+          <p:cNvPr id="3" name="Notes Placeholder 2"/>
+          <p:cNvSpPr>
+            <a:spLocks noGrp="1"/>
+          </p:cNvSpPr>
+          <p:nvPr>
+            <p:ph type="body" idx="3" sz="quarter"/>
+          </p:nvPr>
+        </p:nvSpPr>
+        <p:spPr/>
+        <p:txBody>
+          <a:bodyPr/>
+          <a:lstStyle/>
+          <a:p>
+            <a:r>
+              <a:t>Fine-tuning is usually unnecessary. RAG + good prompting covers 90% of use cases.</a:t>
+            </a:r>
+          </a:p>
+        </p:txBody>
+      </p:sp>
+      <p:sp>
+        <p:nvSpPr>
+          <p:cNvPr id="4" name="Slide Number Placeholder 3"/>
+          <p:cNvSpPr>
+            <a:spLocks noGrp="1"/>
+          </p:cNvSpPr>
+          <p:nvPr>
+            <p:ph type="sldNum" idx="5" sz="quarter"/>
+          </p:nvPr>
+        </p:nvSpPr>
+        <p:spPr/>
+      </p:sp>
+    </p:spTree>
+  </p:cSld>
+  <p:clrMapOvr>
+    <a:masterClrMapping/>
+  </p:clrMapOvr>
+</p:notes>
+</file>
+
+<file path=ppt/notesSlides/notesSlide13.xml><?xml version="1.0" encoding="utf-8"?>
+<p:notes xmlns:a="http://schemas.openxmlformats.org/drawingml/2006/main" xmlns:p="http://schemas.openxmlformats.org/presentationml/2006/main" xmlns:r="http://schemas.openxmlformats.org/officeDocument/2006/relationships">
+  <p:cSld>
+    <p:spTree>
+      <p:nvGrpSpPr>
+        <p:cNvPr id="1" name=""/>
+        <p:cNvGrpSpPr/>
+        <p:nvPr/>
+      </p:nvGrpSpPr>
+      <p:grpSpPr>
+        <a:xfrm>
+          <a:off x="0" y="0"/>
+          <a:ext cx="0" cy="0"/>
+          <a:chOff x="0" y="0"/>
+          <a:chExt cx="0" cy="0"/>
+        </a:xfrm>
+      </p:grpSpPr>
+      <p:sp>
+        <p:nvSpPr>
+          <p:cNvPr id="2" name="Slide Image Placeholder 1"/>
+          <p:cNvSpPr>
+            <a:spLocks noGrp="1"/>
+          </p:cNvSpPr>
+          <p:nvPr>
+            <p:ph type="sldImg" idx="2"/>
+          </p:nvPr>
+        </p:nvSpPr>
+        <p:spPr/>
+      </p:sp>
+      <p:sp>
+        <p:nvSpPr>
+          <p:cNvPr id="3" name="Notes Placeholder 2"/>
+          <p:cNvSpPr>
+            <a:spLocks noGrp="1"/>
+          </p:cNvSpPr>
+          <p:nvPr>
+            <p:ph type="body" idx="3" sz="quarter"/>
+          </p:nvPr>
+        </p:nvSpPr>
+        <p:spPr/>
+        <p:txBody>
+          <a:bodyPr/>
+          <a:lstStyle/>
+          <a:p>
+            <a:r>
+              <a:t>Hands-on. Students run the RAG pipeline and experiment with their own documents.</a:t>
+            </a:r>
+          </a:p>
+        </p:txBody>
+      </p:sp>
+      <p:sp>
+        <p:nvSpPr>
+          <p:cNvPr id="4" name="Slide Number Placeholder 3"/>
+          <p:cNvSpPr>
+            <a:spLocks noGrp="1"/>
+          </p:cNvSpPr>
+          <p:nvPr>
+            <p:ph type="sldNum" idx="5" sz="quarter"/>
+          </p:nvPr>
+        </p:nvSpPr>
+        <p:spPr/>
+      </p:sp>
+    </p:spTree>
+  </p:cSld>
+  <p:clrMapOvr>
+    <a:masterClrMapping/>
+  </p:clrMapOvr>
+</p:notes>
+</file>
+
+<file path=ppt/notesSlides/notesSlide14.xml><?xml version="1.0" encoding="utf-8"?>
+<p:notes xmlns:a="http://schemas.openxmlformats.org/drawingml/2006/main" xmlns:p="http://schemas.openxmlformats.org/presentationml/2006/main" xmlns:r="http://schemas.openxmlformats.org/officeDocument/2006/relationships">
+  <p:cSld>
+    <p:spTree>
+      <p:nvGrpSpPr>
+        <p:cNvPr id="1" name=""/>
+        <p:cNvGrpSpPr/>
+        <p:nvPr/>
+      </p:nvGrpSpPr>
+      <p:grpSpPr>
+        <a:xfrm>
+          <a:off x="0" y="0"/>
+          <a:ext cx="0" cy="0"/>
+          <a:chOff x="0" y="0"/>
+          <a:chExt cx="0" cy="0"/>
+        </a:xfrm>
+      </p:grpSpPr>
+      <p:sp>
+        <p:nvSpPr>
+          <p:cNvPr id="2" name="Slide Image Placeholder 1"/>
+          <p:cNvSpPr>
+            <a:spLocks noGrp="1"/>
+          </p:cNvSpPr>
+          <p:nvPr>
+            <p:ph type="sldImg" idx="2"/>
+          </p:nvPr>
+        </p:nvSpPr>
+        <p:spPr/>
+      </p:sp>
+      <p:sp>
+        <p:nvSpPr>
+          <p:cNvPr id="3" name="Notes Placeholder 2"/>
+          <p:cNvSpPr>
+            <a:spLocks noGrp="1"/>
+          </p:cNvSpPr>
+          <p:nvPr>
+            <p:ph type="body" idx="3" sz="quarter"/>
+          </p:nvPr>
+        </p:nvSpPr>
+        <p:spPr/>
+        <p:txBody>
+          <a:bodyPr/>
+          <a:lstStyle/>
+          <a:p>
+            <a:r>
+              <a:t>Recap. RAG is essential but don't over-engineer — sometimes long context is enough.</a:t>
             </a:r>
           </a:p>
         </p:txBody>
@@ -582,7 +935,7 @@
           <a:lstStyle/>
           <a:p>
             <a:r>
-              <a:t>Two phases: index once (or on schedule), query per request. Garbage in, garbage out — chunking quality determines RAG quality.</a:t>
+              <a:t>RAG is the most important production pattern. Most real-world AI apps use some form of RAG.</a:t>
             </a:r>
           </a:p>
         </p:txBody>
@@ -652,7 +1005,7 @@
           <a:lstStyle/>
           <a:p>
             <a:r>
-              <a:t>Index: embed docs, store. Query: embed question, search, generate. This is RAG stripped to its essence. Everything else is optimization.</a:t>
+              <a:t>Walk through each step. This is the core architecture. Draw it on the whiteboard.</a:t>
             </a:r>
           </a:p>
         </p:txBody>
@@ -722,7 +1075,7 @@
           <a:lstStyle/>
           <a:p>
             <a:r>
-              <a:t>Chunking is where most RAG pipelines silently fail. Spend time on this for your specific documents.</a:t>
+              <a:t>Embeddings are the core of semantic search. Explain cosine similarity intuitively.</a:t>
             </a:r>
           </a:p>
         </p:txBody>
@@ -792,7 +1145,7 @@
           <a:lstStyle/>
           <a:p>
             <a:r>
-              <a:t>Use Chroma for prototyping. pgvector if you already have Postgres. Pinecone for zero ops. The choice matters less than chunking + embedding strategy.</a:t>
+              <a:t>Simple embedding call. The key insight: semantically similar text produces similar vectors.</a:t>
             </a:r>
           </a:p>
         </p:txBody>
@@ -862,7 +1215,7 @@
           <a:lstStyle/>
           <a:p>
             <a:r>
-              <a:t>Hybrid search is biggest bang for buck. Reranking, query expansion, and contextual retrieval are additive improvements.</a:t>
+              <a:t>ChromaDB for learning and prototyping. Pinecone for production. pgvector if you already use Postgres.</a:t>
             </a:r>
           </a:p>
         </p:txBody>
@@ -932,7 +1285,7 @@
           <a:lstStyle/>
           <a:p>
             <a:r>
-              <a:t>Even with 400K-1M context, RAG wins on cost, accuracy (needle-in-haystack), and freshness. Fine-tuning is for HOW the model behaves, not WHAT it knows.</a:t>
+              <a:t>ChromaDB is the easiest vector DB to start with. No server needed. Show the full pipeline.</a:t>
             </a:r>
           </a:p>
         </p:txBody>
@@ -1002,7 +1355,77 @@
           <a:lstStyle/>
           <a:p>
             <a:r>
-              <a:t>Two strategies: sliding window (drop oldest) and summarization (compress). Budget your context window: 50% retrieved docs, 25% history, 25% response.</a:t>
+              <a:t>The generation step. Key: system prompt tells the model to ONLY use provided context and cite sources.</a:t>
+            </a:r>
+          </a:p>
+        </p:txBody>
+      </p:sp>
+      <p:sp>
+        <p:nvSpPr>
+          <p:cNvPr id="4" name="Slide Number Placeholder 3"/>
+          <p:cNvSpPr>
+            <a:spLocks noGrp="1"/>
+          </p:cNvSpPr>
+          <p:nvPr>
+            <p:ph type="sldNum" idx="5" sz="quarter"/>
+          </p:nvPr>
+        </p:nvSpPr>
+        <p:spPr/>
+      </p:sp>
+    </p:spTree>
+  </p:cSld>
+  <p:clrMapOvr>
+    <a:masterClrMapping/>
+  </p:clrMapOvr>
+</p:notes>
+</file>
+
+<file path=ppt/notesSlides/notesSlide9.xml><?xml version="1.0" encoding="utf-8"?>
+<p:notes xmlns:a="http://schemas.openxmlformats.org/drawingml/2006/main" xmlns:p="http://schemas.openxmlformats.org/presentationml/2006/main" xmlns:r="http://schemas.openxmlformats.org/officeDocument/2006/relationships">
+  <p:cSld>
+    <p:spTree>
+      <p:nvGrpSpPr>
+        <p:cNvPr id="1" name=""/>
+        <p:cNvGrpSpPr/>
+        <p:nvPr/>
+      </p:nvGrpSpPr>
+      <p:grpSpPr>
+        <a:xfrm>
+          <a:off x="0" y="0"/>
+          <a:ext cx="0" cy="0"/>
+          <a:chOff x="0" y="0"/>
+          <a:chExt cx="0" cy="0"/>
+        </a:xfrm>
+      </p:grpSpPr>
+      <p:sp>
+        <p:nvSpPr>
+          <p:cNvPr id="2" name="Slide Image Placeholder 1"/>
+          <p:cNvSpPr>
+            <a:spLocks noGrp="1"/>
+          </p:cNvSpPr>
+          <p:nvPr>
+            <p:ph type="sldImg" idx="2"/>
+          </p:nvPr>
+        </p:nvSpPr>
+        <p:spPr/>
+      </p:sp>
+      <p:sp>
+        <p:nvSpPr>
+          <p:cNvPr id="3" name="Notes Placeholder 2"/>
+          <p:cNvSpPr>
+            <a:spLocks noGrp="1"/>
+          </p:cNvSpPr>
+          <p:nvPr>
+            <p:ph type="body" idx="3" sz="quarter"/>
+          </p:nvPr>
+        </p:nvSpPr>
+        <p:spPr/>
+        <p:txBody>
+          <a:bodyPr/>
+          <a:lstStyle/>
+          <a:p>
+            <a:r>
+              <a:t>RAG isn't always the answer. If your data fits in the context window, just use long context. It's simpler and often better.</a:t>
             </a:r>
           </a:p>
         </p:txBody>
@@ -4024,8 +4447,8 @@
         </p:nvSpPr>
         <p:spPr>
           <a:xfrm>
-            <a:off x="914400" y="731520"/>
-            <a:ext cx="10058400" cy="548640"/>
+            <a:off x="914400" y="1828800"/>
+            <a:ext cx="10362895" cy="1371600"/>
           </a:xfrm>
           <a:prstGeom prst="rect">
             <a:avLst/>
@@ -4039,14 +4462,14 @@
           <a:lstStyle/>
           <a:p>
             <a:pPr algn="l">
-              <a:defRPr sz="1600" b="1">
-                <a:solidFill>
-                  <a:srgbClr val="0096D6"/>
+              <a:defRPr sz="4400" b="1">
+                <a:solidFill>
+                  <a:srgbClr val="FFFFFF"/>
                 </a:solidFill>
               </a:defRPr>
             </a:pPr>
             <a:r>
-              <a:t>SESSION 6</a:t>
+              <a:t>RAG &amp; Data</a:t>
             </a:r>
           </a:p>
         </p:txBody>
@@ -4059,8 +4482,8 @@
         </p:nvSpPr>
         <p:spPr>
           <a:xfrm>
-            <a:off x="914400" y="1371600"/>
-            <a:ext cx="10058400" cy="1371600"/>
+            <a:off x="914400" y="3291840"/>
+            <a:ext cx="10362895" cy="914400"/>
           </a:xfrm>
           <a:prstGeom prst="rect">
             <a:avLst/>
@@ -4073,15 +4496,15 @@
           </a:bodyPr>
           <a:lstStyle/>
           <a:p>
-            <a:pPr>
-              <a:defRPr sz="4000" b="1">
-                <a:solidFill>
-                  <a:srgbClr val="FFFFFF"/>
+            <a:pPr algn="l">
+              <a:defRPr sz="2200">
+                <a:solidFill>
+                  <a:srgbClr val="0096D6"/>
                 </a:solidFill>
               </a:defRPr>
             </a:pPr>
             <a:r>
-              <a:t>RAG &amp; Data</a:t>
+              <a:t>Embeddings, vector databases, retrieval-augmented generation</a:t>
             </a:r>
           </a:p>
         </p:txBody>
@@ -4094,8 +4517,8 @@
         </p:nvSpPr>
         <p:spPr>
           <a:xfrm>
-            <a:off x="914400" y="2743200"/>
-            <a:ext cx="10058400" cy="457200"/>
+            <a:off x="914400" y="4572000"/>
+            <a:ext cx="10362895" cy="548640"/>
           </a:xfrm>
           <a:prstGeom prst="rect">
             <a:avLst/>
@@ -4108,113 +4531,15 @@
           </a:bodyPr>
           <a:lstStyle/>
           <a:p>
-            <a:pPr>
-              <a:defRPr sz="1800">
-                <a:solidFill>
-                  <a:srgbClr val="88AACC"/>
+            <a:pPr algn="l">
+              <a:defRPr sz="1400">
+                <a:solidFill>
+                  <a:srgbClr val="8899BB"/>
                 </a:solidFill>
               </a:defRPr>
             </a:pPr>
             <a:r>
-              <a:t>Cut the Crap — AI Engineer Edition</a:t>
-            </a:r>
-          </a:p>
-        </p:txBody>
-      </p:sp>
-      <p:sp>
-        <p:nvSpPr>
-          <p:cNvPr id="5" name="TextBox 4"/>
-          <p:cNvSpPr txBox="1"/>
-          <p:nvPr/>
-        </p:nvSpPr>
-        <p:spPr>
-          <a:xfrm>
-            <a:off x="914400" y="3657600"/>
-            <a:ext cx="10058400" cy="2743200"/>
-          </a:xfrm>
-          <a:prstGeom prst="rect">
-            <a:avLst/>
-          </a:prstGeom>
-          <a:noFill/>
-        </p:spPr>
-        <p:txBody>
-          <a:bodyPr wrap="square">
-            <a:spAutoFit/>
-          </a:bodyPr>
-          <a:lstStyle/>
-          <a:p>
-            <a:pPr>
-              <a:spcAft>
-                <a:spcPts val="600"/>
-              </a:spcAft>
-              <a:defRPr sz="1600">
-                <a:solidFill>
-                  <a:srgbClr val="CCDDEE"/>
-                </a:solidFill>
-              </a:defRPr>
-            </a:pPr>
-            <a:r>
-              <a:t>▸ RAG: what it is and why it matters (even with 400K-1M context)</a:t>
-            </a:r>
-          </a:p>
-          <a:p>
-            <a:pPr>
-              <a:spcAft>
-                <a:spcPts val="600"/>
-              </a:spcAft>
-              <a:defRPr sz="1600">
-                <a:solidFill>
-                  <a:srgbClr val="CCDDEE"/>
-                </a:solidFill>
-              </a:defRPr>
-            </a:pPr>
-            <a:r>
-              <a:t>▸ Full pipeline: chunk → embed → store → retrieve → generate</a:t>
-            </a:r>
-          </a:p>
-          <a:p>
-            <a:pPr>
-              <a:spcAft>
-                <a:spcPts val="600"/>
-              </a:spcAft>
-              <a:defRPr sz="1600">
-                <a:solidFill>
-                  <a:srgbClr val="CCDDEE"/>
-                </a:solidFill>
-              </a:defRPr>
-            </a:pPr>
-            <a:r>
-              <a:t>▸ Vector databases: Chroma, Pinecone, pgvector</a:t>
-            </a:r>
-          </a:p>
-          <a:p>
-            <a:pPr>
-              <a:spcAft>
-                <a:spcPts val="600"/>
-              </a:spcAft>
-              <a:defRPr sz="1600">
-                <a:solidFill>
-                  <a:srgbClr val="CCDDEE"/>
-                </a:solidFill>
-              </a:defRPr>
-            </a:pPr>
-            <a:r>
-              <a:t>▸ RAG vs long context vs fine-tuning decision tree</a:t>
-            </a:r>
-          </a:p>
-          <a:p>
-            <a:pPr>
-              <a:spcAft>
-                <a:spcPts val="600"/>
-              </a:spcAft>
-              <a:defRPr sz="1600">
-                <a:solidFill>
-                  <a:srgbClr val="CCDDEE"/>
-                </a:solidFill>
-              </a:defRPr>
-            </a:pPr>
-            <a:r>
-              <a:t>▸ Hands-on: build a RAG pipeline from scratch</a:t>
+              <a:t>Session 6 of 8  •  Cut the Crap — AI Engineer Edition  •  February 2026</a:t>
             </a:r>
           </a:p>
         </p:txBody>
@@ -4230,14 +4555,6 @@
 <file path=ppt/slides/slide10.xml><?xml version="1.0" encoding="utf-8"?>
 <p:sld xmlns:a="http://schemas.openxmlformats.org/drawingml/2006/main" xmlns:p="http://schemas.openxmlformats.org/presentationml/2006/main" xmlns:r="http://schemas.openxmlformats.org/officeDocument/2006/relationships">
   <p:cSld>
-    <p:bg>
-      <p:bgPr>
-        <a:solidFill>
-          <a:srgbClr val="FFFFFF"/>
-        </a:solidFill>
-        <a:effectLst/>
-      </p:bgPr>
-    </p:bg>
     <p:spTree>
       <p:nvGrpSpPr>
         <p:cNvPr id="1" name=""/>
@@ -4254,7 +4571,7 @@
         <p:spPr>
           <a:xfrm>
             <a:off x="0" y="0"/>
-            <a:ext cx="12191695" cy="54864"/>
+            <a:ext cx="12191695" cy="73152"/>
           </a:xfrm>
           <a:prstGeom prst="rect">
             <a:avLst/>
@@ -4297,7 +4614,7 @@
         <p:spPr>
           <a:xfrm>
             <a:off x="731520" y="274320"/>
-            <a:ext cx="10515600" cy="731520"/>
+            <a:ext cx="10728655" cy="822960"/>
           </a:xfrm>
           <a:prstGeom prst="rect">
             <a:avLst/>
@@ -4310,15 +4627,15 @@
           </a:bodyPr>
           <a:lstStyle/>
           <a:p>
-            <a:pPr>
-              <a:defRPr sz="2800" b="1">
+            <a:pPr algn="l">
+              <a:defRPr sz="3200" b="1">
                 <a:solidFill>
                   <a:srgbClr val="1B2A4A"/>
                 </a:solidFill>
               </a:defRPr>
             </a:pPr>
             <a:r>
-              <a:t>Hands-On: Build a RAG Pipeline</a:t>
+              <a:t>Chunking Strategies</a:t>
             </a:r>
           </a:p>
         </p:txBody>
@@ -4331,8 +4648,8 @@
         </p:nvSpPr>
         <p:spPr>
           <a:xfrm>
-            <a:off x="731520" y="1188720"/>
-            <a:ext cx="10515600" cy="5029200"/>
+            <a:off x="914400" y="1280160"/>
+            <a:ext cx="10362895" cy="5029200"/>
           </a:xfrm>
           <a:prstGeom prst="rect">
             <a:avLst/>
@@ -4346,77 +4663,110 @@
           <a:lstStyle/>
           <a:p>
             <a:pPr>
+              <a:spcBef>
+                <a:spcPts val="400"/>
+              </a:spcBef>
               <a:spcAft>
                 <a:spcPts val="800"/>
               </a:spcAft>
-              <a:defRPr sz="1800">
+              <a:defRPr sz="2000">
                 <a:solidFill>
                   <a:srgbClr val="333333"/>
                 </a:solidFill>
               </a:defRPr>
             </a:pPr>
             <a:r>
-              <a:t>Load sample documents, chunk with RecursiveCharacterTextSplitter</a:t>
+              <a:t>Recursive text splitting: split on \n\n, then \n, then sentences</a:t>
             </a:r>
           </a:p>
           <a:p>
             <a:pPr>
+              <a:spcBef>
+                <a:spcPts val="400"/>
+              </a:spcBef>
               <a:spcAft>
                 <a:spcPts val="800"/>
               </a:spcAft>
-              <a:defRPr sz="1800">
+              <a:defRPr sz="2000">
                 <a:solidFill>
                   <a:srgbClr val="333333"/>
                 </a:solidFill>
               </a:defRPr>
             </a:pPr>
             <a:r>
-              <a:t>Embed with text-embedding-3-small, store in Chroma</a:t>
+              <a:t>Chunk size: 300-500 tokens typical, with 50-100 token overlap</a:t>
             </a:r>
           </a:p>
           <a:p>
             <a:pPr>
+              <a:spcBef>
+                <a:spcPts val="400"/>
+              </a:spcBef>
               <a:spcAft>
                 <a:spcPts val="800"/>
               </a:spcAft>
-              <a:defRPr sz="1800">
+              <a:defRPr sz="2000">
                 <a:solidFill>
                   <a:srgbClr val="333333"/>
                 </a:solidFill>
               </a:defRPr>
             </a:pPr>
             <a:r>
-              <a:t>Query with semantic search, generate answers with source citations</a:t>
+              <a:t>Semantic chunking: split at topic boundaries (more complex)</a:t>
             </a:r>
           </a:p>
           <a:p>
             <a:pPr>
+              <a:spcBef>
+                <a:spcPts val="400"/>
+              </a:spcBef>
               <a:spcAft>
                 <a:spcPts val="800"/>
               </a:spcAft>
-              <a:defRPr sz="1800">
+              <a:defRPr sz="2000">
                 <a:solidFill>
                   <a:srgbClr val="333333"/>
                 </a:solidFill>
               </a:defRPr>
             </a:pPr>
             <a:r>
-              <a:t>Add 'say I don't know' guardrail for out-of-scope questions</a:t>
+              <a:t>Document-aware: respect headings, code blocks, tables</a:t>
             </a:r>
           </a:p>
           <a:p>
             <a:pPr>
+              <a:spcBef>
+                <a:spcPts val="400"/>
+              </a:spcBef>
               <a:spcAft>
                 <a:spcPts val="800"/>
               </a:spcAft>
-              <a:defRPr sz="1800">
+              <a:defRPr sz="2000">
                 <a:solidFill>
                   <a:srgbClr val="333333"/>
                 </a:solidFill>
               </a:defRPr>
             </a:pPr>
             <a:r>
-              <a:t>📝 Time: 30 minutes — code: session-6/code/rag_pipeline.py</a:t>
+              <a:t>Too small → loses context; too large → dilutes relevance</a:t>
+            </a:r>
+          </a:p>
+          <a:p>
+            <a:pPr>
+              <a:spcBef>
+                <a:spcPts val="400"/>
+              </a:spcBef>
+              <a:spcAft>
+                <a:spcPts val="800"/>
+              </a:spcAft>
+              <a:defRPr sz="2000">
+                <a:solidFill>
+                  <a:srgbClr val="333333"/>
+                </a:solidFill>
+              </a:defRPr>
+            </a:pPr>
+            <a:r>
+              <a:t>Experiment: chunk size has huge impact on retrieval quality</a:t>
             </a:r>
           </a:p>
         </p:txBody>
@@ -4432,14 +4782,6 @@
 <file path=ppt/slides/slide11.xml><?xml version="1.0" encoding="utf-8"?>
 <p:sld xmlns:a="http://schemas.openxmlformats.org/drawingml/2006/main" xmlns:p="http://schemas.openxmlformats.org/presentationml/2006/main" xmlns:r="http://schemas.openxmlformats.org/officeDocument/2006/relationships">
   <p:cSld>
-    <p:bg>
-      <p:bgPr>
-        <a:solidFill>
-          <a:srgbClr val="FFFFFF"/>
-        </a:solidFill>
-        <a:effectLst/>
-      </p:bgPr>
-    </p:bg>
     <p:spTree>
       <p:nvGrpSpPr>
         <p:cNvPr id="1" name=""/>
@@ -4456,7 +4798,7 @@
         <p:spPr>
           <a:xfrm>
             <a:off x="0" y="0"/>
-            <a:ext cx="12191695" cy="54864"/>
+            <a:ext cx="12191695" cy="73152"/>
           </a:xfrm>
           <a:prstGeom prst="rect">
             <a:avLst/>
@@ -4499,7 +4841,7 @@
         <p:spPr>
           <a:xfrm>
             <a:off x="731520" y="274320"/>
-            <a:ext cx="10515600" cy="731520"/>
+            <a:ext cx="10728655" cy="822960"/>
           </a:xfrm>
           <a:prstGeom prst="rect">
             <a:avLst/>
@@ -4512,15 +4854,15 @@
           </a:bodyPr>
           <a:lstStyle/>
           <a:p>
-            <a:pPr>
-              <a:defRPr sz="2800" b="1">
+            <a:pPr algn="l">
+              <a:defRPr sz="3200" b="1">
                 <a:solidFill>
                   <a:srgbClr val="1B2A4A"/>
                 </a:solidFill>
               </a:defRPr>
             </a:pPr>
             <a:r>
-              <a:t>Session 6 Recap</a:t>
+              <a:t>Context Window Management</a:t>
             </a:r>
           </a:p>
         </p:txBody>
@@ -4533,8 +4875,8 @@
         </p:nvSpPr>
         <p:spPr>
           <a:xfrm>
-            <a:off x="731520" y="1188720"/>
-            <a:ext cx="10515600" cy="5029200"/>
+            <a:off x="914400" y="1280160"/>
+            <a:ext cx="10362895" cy="5029200"/>
           </a:xfrm>
           <a:prstGeom prst="rect">
             <a:avLst/>
@@ -4548,92 +4890,110 @@
           <a:lstStyle/>
           <a:p>
             <a:pPr>
+              <a:spcBef>
+                <a:spcPts val="400"/>
+              </a:spcBef>
               <a:spcAft>
                 <a:spcPts val="800"/>
               </a:spcAft>
-              <a:defRPr sz="1800">
+              <a:defRPr sz="2000">
                 <a:solidFill>
                   <a:srgbClr val="333333"/>
                 </a:solidFill>
               </a:defRPr>
             </a:pPr>
             <a:r>
-              <a:t>✅ RAG = search → stuff → generate — the #1 enterprise AI pattern</a:t>
+              <a:t>GPT-4.1: 1M token context, 32K output</a:t>
             </a:r>
           </a:p>
           <a:p>
             <a:pPr>
+              <a:spcBef>
+                <a:spcPts val="400"/>
+              </a:spcBef>
               <a:spcAft>
                 <a:spcPts val="800"/>
               </a:spcAft>
-              <a:defRPr sz="1800">
+              <a:defRPr sz="2000">
                 <a:solidFill>
                   <a:srgbClr val="333333"/>
                 </a:solidFill>
               </a:defRPr>
             </a:pPr>
             <a:r>
-              <a:t>✅ Chunking matters more than model choice — 200-500 tokens, overlap, structure</a:t>
+              <a:t>Sonnet 4.6: 200K context, 8K output (common default)</a:t>
             </a:r>
           </a:p>
           <a:p>
             <a:pPr>
+              <a:spcBef>
+                <a:spcPts val="400"/>
+              </a:spcBef>
               <a:spcAft>
                 <a:spcPts val="800"/>
               </a:spcAft>
-              <a:defRPr sz="1800">
+              <a:defRPr sz="2000">
                 <a:solidFill>
                   <a:srgbClr val="333333"/>
                 </a:solidFill>
               </a:defRPr>
             </a:pPr>
             <a:r>
-              <a:t>✅ Start with Chroma (local), pgvector/Pinecone for production</a:t>
+              <a:t>Gemini 2.5 Pro: 1M+ context</a:t>
             </a:r>
           </a:p>
           <a:p>
             <a:pPr>
+              <a:spcBef>
+                <a:spcPts val="400"/>
+              </a:spcBef>
               <a:spcAft>
                 <a:spcPts val="800"/>
               </a:spcAft>
-              <a:defRPr sz="1800">
+              <a:defRPr sz="2000">
                 <a:solidFill>
                   <a:srgbClr val="333333"/>
                 </a:solidFill>
               </a:defRPr>
             </a:pPr>
             <a:r>
-              <a:t>✅ RAG for knowledge, fine-tuning for behavior, long context for small doc sets</a:t>
+              <a:t>Strategy: use large context for small corpora, RAG for large</a:t>
             </a:r>
           </a:p>
           <a:p>
             <a:pPr>
+              <a:spcBef>
+                <a:spcPts val="400"/>
+              </a:spcBef>
               <a:spcAft>
                 <a:spcPts val="800"/>
               </a:spcAft>
-              <a:defRPr sz="1800">
+              <a:defRPr sz="2000">
                 <a:solidFill>
                   <a:srgbClr val="333333"/>
                 </a:solidFill>
               </a:defRPr>
             </a:pPr>
             <a:r>
-              <a:t>✅ Always add 'say I don't know' to prevent hallucinations on missing context</a:t>
+              <a:t>Sliding window: keep recent + summarize old messages</a:t>
             </a:r>
           </a:p>
           <a:p>
             <a:pPr>
+              <a:spcBef>
+                <a:spcPts val="400"/>
+              </a:spcBef>
               <a:spcAft>
                 <a:spcPts val="800"/>
               </a:spcAft>
-              <a:defRPr sz="1800">
+              <a:defRPr sz="2000">
                 <a:solidFill>
                   <a:srgbClr val="333333"/>
                 </a:solidFill>
               </a:defRPr>
             </a:pPr>
             <a:r>
-              <a:t>Next → Session 7: Observability, evals &amp; security</a:t>
+              <a:t>Token counting: tiktoken (OpenAI), anthropic token counting</a:t>
             </a:r>
           </a:p>
         </p:txBody>
@@ -4646,17 +5006,9 @@
 </p:sld>
 </file>
 
-<file path=ppt/slides/slide2.xml><?xml version="1.0" encoding="utf-8"?>
+<file path=ppt/slides/slide12.xml><?xml version="1.0" encoding="utf-8"?>
 <p:sld xmlns:a="http://schemas.openxmlformats.org/drawingml/2006/main" xmlns:p="http://schemas.openxmlformats.org/presentationml/2006/main" xmlns:r="http://schemas.openxmlformats.org/officeDocument/2006/relationships">
   <p:cSld>
-    <p:bg>
-      <p:bgPr>
-        <a:solidFill>
-          <a:srgbClr val="FFFFFF"/>
-        </a:solidFill>
-        <a:effectLst/>
-      </p:bgPr>
-    </p:bg>
     <p:spTree>
       <p:nvGrpSpPr>
         <p:cNvPr id="1" name=""/>
@@ -4673,7 +5025,7 @@
         <p:spPr>
           <a:xfrm>
             <a:off x="0" y="0"/>
-            <a:ext cx="12191695" cy="54864"/>
+            <a:ext cx="12191695" cy="73152"/>
           </a:xfrm>
           <a:prstGeom prst="rect">
             <a:avLst/>
@@ -4716,7 +5068,7 @@
         <p:spPr>
           <a:xfrm>
             <a:off x="731520" y="274320"/>
-            <a:ext cx="10515600" cy="731520"/>
+            <a:ext cx="10728655" cy="822960"/>
           </a:xfrm>
           <a:prstGeom prst="rect">
             <a:avLst/>
@@ -4729,15 +5081,15 @@
           </a:bodyPr>
           <a:lstStyle/>
           <a:p>
-            <a:pPr>
-              <a:defRPr sz="2800" b="1">
+            <a:pPr algn="l">
+              <a:defRPr sz="3200" b="1">
                 <a:solidFill>
                   <a:srgbClr val="1B2A4A"/>
                 </a:solidFill>
               </a:defRPr>
             </a:pPr>
             <a:r>
-              <a:t>The Problem: LLMs Don't Know Your Stuff</a:t>
+              <a:t>Fine-Tuning (Brief Overview)</a:t>
             </a:r>
           </a:p>
         </p:txBody>
@@ -4750,8 +5102,8 @@
         </p:nvSpPr>
         <p:spPr>
           <a:xfrm>
-            <a:off x="731520" y="1188720"/>
-            <a:ext cx="10515600" cy="5029200"/>
+            <a:off x="914400" y="1280160"/>
+            <a:ext cx="10362895" cy="5029200"/>
           </a:xfrm>
           <a:prstGeom prst="rect">
             <a:avLst/>
@@ -4765,77 +5117,110 @@
           <a:lstStyle/>
           <a:p>
             <a:pPr>
+              <a:spcBef>
+                <a:spcPts val="400"/>
+              </a:spcBef>
               <a:spcAft>
                 <a:spcPts val="800"/>
               </a:spcAft>
-              <a:defRPr sz="1800">
+              <a:defRPr sz="2000">
                 <a:solidFill>
                   <a:srgbClr val="333333"/>
                 </a:solidFill>
               </a:defRPr>
             </a:pPr>
             <a:r>
-              <a:t>LLMs know a lot but NOT: your internal docs, product specs, customer data</a:t>
+              <a:t>Fine-tuning: train the model on your specific data/style</a:t>
             </a:r>
           </a:p>
           <a:p>
             <a:pPr>
+              <a:spcBef>
+                <a:spcPts val="400"/>
+              </a:spcBef>
               <a:spcAft>
                 <a:spcPts val="800"/>
               </a:spcAft>
-              <a:defRPr sz="1800">
+              <a:defRPr sz="2000">
                 <a:solidFill>
                   <a:srgbClr val="333333"/>
                 </a:solidFill>
               </a:defRPr>
             </a:pPr>
             <a:r>
-              <a:t>Two options: fine-tune (expensive, slow) or give data at query time (RAG) ✅</a:t>
+              <a:t>OpenAI: fine-tune GPT-4.1 with your JSONL training data</a:t>
             </a:r>
           </a:p>
           <a:p>
             <a:pPr>
+              <a:spcBef>
+                <a:spcPts val="400"/>
+              </a:spcBef>
               <a:spcAft>
                 <a:spcPts val="800"/>
               </a:spcAft>
-              <a:defRPr sz="1800">
+              <a:defRPr sz="2000">
                 <a:solidFill>
                   <a:srgbClr val="333333"/>
                 </a:solidFill>
               </a:defRPr>
             </a:pPr>
             <a:r>
-              <a:t>RAG = Retrieval-Augmented Generation — search docs, stuff into prompt, generate</a:t>
+              <a:t>LoRA: parameter-efficient fine-tuning for open models</a:t>
             </a:r>
           </a:p>
           <a:p>
             <a:pPr>
+              <a:spcBef>
+                <a:spcPts val="400"/>
+              </a:spcBef>
               <a:spcAft>
                 <a:spcPts val="800"/>
               </a:spcAft>
-              <a:defRPr sz="1800">
+              <a:defRPr sz="2000">
                 <a:solidFill>
                   <a:srgbClr val="333333"/>
                 </a:solidFill>
               </a:defRPr>
             </a:pPr>
             <a:r>
-              <a:t>The most deployed AI pattern in enterprise — 2026 and still growing</a:t>
+              <a:t>Best for: consistent style, specialized vocabulary, behavior</a:t>
             </a:r>
           </a:p>
           <a:p>
             <a:pPr>
+              <a:spcBef>
+                <a:spcPts val="400"/>
+              </a:spcBef>
               <a:spcAft>
                 <a:spcPts val="800"/>
               </a:spcAft>
-              <a:defRPr sz="1800">
+              <a:defRPr sz="2000">
                 <a:solidFill>
                   <a:srgbClr val="333333"/>
                 </a:solidFill>
               </a:defRPr>
             </a:pPr>
             <a:r>
-              <a:t>Even with 400K-1M context windows, RAG is cheaper and more accurate at scale</a:t>
+              <a:t>NOT for: injecting facts (use RAG), general knowledge</a:t>
+            </a:r>
+          </a:p>
+          <a:p>
+            <a:pPr>
+              <a:spcBef>
+                <a:spcPts val="400"/>
+              </a:spcBef>
+              <a:spcAft>
+                <a:spcPts val="800"/>
+              </a:spcAft>
+              <a:defRPr sz="2000">
+                <a:solidFill>
+                  <a:srgbClr val="333333"/>
+                </a:solidFill>
+              </a:defRPr>
+            </a:pPr>
+            <a:r>
+              <a:t>Start with prompting → RAG → fine-tune (last resort)</a:t>
             </a:r>
           </a:p>
         </p:txBody>
@@ -4848,17 +5233,9 @@
 </p:sld>
 </file>
 
-<file path=ppt/slides/slide3.xml><?xml version="1.0" encoding="utf-8"?>
+<file path=ppt/slides/slide13.xml><?xml version="1.0" encoding="utf-8"?>
 <p:sld xmlns:a="http://schemas.openxmlformats.org/drawingml/2006/main" xmlns:p="http://schemas.openxmlformats.org/presentationml/2006/main" xmlns:r="http://schemas.openxmlformats.org/officeDocument/2006/relationships">
   <p:cSld>
-    <p:bg>
-      <p:bgPr>
-        <a:solidFill>
-          <a:srgbClr val="FFFFFF"/>
-        </a:solidFill>
-        <a:effectLst/>
-      </p:bgPr>
-    </p:bg>
     <p:spTree>
       <p:nvGrpSpPr>
         <p:cNvPr id="1" name=""/>
@@ -4875,7 +5252,7 @@
         <p:spPr>
           <a:xfrm>
             <a:off x="0" y="0"/>
-            <a:ext cx="12191695" cy="54864"/>
+            <a:ext cx="12191695" cy="73152"/>
           </a:xfrm>
           <a:prstGeom prst="rect">
             <a:avLst/>
@@ -4918,7 +5295,7 @@
         <p:spPr>
           <a:xfrm>
             <a:off x="731520" y="274320"/>
-            <a:ext cx="10515600" cy="731520"/>
+            <a:ext cx="10728655" cy="822960"/>
           </a:xfrm>
           <a:prstGeom prst="rect">
             <a:avLst/>
@@ -4931,15 +5308,15 @@
           </a:bodyPr>
           <a:lstStyle/>
           <a:p>
-            <a:pPr>
-              <a:defRPr sz="2800" b="1">
+            <a:pPr algn="l">
+              <a:defRPr sz="3200" b="1">
                 <a:solidFill>
                   <a:srgbClr val="1B2A4A"/>
                 </a:solidFill>
               </a:defRPr>
             </a:pPr>
             <a:r>
-              <a:t>RAG Pipeline — The Big Picture</a:t>
+              <a:t>Hands-On: RAG Pipeline</a:t>
             </a:r>
           </a:p>
         </p:txBody>
@@ -4952,8 +5329,8 @@
         </p:nvSpPr>
         <p:spPr>
           <a:xfrm>
-            <a:off x="731520" y="1188720"/>
-            <a:ext cx="10515600" cy="5029200"/>
+            <a:off x="914400" y="1280160"/>
+            <a:ext cx="10362895" cy="5029200"/>
           </a:xfrm>
           <a:prstGeom prst="rect">
             <a:avLst/>
@@ -4967,77 +5344,110 @@
           <a:lstStyle/>
           <a:p>
             <a:pPr>
+              <a:spcBef>
+                <a:spcPts val="400"/>
+              </a:spcBef>
               <a:spcAft>
                 <a:spcPts val="800"/>
               </a:spcAft>
-              <a:defRPr sz="1800">
+              <a:defRPr sz="2000">
                 <a:solidFill>
                   <a:srgbClr val="333333"/>
                 </a:solidFill>
               </a:defRPr>
             </a:pPr>
             <a:r>
-              <a:t>INDEXING (offline): chunk docs → embed each chunk → store in vector DB</a:t>
+              <a:t>rag_pipeline.py — document Q&amp;A with ChromaDB + GPT-4.1</a:t>
             </a:r>
           </a:p>
           <a:p>
             <a:pPr>
+              <a:spcBef>
+                <a:spcPts val="400"/>
+              </a:spcBef>
               <a:spcAft>
                 <a:spcPts val="800"/>
               </a:spcAft>
-              <a:defRPr sz="1800">
+              <a:defRPr sz="2000">
                 <a:solidFill>
                   <a:srgbClr val="333333"/>
                 </a:solidFill>
               </a:defRPr>
             </a:pPr>
             <a:r>
-              <a:t>QUERYING (online): embed question → search vector DB → feed context to LLM → generate</a:t>
+              <a:t>Sample docs: employee handbook, product FAQ, engineering standards</a:t>
             </a:r>
           </a:p>
           <a:p>
             <a:pPr>
+              <a:spcBef>
+                <a:spcPts val="400"/>
+              </a:spcBef>
               <a:spcAft>
                 <a:spcPts val="800"/>
               </a:spcAft>
-              <a:defRPr sz="1800">
+              <a:defRPr sz="2000">
                 <a:solidFill>
                   <a:srgbClr val="333333"/>
                 </a:solidFill>
               </a:defRPr>
             </a:pPr>
             <a:r>
-              <a:t>Embeddings: list of numbers representing MEANING — similar meanings → similar vectors</a:t>
+              <a:t>Chunks → embeds → stores → retrieves → generates with citations</a:t>
             </a:r>
           </a:p>
           <a:p>
             <a:pPr>
+              <a:spcBef>
+                <a:spcPts val="400"/>
+              </a:spcBef>
               <a:spcAft>
                 <a:spcPts val="800"/>
               </a:spcAft>
-              <a:defRPr sz="1800">
+              <a:defRPr sz="2000">
                 <a:solidFill>
                   <a:srgbClr val="333333"/>
                 </a:solidFill>
               </a:defRPr>
             </a:pPr>
             <a:r>
-              <a:t>text-embedding-3-small (OpenAI, $0.02/1M tokens) — embedding a book costs pennies</a:t>
+              <a:t>Debug mode: see which chunks were retrieved and similarity scores</a:t>
             </a:r>
           </a:p>
           <a:p>
             <a:pPr>
+              <a:spcBef>
+                <a:spcPts val="400"/>
+              </a:spcBef>
               <a:spcAft>
                 <a:spcPts val="800"/>
               </a:spcAft>
-              <a:defRPr sz="1800">
+              <a:defRPr sz="2000">
                 <a:solidFill>
                   <a:srgbClr val="333333"/>
                 </a:solidFill>
               </a:defRPr>
             </a:pPr>
             <a:r>
-              <a:t>Chunking strategy matters MORE than embedding model choice</a:t>
+              <a:t>Exercise: add your own documents, experiment with chunk sizes</a:t>
+            </a:r>
+          </a:p>
+          <a:p>
+            <a:pPr>
+              <a:spcBef>
+                <a:spcPts val="400"/>
+              </a:spcBef>
+              <a:spcAft>
+                <a:spcPts val="800"/>
+              </a:spcAft>
+              <a:defRPr sz="2000">
+                <a:solidFill>
+                  <a:srgbClr val="333333"/>
+                </a:solidFill>
+              </a:defRPr>
+            </a:pPr>
+            <a:r>
+              <a:t>Try questions that span multiple documents</a:t>
             </a:r>
           </a:p>
         </p:txBody>
@@ -5050,17 +5460,9 @@
 </p:sld>
 </file>
 
-<file path=ppt/slides/slide4.xml><?xml version="1.0" encoding="utf-8"?>
+<file path=ppt/slides/slide14.xml><?xml version="1.0" encoding="utf-8"?>
 <p:sld xmlns:a="http://schemas.openxmlformats.org/drawingml/2006/main" xmlns:p="http://schemas.openxmlformats.org/presentationml/2006/main" xmlns:r="http://schemas.openxmlformats.org/officeDocument/2006/relationships">
   <p:cSld>
-    <p:bg>
-      <p:bgPr>
-        <a:solidFill>
-          <a:srgbClr val="FFFFFF"/>
-        </a:solidFill>
-        <a:effectLst/>
-      </p:bgPr>
-    </p:bg>
     <p:spTree>
       <p:nvGrpSpPr>
         <p:cNvPr id="1" name=""/>
@@ -5077,7 +5479,7 @@
         <p:spPr>
           <a:xfrm>
             <a:off x="0" y="0"/>
-            <a:ext cx="12191695" cy="54864"/>
+            <a:ext cx="12191695" cy="73152"/>
           </a:xfrm>
           <a:prstGeom prst="rect">
             <a:avLst/>
@@ -5120,7 +5522,7 @@
         <p:spPr>
           <a:xfrm>
             <a:off x="731520" y="274320"/>
-            <a:ext cx="10515600" cy="731520"/>
+            <a:ext cx="10728655" cy="822960"/>
           </a:xfrm>
           <a:prstGeom prst="rect">
             <a:avLst/>
@@ -5133,72 +5535,29 @@
           </a:bodyPr>
           <a:lstStyle/>
           <a:p>
-            <a:pPr>
-              <a:defRPr sz="2800" b="1">
+            <a:pPr algn="l">
+              <a:defRPr sz="3200" b="1">
                 <a:solidFill>
                   <a:srgbClr val="1B2A4A"/>
                 </a:solidFill>
               </a:defRPr>
             </a:pPr>
             <a:r>
-              <a:t>The Full RAG Pipeline in 30 Lines</a:t>
-            </a:r>
-          </a:p>
-        </p:txBody>
-      </p:sp>
-      <p:sp>
-        <p:nvSpPr>
-          <p:cNvPr id="4" name="Rounded Rectangle 3"/>
-          <p:cNvSpPr/>
+              <a:t>Key Takeaways — Session 6</a:t>
+            </a:r>
+          </a:p>
+        </p:txBody>
+      </p:sp>
+      <p:sp>
+        <p:nvSpPr>
+          <p:cNvPr id="4" name="TextBox 3"/>
+          <p:cNvSpPr txBox="1"/>
           <p:nvPr/>
         </p:nvSpPr>
         <p:spPr>
           <a:xfrm>
-            <a:off x="548640" y="1188720"/>
-            <a:ext cx="10972800" cy="4754880"/>
-          </a:xfrm>
-          <a:prstGeom prst="roundRect">
-            <a:avLst/>
-          </a:prstGeom>
-          <a:solidFill>
-            <a:srgbClr val="F0F0F0"/>
-          </a:solidFill>
-          <a:ln>
-            <a:noFill/>
-          </a:ln>
-        </p:spPr>
-        <p:style>
-          <a:lnRef idx="1">
-            <a:schemeClr val="accent1"/>
-          </a:lnRef>
-          <a:fillRef idx="3">
-            <a:schemeClr val="accent1"/>
-          </a:fillRef>
-          <a:effectRef idx="2">
-            <a:schemeClr val="accent1"/>
-          </a:effectRef>
-          <a:fontRef idx="minor">
-            <a:schemeClr val="lt1"/>
-          </a:fontRef>
-        </p:style>
-        <p:txBody>
-          <a:bodyPr rtlCol="0" anchor="ctr"/>
-          <a:lstStyle/>
-          <a:p>
-            <a:pPr algn="ctr"/>
-          </a:p>
-        </p:txBody>
-      </p:sp>
-      <p:sp>
-        <p:nvSpPr>
-          <p:cNvPr id="5" name="TextBox 4"/>
-          <p:cNvSpPr txBox="1"/>
-          <p:nvPr/>
-        </p:nvSpPr>
-        <p:spPr>
-          <a:xfrm>
-            <a:off x="822960" y="1371600"/>
-            <a:ext cx="10424160" cy="4389120"/>
+            <a:off x="914400" y="1280160"/>
+            <a:ext cx="10362895" cy="5029200"/>
           </a:xfrm>
           <a:prstGeom prst="rect">
             <a:avLst/>
@@ -5212,114 +5571,110 @@
           <a:lstStyle/>
           <a:p>
             <a:pPr>
-              <a:defRPr sz="1200">
+              <a:spcBef>
+                <a:spcPts val="400"/>
+              </a:spcBef>
+              <a:spcAft>
+                <a:spcPts val="800"/>
+              </a:spcAft>
+              <a:defRPr sz="2000">
                 <a:solidFill>
                   <a:srgbClr val="333333"/>
                 </a:solidFill>
-                <a:latin typeface="Consolas"/>
               </a:defRPr>
             </a:pPr>
             <a:r>
-              <a:t>import chromadb</a:t>
-            </a:r>
-            <a:br/>
-            <a:r>
-              <a:t>from openai import OpenAI</a:t>
-            </a:r>
-            <a:br/>
-            <a:r>
-              <a:t>client = OpenAI()</a:t>
-            </a:r>
-            <a:br/>
-            <a:r>
-              <a:t>chroma = chromadb.Client()</a:t>
-            </a:r>
-            <a:br/>
-            <a:r>
-              <a:t>collection = chroma.create_collection("my_docs")</a:t>
-            </a:r>
-            <a:br/>
-            <a:br/>
-            <a:r>
-              <a:t># 1. INDEX: Embed and store documents</a:t>
-            </a:r>
-            <a:br/>
-            <a:r>
-              <a:t>docs = ["Refund policy allows returns within 30 days.",</a:t>
-            </a:r>
-            <a:br/>
-            <a:r>
-              <a:t>        "Premium plans include priority support and API access.",</a:t>
-            </a:r>
-            <a:br/>
-            <a:r>
-              <a:t>        "Office hours are Monday-Friday, 9am-5pm EST."]</a:t>
-            </a:r>
-            <a:br/>
-            <a:r>
-              <a:t>for i, doc in enumerate(docs):</a:t>
-            </a:r>
-            <a:br/>
-            <a:r>
-              <a:t>    emb = client.embeddings.create(model="text-embedding-3-small", input=doc).data[0].embedding</a:t>
-            </a:r>
-            <a:br/>
-            <a:r>
-              <a:t>    collection.add(ids=[f"doc_{i}"], embeddings=[emb], documents=[doc])</a:t>
-            </a:r>
-            <a:br/>
-            <a:br/>
-            <a:r>
-              <a:t># 2. QUERY: Embed question, search, generate</a:t>
-            </a:r>
-            <a:br/>
-            <a:r>
-              <a:t>question = "Can I get a refund?"</a:t>
-            </a:r>
-            <a:br/>
-            <a:r>
-              <a:t>q_emb = client.embeddings.create(model="text-embedding-3-small", input=question).data[0].embedding</a:t>
-            </a:r>
-            <a:br/>
-            <a:r>
-              <a:t>results = collection.query(query_embeddings=[q_emb], n_results=2)</a:t>
-            </a:r>
-            <a:br/>
-            <a:r>
-              <a:t>context = "\n".join(results["documents"][0])</a:t>
-            </a:r>
-            <a:br/>
-            <a:br/>
-            <a:r>
-              <a:t># 3. GENERATE: LLM answers using retrieved context</a:t>
-            </a:r>
-            <a:br/>
-            <a:r>
-              <a:t>response = client.chat.completions.create(</a:t>
-            </a:r>
-            <a:br/>
-            <a:r>
-              <a:t>    model="gpt-5.2",</a:t>
-            </a:r>
-            <a:br/>
-            <a:r>
-              <a:t>    messages=[</a:t>
-            </a:r>
-            <a:br/>
-            <a:r>
-              <a:t>        {"role":"system","content":f"Answer based on this context. If not found, say 'I don't know'.\n{context}"},</a:t>
-            </a:r>
-            <a:br/>
-            <a:r>
-              <a:t>        {"role":"user","content":question}</a:t>
-            </a:r>
-            <a:br/>
-            <a:r>
-              <a:t>    ])</a:t>
-            </a:r>
-            <a:br/>
-            <a:r>
-              <a:t>print(response.choices[0].message.content)</a:t>
+              <a:t>RAG = retrieve → augment → generate (most common AI pattern)</a:t>
+            </a:r>
+          </a:p>
+          <a:p>
+            <a:pPr>
+              <a:spcBef>
+                <a:spcPts val="400"/>
+              </a:spcBef>
+              <a:spcAft>
+                <a:spcPts val="800"/>
+              </a:spcAft>
+              <a:defRPr sz="2000">
+                <a:solidFill>
+                  <a:srgbClr val="333333"/>
+                </a:solidFill>
+              </a:defRPr>
+            </a:pPr>
+            <a:r>
+              <a:t>Embeddings: text-embedding-3-small for most use cases</a:t>
+            </a:r>
+          </a:p>
+          <a:p>
+            <a:pPr>
+              <a:spcBef>
+                <a:spcPts val="400"/>
+              </a:spcBef>
+              <a:spcAft>
+                <a:spcPts val="800"/>
+              </a:spcAft>
+              <a:defRPr sz="2000">
+                <a:solidFill>
+                  <a:srgbClr val="333333"/>
+                </a:solidFill>
+              </a:defRPr>
+            </a:pPr>
+            <a:r>
+              <a:t>ChromaDB for prototyping, Pinecone/pgvector for production</a:t>
+            </a:r>
+          </a:p>
+          <a:p>
+            <a:pPr>
+              <a:spcBef>
+                <a:spcPts val="400"/>
+              </a:spcBef>
+              <a:spcAft>
+                <a:spcPts val="800"/>
+              </a:spcAft>
+              <a:defRPr sz="2000">
+                <a:solidFill>
+                  <a:srgbClr val="333333"/>
+                </a:solidFill>
+              </a:defRPr>
+            </a:pPr>
+            <a:r>
+              <a:t>Chunk size matters — experiment to find the sweet spot</a:t>
+            </a:r>
+          </a:p>
+          <a:p>
+            <a:pPr>
+              <a:spcBef>
+                <a:spcPts val="400"/>
+              </a:spcBef>
+              <a:spcAft>
+                <a:spcPts val="800"/>
+              </a:spcAft>
+              <a:defRPr sz="2000">
+                <a:solidFill>
+                  <a:srgbClr val="333333"/>
+                </a:solidFill>
+              </a:defRPr>
+            </a:pPr>
+            <a:r>
+              <a:t>Long context windows may eliminate need for RAG on small corpora</a:t>
+            </a:r>
+          </a:p>
+          <a:p>
+            <a:pPr>
+              <a:spcBef>
+                <a:spcPts val="400"/>
+              </a:spcBef>
+              <a:spcAft>
+                <a:spcPts val="800"/>
+              </a:spcAft>
+              <a:defRPr sz="2000">
+                <a:solidFill>
+                  <a:srgbClr val="333333"/>
+                </a:solidFill>
+              </a:defRPr>
+            </a:pPr>
+            <a:r>
+              <a:t>Next session: observability, evals &amp; security</a:t>
             </a:r>
           </a:p>
         </p:txBody>
@@ -5332,17 +5687,9 @@
 </p:sld>
 </file>
 
-<file path=ppt/slides/slide5.xml><?xml version="1.0" encoding="utf-8"?>
+<file path=ppt/slides/slide2.xml><?xml version="1.0" encoding="utf-8"?>
 <p:sld xmlns:a="http://schemas.openxmlformats.org/drawingml/2006/main" xmlns:p="http://schemas.openxmlformats.org/presentationml/2006/main" xmlns:r="http://schemas.openxmlformats.org/officeDocument/2006/relationships">
   <p:cSld>
-    <p:bg>
-      <p:bgPr>
-        <a:solidFill>
-          <a:srgbClr val="FFFFFF"/>
-        </a:solidFill>
-        <a:effectLst/>
-      </p:bgPr>
-    </p:bg>
     <p:spTree>
       <p:nvGrpSpPr>
         <p:cNvPr id="1" name=""/>
@@ -5359,7 +5706,7 @@
         <p:spPr>
           <a:xfrm>
             <a:off x="0" y="0"/>
-            <a:ext cx="12191695" cy="54864"/>
+            <a:ext cx="12191695" cy="73152"/>
           </a:xfrm>
           <a:prstGeom prst="rect">
             <a:avLst/>
@@ -5402,7 +5749,7 @@
         <p:spPr>
           <a:xfrm>
             <a:off x="731520" y="274320"/>
-            <a:ext cx="10515600" cy="731520"/>
+            <a:ext cx="10728655" cy="822960"/>
           </a:xfrm>
           <a:prstGeom prst="rect">
             <a:avLst/>
@@ -5415,15 +5762,15 @@
           </a:bodyPr>
           <a:lstStyle/>
           <a:p>
-            <a:pPr>
-              <a:defRPr sz="2800" b="1">
+            <a:pPr algn="l">
+              <a:defRPr sz="3200" b="1">
                 <a:solidFill>
                   <a:srgbClr val="1B2A4A"/>
                 </a:solidFill>
               </a:defRPr>
             </a:pPr>
             <a:r>
-              <a:t>Chunking — The Underrated Step</a:t>
+              <a:t>Why RAG?</a:t>
             </a:r>
           </a:p>
         </p:txBody>
@@ -5436,8 +5783,8 @@
         </p:nvSpPr>
         <p:spPr>
           <a:xfrm>
-            <a:off x="731520" y="1188720"/>
-            <a:ext cx="10515600" cy="5029200"/>
+            <a:off x="914400" y="1280160"/>
+            <a:ext cx="10362895" cy="5029200"/>
           </a:xfrm>
           <a:prstGeom prst="rect">
             <a:avLst/>
@@ -5451,77 +5798,110 @@
           <a:lstStyle/>
           <a:p>
             <a:pPr>
+              <a:spcBef>
+                <a:spcPts val="400"/>
+              </a:spcBef>
               <a:spcAft>
                 <a:spcPts val="800"/>
               </a:spcAft>
-              <a:defRPr sz="1800">
+              <a:defRPr sz="2000">
                 <a:solidFill>
                   <a:srgbClr val="333333"/>
                 </a:solidFill>
               </a:defRPr>
             </a:pPr>
             <a:r>
-              <a:t>Bad chunking = bad RAG, no matter how good your embedding model</a:t>
+              <a:t>LLMs have training cutoffs — they don't know YOUR data</a:t>
             </a:r>
           </a:p>
           <a:p>
             <a:pPr>
+              <a:spcBef>
+                <a:spcPts val="400"/>
+              </a:spcBef>
               <a:spcAft>
                 <a:spcPts val="800"/>
               </a:spcAft>
-              <a:defRPr sz="1800">
+              <a:defRPr sz="2000">
                 <a:solidFill>
                   <a:srgbClr val="333333"/>
                 </a:solidFill>
               </a:defRPr>
             </a:pPr>
             <a:r>
-              <a:t>200-500 tokens per chunk, 10-20% overlap to catch context at boundaries</a:t>
+              <a:t>RAG: retrieve relevant docs → inject into prompt → generate</a:t>
             </a:r>
           </a:p>
           <a:p>
             <a:pPr>
+              <a:spcBef>
+                <a:spcPts val="400"/>
+              </a:spcBef>
               <a:spcAft>
                 <a:spcPts val="800"/>
               </a:spcAft>
-              <a:defRPr sz="1800">
+              <a:defRPr sz="2000">
                 <a:solidFill>
                   <a:srgbClr val="333333"/>
                 </a:solidFill>
               </a:defRPr>
             </a:pPr>
             <a:r>
-              <a:t>Respect document structure: split on paragraphs first, then sentences</a:t>
+              <a:t>Gives the model accurate, up-to-date, domain-specific info</a:t>
             </a:r>
           </a:p>
           <a:p>
             <a:pPr>
+              <a:spcBef>
+                <a:spcPts val="400"/>
+              </a:spcBef>
               <a:spcAft>
                 <a:spcPts val="800"/>
               </a:spcAft>
-              <a:defRPr sz="1800">
+              <a:defRPr sz="2000">
                 <a:solidFill>
                   <a:srgbClr val="333333"/>
                 </a:solidFill>
               </a:defRPr>
             </a:pPr>
             <a:r>
-              <a:t>RecursiveCharacterTextSplitter: tries \n\n → \n → . → space → character</a:t>
+              <a:t>No model retraining needed — just update your documents</a:t>
             </a:r>
           </a:p>
           <a:p>
             <a:pPr>
+              <a:spcBef>
+                <a:spcPts val="400"/>
+              </a:spcBef>
               <a:spcAft>
                 <a:spcPts val="800"/>
               </a:spcAft>
-              <a:defRPr sz="1800">
+              <a:defRPr sz="2000">
                 <a:solidFill>
                   <a:srgbClr val="333333"/>
                 </a:solidFill>
               </a:defRPr>
             </a:pPr>
             <a:r>
-              <a:t>Smaller chunks = more precise retrieval; bigger = more context, noisier results</a:t>
+              <a:t>Most common production AI pattern (80%+ of enterprise apps)</a:t>
+            </a:r>
+          </a:p>
+          <a:p>
+            <a:pPr>
+              <a:spcBef>
+                <a:spcPts val="400"/>
+              </a:spcBef>
+              <a:spcAft>
+                <a:spcPts val="800"/>
+              </a:spcAft>
+              <a:defRPr sz="2000">
+                <a:solidFill>
+                  <a:srgbClr val="333333"/>
+                </a:solidFill>
+              </a:defRPr>
+            </a:pPr>
+            <a:r>
+              <a:t>Alternative to fine-tuning for domain knowledge</a:t>
             </a:r>
           </a:p>
         </p:txBody>
@@ -5534,17 +5914,9 @@
 </p:sld>
 </file>
 
-<file path=ppt/slides/slide6.xml><?xml version="1.0" encoding="utf-8"?>
+<file path=ppt/slides/slide3.xml><?xml version="1.0" encoding="utf-8"?>
 <p:sld xmlns:a="http://schemas.openxmlformats.org/drawingml/2006/main" xmlns:p="http://schemas.openxmlformats.org/presentationml/2006/main" xmlns:r="http://schemas.openxmlformats.org/officeDocument/2006/relationships">
   <p:cSld>
-    <p:bg>
-      <p:bgPr>
-        <a:solidFill>
-          <a:srgbClr val="FFFFFF"/>
-        </a:solidFill>
-        <a:effectLst/>
-      </p:bgPr>
-    </p:bg>
     <p:spTree>
       <p:nvGrpSpPr>
         <p:cNvPr id="1" name=""/>
@@ -5561,7 +5933,7 @@
         <p:spPr>
           <a:xfrm>
             <a:off x="0" y="0"/>
-            <a:ext cx="12191695" cy="54864"/>
+            <a:ext cx="12191695" cy="73152"/>
           </a:xfrm>
           <a:prstGeom prst="rect">
             <a:avLst/>
@@ -5604,7 +5976,7 @@
         <p:spPr>
           <a:xfrm>
             <a:off x="731520" y="274320"/>
-            <a:ext cx="10515600" cy="731520"/>
+            <a:ext cx="10728655" cy="822960"/>
           </a:xfrm>
           <a:prstGeom prst="rect">
             <a:avLst/>
@@ -5617,705 +5989,150 @@
           </a:bodyPr>
           <a:lstStyle/>
           <a:p>
+            <a:pPr algn="l">
+              <a:defRPr sz="3200" b="1">
+                <a:solidFill>
+                  <a:srgbClr val="1B2A4A"/>
+                </a:solidFill>
+              </a:defRPr>
+            </a:pPr>
+            <a:r>
+              <a:t>The RAG Pipeline</a:t>
+            </a:r>
+          </a:p>
+        </p:txBody>
+      </p:sp>
+      <p:sp>
+        <p:nvSpPr>
+          <p:cNvPr id="4" name="TextBox 3"/>
+          <p:cNvSpPr txBox="1"/>
+          <p:nvPr/>
+        </p:nvSpPr>
+        <p:spPr>
+          <a:xfrm>
+            <a:off x="914400" y="1280160"/>
+            <a:ext cx="10362895" cy="5029200"/>
+          </a:xfrm>
+          <a:prstGeom prst="rect">
+            <a:avLst/>
+          </a:prstGeom>
+          <a:noFill/>
+        </p:spPr>
+        <p:txBody>
+          <a:bodyPr wrap="square">
+            <a:spAutoFit/>
+          </a:bodyPr>
+          <a:lstStyle/>
+          <a:p>
             <a:pPr>
-              <a:defRPr sz="2800" b="1">
-                <a:solidFill>
-                  <a:srgbClr val="1B2A4A"/>
+              <a:spcBef>
+                <a:spcPts val="400"/>
+              </a:spcBef>
+              <a:spcAft>
+                <a:spcPts val="800"/>
+              </a:spcAft>
+              <a:defRPr sz="2000">
+                <a:solidFill>
+                  <a:srgbClr val="333333"/>
                 </a:solidFill>
               </a:defRPr>
             </a:pPr>
             <a:r>
-              <a:t>Vector Databases — Pick Based on Your Stack</a:t>
-            </a:r>
-          </a:p>
-        </p:txBody>
-      </p:sp>
-      <p:graphicFrame>
-        <p:nvGraphicFramePr>
-          <p:cNvPr id="4" name="Table 3"/>
-          <p:cNvGraphicFramePr>
-            <a:graphicFrameLocks noGrp="1"/>
-          </p:cNvGraphicFramePr>
-          <p:nvPr/>
-        </p:nvGraphicFramePr>
-        <p:xfrm>
-          <a:off x="731520" y="1188720"/>
-          <a:ext cx="10515600" cy="2880360"/>
-        </p:xfrm>
-        <a:graphic>
-          <a:graphicData uri="http://schemas.openxmlformats.org/drawingml/2006/table">
-            <a:tbl>
-              <a:tblPr firstRow="1" bandRow="1">
-                <a:tableStyleId>{5C22544A-7EE6-4342-B048-85BDC9FD1C3A}</a:tableStyleId>
-              </a:tblPr>
-              <a:tblGrid>
-                <a:gridCol w="2628900"/>
-                <a:gridCol w="2628900"/>
-                <a:gridCol w="2628900"/>
-                <a:gridCol w="2628900"/>
-              </a:tblGrid>
-              <a:tr h="411480">
-                <a:tc>
-                  <a:txBody>
-                    <a:bodyPr/>
-                    <a:lstStyle/>
-                    <a:p>
-                      <a:pPr>
-                        <a:defRPr sz="1400" b="1">
-                          <a:solidFill>
-                            <a:srgbClr val="FFFFFF"/>
-                          </a:solidFill>
-                        </a:defRPr>
-                      </a:pPr>
-                      <a:r>
-                        <a:t>Database</a:t>
-                      </a:r>
-                    </a:p>
-                  </a:txBody>
-                  <a:tcPr>
-                    <a:solidFill>
-                      <a:srgbClr val="1B2A4A"/>
-                    </a:solidFill>
-                  </a:tcPr>
-                </a:tc>
-                <a:tc>
-                  <a:txBody>
-                    <a:bodyPr/>
-                    <a:lstStyle/>
-                    <a:p>
-                      <a:pPr>
-                        <a:defRPr sz="1400" b="1">
-                          <a:solidFill>
-                            <a:srgbClr val="FFFFFF"/>
-                          </a:solidFill>
-                        </a:defRPr>
-                      </a:pPr>
-                      <a:r>
-                        <a:t>Type</a:t>
-                      </a:r>
-                    </a:p>
-                  </a:txBody>
-                  <a:tcPr>
-                    <a:solidFill>
-                      <a:srgbClr val="1B2A4A"/>
-                    </a:solidFill>
-                  </a:tcPr>
-                </a:tc>
-                <a:tc>
-                  <a:txBody>
-                    <a:bodyPr/>
-                    <a:lstStyle/>
-                    <a:p>
-                      <a:pPr>
-                        <a:defRPr sz="1400" b="1">
-                          <a:solidFill>
-                            <a:srgbClr val="FFFFFF"/>
-                          </a:solidFill>
-                        </a:defRPr>
-                      </a:pPr>
-                      <a:r>
-                        <a:t>Best For</a:t>
-                      </a:r>
-                    </a:p>
-                  </a:txBody>
-                  <a:tcPr>
-                    <a:solidFill>
-                      <a:srgbClr val="1B2A4A"/>
-                    </a:solidFill>
-                  </a:tcPr>
-                </a:tc>
-                <a:tc>
-                  <a:txBody>
-                    <a:bodyPr/>
-                    <a:lstStyle/>
-                    <a:p>
-                      <a:pPr>
-                        <a:defRPr sz="1400" b="1">
-                          <a:solidFill>
-                            <a:srgbClr val="FFFFFF"/>
-                          </a:solidFill>
-                        </a:defRPr>
-                      </a:pPr>
-                      <a:r>
-                        <a:t>Cost</a:t>
-                      </a:r>
-                    </a:p>
-                  </a:txBody>
-                  <a:tcPr>
-                    <a:solidFill>
-                      <a:srgbClr val="1B2A4A"/>
-                    </a:solidFill>
-                  </a:tcPr>
-                </a:tc>
-              </a:tr>
-              <a:tr h="411480">
-                <a:tc>
-                  <a:txBody>
-                    <a:bodyPr/>
-                    <a:lstStyle/>
-                    <a:p>
-                      <a:pPr>
-                        <a:defRPr sz="1300">
-                          <a:solidFill>
-                            <a:srgbClr val="333333"/>
-                          </a:solidFill>
-                        </a:defRPr>
-                      </a:pPr>
-                      <a:r>
-                        <a:t>Chroma</a:t>
-                      </a:r>
-                    </a:p>
-                  </a:txBody>
-                  <a:tcPr>
-                    <a:solidFill>
-                      <a:srgbClr val="F5F7FA"/>
-                    </a:solidFill>
-                  </a:tcPr>
-                </a:tc>
-                <a:tc>
-                  <a:txBody>
-                    <a:bodyPr/>
-                    <a:lstStyle/>
-                    <a:p>
-                      <a:pPr>
-                        <a:defRPr sz="1300">
-                          <a:solidFill>
-                            <a:srgbClr val="333333"/>
-                          </a:solidFill>
-                        </a:defRPr>
-                      </a:pPr>
-                      <a:r>
-                        <a:t>Embedded/server</a:t>
-                      </a:r>
-                    </a:p>
-                  </a:txBody>
-                  <a:tcPr>
-                    <a:solidFill>
-                      <a:srgbClr val="F5F7FA"/>
-                    </a:solidFill>
-                  </a:tcPr>
-                </a:tc>
-                <a:tc>
-                  <a:txBody>
-                    <a:bodyPr/>
-                    <a:lstStyle/>
-                    <a:p>
-                      <a:pPr>
-                        <a:defRPr sz="1300">
-                          <a:solidFill>
-                            <a:srgbClr val="333333"/>
-                          </a:solidFill>
-                        </a:defRPr>
-                      </a:pPr>
-                      <a:r>
-                        <a:t>Prototyping, small-medium</a:t>
-                      </a:r>
-                    </a:p>
-                  </a:txBody>
-                  <a:tcPr>
-                    <a:solidFill>
-                      <a:srgbClr val="F5F7FA"/>
-                    </a:solidFill>
-                  </a:tcPr>
-                </a:tc>
-                <a:tc>
-                  <a:txBody>
-                    <a:bodyPr/>
-                    <a:lstStyle/>
-                    <a:p>
-                      <a:pPr>
-                        <a:defRPr sz="1300">
-                          <a:solidFill>
-                            <a:srgbClr val="333333"/>
-                          </a:solidFill>
-                        </a:defRPr>
-                      </a:pPr>
-                      <a:r>
-                        <a:t>Free (OSS)</a:t>
-                      </a:r>
-                    </a:p>
-                  </a:txBody>
-                  <a:tcPr>
-                    <a:solidFill>
-                      <a:srgbClr val="F5F7FA"/>
-                    </a:solidFill>
-                  </a:tcPr>
-                </a:tc>
-              </a:tr>
-              <a:tr h="411480">
-                <a:tc>
-                  <a:txBody>
-                    <a:bodyPr/>
-                    <a:lstStyle/>
-                    <a:p>
-                      <a:pPr>
-                        <a:defRPr sz="1300">
-                          <a:solidFill>
-                            <a:srgbClr val="333333"/>
-                          </a:solidFill>
-                        </a:defRPr>
-                      </a:pPr>
-                      <a:r>
-                        <a:t>Pinecone</a:t>
-                      </a:r>
-                    </a:p>
-                  </a:txBody>
-                  <a:tcPr>
-                    <a:solidFill>
-                      <a:srgbClr val="FFFFFF"/>
-                    </a:solidFill>
-                  </a:tcPr>
-                </a:tc>
-                <a:tc>
-                  <a:txBody>
-                    <a:bodyPr/>
-                    <a:lstStyle/>
-                    <a:p>
-                      <a:pPr>
-                        <a:defRPr sz="1300">
-                          <a:solidFill>
-                            <a:srgbClr val="333333"/>
-                          </a:solidFill>
-                        </a:defRPr>
-                      </a:pPr>
-                      <a:r>
-                        <a:t>Managed cloud</a:t>
-                      </a:r>
-                    </a:p>
-                  </a:txBody>
-                  <a:tcPr>
-                    <a:solidFill>
-                      <a:srgbClr val="FFFFFF"/>
-                    </a:solidFill>
-                  </a:tcPr>
-                </a:tc>
-                <a:tc>
-                  <a:txBody>
-                    <a:bodyPr/>
-                    <a:lstStyle/>
-                    <a:p>
-                      <a:pPr>
-                        <a:defRPr sz="1300">
-                          <a:solidFill>
-                            <a:srgbClr val="333333"/>
-                          </a:solidFill>
-                        </a:defRPr>
-                      </a:pPr>
-                      <a:r>
-                        <a:t>Production, zero ops</a:t>
-                      </a:r>
-                    </a:p>
-                  </a:txBody>
-                  <a:tcPr>
-                    <a:solidFill>
-                      <a:srgbClr val="FFFFFF"/>
-                    </a:solidFill>
-                  </a:tcPr>
-                </a:tc>
-                <a:tc>
-                  <a:txBody>
-                    <a:bodyPr/>
-                    <a:lstStyle/>
-                    <a:p>
-                      <a:pPr>
-                        <a:defRPr sz="1300">
-                          <a:solidFill>
-                            <a:srgbClr val="333333"/>
-                          </a:solidFill>
-                        </a:defRPr>
-                      </a:pPr>
-                      <a:r>
-                        <a:t>Free tier → $/usage</a:t>
-                      </a:r>
-                    </a:p>
-                  </a:txBody>
-                  <a:tcPr>
-                    <a:solidFill>
-                      <a:srgbClr val="FFFFFF"/>
-                    </a:solidFill>
-                  </a:tcPr>
-                </a:tc>
-              </a:tr>
-              <a:tr h="411480">
-                <a:tc>
-                  <a:txBody>
-                    <a:bodyPr/>
-                    <a:lstStyle/>
-                    <a:p>
-                      <a:pPr>
-                        <a:defRPr sz="1300">
-                          <a:solidFill>
-                            <a:srgbClr val="333333"/>
-                          </a:solidFill>
-                        </a:defRPr>
-                      </a:pPr>
-                      <a:r>
-                        <a:t>pgvector</a:t>
-                      </a:r>
-                    </a:p>
-                  </a:txBody>
-                  <a:tcPr>
-                    <a:solidFill>
-                      <a:srgbClr val="F5F7FA"/>
-                    </a:solidFill>
-                  </a:tcPr>
-                </a:tc>
-                <a:tc>
-                  <a:txBody>
-                    <a:bodyPr/>
-                    <a:lstStyle/>
-                    <a:p>
-                      <a:pPr>
-                        <a:defRPr sz="1300">
-                          <a:solidFill>
-                            <a:srgbClr val="333333"/>
-                          </a:solidFill>
-                        </a:defRPr>
-                      </a:pPr>
-                      <a:r>
-                        <a:t>Postgres extension</a:t>
-                      </a:r>
-                    </a:p>
-                  </a:txBody>
-                  <a:tcPr>
-                    <a:solidFill>
-                      <a:srgbClr val="F5F7FA"/>
-                    </a:solidFill>
-                  </a:tcPr>
-                </a:tc>
-                <a:tc>
-                  <a:txBody>
-                    <a:bodyPr/>
-                    <a:lstStyle/>
-                    <a:p>
-                      <a:pPr>
-                        <a:defRPr sz="1300">
-                          <a:solidFill>
-                            <a:srgbClr val="333333"/>
-                          </a:solidFill>
-                        </a:defRPr>
-                      </a:pPr>
-                      <a:r>
-                        <a:t>Already using Postgres</a:t>
-                      </a:r>
-                    </a:p>
-                  </a:txBody>
-                  <a:tcPr>
-                    <a:solidFill>
-                      <a:srgbClr val="F5F7FA"/>
-                    </a:solidFill>
-                  </a:tcPr>
-                </a:tc>
-                <a:tc>
-                  <a:txBody>
-                    <a:bodyPr/>
-                    <a:lstStyle/>
-                    <a:p>
-                      <a:pPr>
-                        <a:defRPr sz="1300">
-                          <a:solidFill>
-                            <a:srgbClr val="333333"/>
-                          </a:solidFill>
-                        </a:defRPr>
-                      </a:pPr>
-                      <a:r>
-                        <a:t>Free (extension)</a:t>
-                      </a:r>
-                    </a:p>
-                  </a:txBody>
-                  <a:tcPr>
-                    <a:solidFill>
-                      <a:srgbClr val="F5F7FA"/>
-                    </a:solidFill>
-                  </a:tcPr>
-                </a:tc>
-              </a:tr>
-              <a:tr h="411480">
-                <a:tc>
-                  <a:txBody>
-                    <a:bodyPr/>
-                    <a:lstStyle/>
-                    <a:p>
-                      <a:pPr>
-                        <a:defRPr sz="1300">
-                          <a:solidFill>
-                            <a:srgbClr val="333333"/>
-                          </a:solidFill>
-                        </a:defRPr>
-                      </a:pPr>
-                      <a:r>
-                        <a:t>Weaviate</a:t>
-                      </a:r>
-                    </a:p>
-                  </a:txBody>
-                  <a:tcPr>
-                    <a:solidFill>
-                      <a:srgbClr val="FFFFFF"/>
-                    </a:solidFill>
-                  </a:tcPr>
-                </a:tc>
-                <a:tc>
-                  <a:txBody>
-                    <a:bodyPr/>
-                    <a:lstStyle/>
-                    <a:p>
-                      <a:pPr>
-                        <a:defRPr sz="1300">
-                          <a:solidFill>
-                            <a:srgbClr val="333333"/>
-                          </a:solidFill>
-                        </a:defRPr>
-                      </a:pPr>
-                      <a:r>
-                        <a:t>Cloud/self-hosted</a:t>
-                      </a:r>
-                    </a:p>
-                  </a:txBody>
-                  <a:tcPr>
-                    <a:solidFill>
-                      <a:srgbClr val="FFFFFF"/>
-                    </a:solidFill>
-                  </a:tcPr>
-                </a:tc>
-                <a:tc>
-                  <a:txBody>
-                    <a:bodyPr/>
-                    <a:lstStyle/>
-                    <a:p>
-                      <a:pPr>
-                        <a:defRPr sz="1300">
-                          <a:solidFill>
-                            <a:srgbClr val="333333"/>
-                          </a:solidFill>
-                        </a:defRPr>
-                      </a:pPr>
-                      <a:r>
-                        <a:t>Hybrid search (vector+keyword)</a:t>
-                      </a:r>
-                    </a:p>
-                  </a:txBody>
-                  <a:tcPr>
-                    <a:solidFill>
-                      <a:srgbClr val="FFFFFF"/>
-                    </a:solidFill>
-                  </a:tcPr>
-                </a:tc>
-                <a:tc>
-                  <a:txBody>
-                    <a:bodyPr/>
-                    <a:lstStyle/>
-                    <a:p>
-                      <a:pPr>
-                        <a:defRPr sz="1300">
-                          <a:solidFill>
-                            <a:srgbClr val="333333"/>
-                          </a:solidFill>
-                        </a:defRPr>
-                      </a:pPr>
-                      <a:r>
-                        <a:t>Free tier</a:t>
-                      </a:r>
-                    </a:p>
-                  </a:txBody>
-                  <a:tcPr>
-                    <a:solidFill>
-                      <a:srgbClr val="FFFFFF"/>
-                    </a:solidFill>
-                  </a:tcPr>
-                </a:tc>
-              </a:tr>
-              <a:tr h="411480">
-                <a:tc>
-                  <a:txBody>
-                    <a:bodyPr/>
-                    <a:lstStyle/>
-                    <a:p>
-                      <a:pPr>
-                        <a:defRPr sz="1300">
-                          <a:solidFill>
-                            <a:srgbClr val="333333"/>
-                          </a:solidFill>
-                        </a:defRPr>
-                      </a:pPr>
-                      <a:r>
-                        <a:t>Qdrant</a:t>
-                      </a:r>
-                    </a:p>
-                  </a:txBody>
-                  <a:tcPr>
-                    <a:solidFill>
-                      <a:srgbClr val="F5F7FA"/>
-                    </a:solidFill>
-                  </a:tcPr>
-                </a:tc>
-                <a:tc>
-                  <a:txBody>
-                    <a:bodyPr/>
-                    <a:lstStyle/>
-                    <a:p>
-                      <a:pPr>
-                        <a:defRPr sz="1300">
-                          <a:solidFill>
-                            <a:srgbClr val="333333"/>
-                          </a:solidFill>
-                        </a:defRPr>
-                      </a:pPr>
-                      <a:r>
-                        <a:t>Cloud/self-hosted</a:t>
-                      </a:r>
-                    </a:p>
-                  </a:txBody>
-                  <a:tcPr>
-                    <a:solidFill>
-                      <a:srgbClr val="F5F7FA"/>
-                    </a:solidFill>
-                  </a:tcPr>
-                </a:tc>
-                <a:tc>
-                  <a:txBody>
-                    <a:bodyPr/>
-                    <a:lstStyle/>
-                    <a:p>
-                      <a:pPr>
-                        <a:defRPr sz="1300">
-                          <a:solidFill>
-                            <a:srgbClr val="333333"/>
-                          </a:solidFill>
-                        </a:defRPr>
-                      </a:pPr>
-                      <a:r>
-                        <a:t>Performance-critical workloads</a:t>
-                      </a:r>
-                    </a:p>
-                  </a:txBody>
-                  <a:tcPr>
-                    <a:solidFill>
-                      <a:srgbClr val="F5F7FA"/>
-                    </a:solidFill>
-                  </a:tcPr>
-                </a:tc>
-                <a:tc>
-                  <a:txBody>
-                    <a:bodyPr/>
-                    <a:lstStyle/>
-                    <a:p>
-                      <a:pPr>
-                        <a:defRPr sz="1300">
-                          <a:solidFill>
-                            <a:srgbClr val="333333"/>
-                          </a:solidFill>
-                        </a:defRPr>
-                      </a:pPr>
-                      <a:r>
-                        <a:t>Free tier</a:t>
-                      </a:r>
-                    </a:p>
-                  </a:txBody>
-                  <a:tcPr>
-                    <a:solidFill>
-                      <a:srgbClr val="F5F7FA"/>
-                    </a:solidFill>
-                  </a:tcPr>
-                </a:tc>
-              </a:tr>
-              <a:tr h="411480">
-                <a:tc>
-                  <a:txBody>
-                    <a:bodyPr/>
-                    <a:lstStyle/>
-                    <a:p>
-                      <a:pPr>
-                        <a:defRPr sz="1300">
-                          <a:solidFill>
-                            <a:srgbClr val="333333"/>
-                          </a:solidFill>
-                        </a:defRPr>
-                      </a:pPr>
-                      <a:r>
-                        <a:t>FAISS</a:t>
-                      </a:r>
-                    </a:p>
-                  </a:txBody>
-                  <a:tcPr>
-                    <a:solidFill>
-                      <a:srgbClr val="FFFFFF"/>
-                    </a:solidFill>
-                  </a:tcPr>
-                </a:tc>
-                <a:tc>
-                  <a:txBody>
-                    <a:bodyPr/>
-                    <a:lstStyle/>
-                    <a:p>
-                      <a:pPr>
-                        <a:defRPr sz="1300">
-                          <a:solidFill>
-                            <a:srgbClr val="333333"/>
-                          </a:solidFill>
-                        </a:defRPr>
-                      </a:pPr>
-                      <a:r>
-                        <a:t>In-memory library</a:t>
-                      </a:r>
-                    </a:p>
-                  </a:txBody>
-                  <a:tcPr>
-                    <a:solidFill>
-                      <a:srgbClr val="FFFFFF"/>
-                    </a:solidFill>
-                  </a:tcPr>
-                </a:tc>
-                <a:tc>
-                  <a:txBody>
-                    <a:bodyPr/>
-                    <a:lstStyle/>
-                    <a:p>
-                      <a:pPr>
-                        <a:defRPr sz="1300">
-                          <a:solidFill>
-                            <a:srgbClr val="333333"/>
-                          </a:solidFill>
-                        </a:defRPr>
-                      </a:pPr>
-                      <a:r>
-                        <a:t>Research, benchmarking</a:t>
-                      </a:r>
-                    </a:p>
-                  </a:txBody>
-                  <a:tcPr>
-                    <a:solidFill>
-                      <a:srgbClr val="FFFFFF"/>
-                    </a:solidFill>
-                  </a:tcPr>
-                </a:tc>
-                <a:tc>
-                  <a:txBody>
-                    <a:bodyPr/>
-                    <a:lstStyle/>
-                    <a:p>
-                      <a:pPr>
-                        <a:defRPr sz="1300">
-                          <a:solidFill>
-                            <a:srgbClr val="333333"/>
-                          </a:solidFill>
-                        </a:defRPr>
-                      </a:pPr>
-                      <a:r>
-                        <a:t>Free (Meta)</a:t>
-                      </a:r>
-                    </a:p>
-                  </a:txBody>
-                  <a:tcPr>
-                    <a:solidFill>
-                      <a:srgbClr val="FFFFFF"/>
-                    </a:solidFill>
-                  </a:tcPr>
-                </a:tc>
-              </a:tr>
-            </a:tbl>
-          </a:graphicData>
-        </a:graphic>
-      </p:graphicFrame>
+              <a:t>1. Ingest: load documents (PDF, MD, HTML, DB records)</a:t>
+            </a:r>
+          </a:p>
+          <a:p>
+            <a:pPr>
+              <a:spcBef>
+                <a:spcPts val="400"/>
+              </a:spcBef>
+              <a:spcAft>
+                <a:spcPts val="800"/>
+              </a:spcAft>
+              <a:defRPr sz="2000">
+                <a:solidFill>
+                  <a:srgbClr val="333333"/>
+                </a:solidFill>
+              </a:defRPr>
+            </a:pPr>
+            <a:r>
+              <a:t>2. Chunk: split into smaller pieces (300-500 tokens typical)</a:t>
+            </a:r>
+          </a:p>
+          <a:p>
+            <a:pPr>
+              <a:spcBef>
+                <a:spcPts val="400"/>
+              </a:spcBef>
+              <a:spcAft>
+                <a:spcPts val="800"/>
+              </a:spcAft>
+              <a:defRPr sz="2000">
+                <a:solidFill>
+                  <a:srgbClr val="333333"/>
+                </a:solidFill>
+              </a:defRPr>
+            </a:pPr>
+            <a:r>
+              <a:t>3. Embed: convert chunks to vectors (text-embedding-3-small)</a:t>
+            </a:r>
+          </a:p>
+          <a:p>
+            <a:pPr>
+              <a:spcBef>
+                <a:spcPts val="400"/>
+              </a:spcBef>
+              <a:spcAft>
+                <a:spcPts val="800"/>
+              </a:spcAft>
+              <a:defRPr sz="2000">
+                <a:solidFill>
+                  <a:srgbClr val="333333"/>
+                </a:solidFill>
+              </a:defRPr>
+            </a:pPr>
+            <a:r>
+              <a:t>4. Store: save vectors in a vector database</a:t>
+            </a:r>
+          </a:p>
+          <a:p>
+            <a:pPr>
+              <a:spcBef>
+                <a:spcPts val="400"/>
+              </a:spcBef>
+              <a:spcAft>
+                <a:spcPts val="800"/>
+              </a:spcAft>
+              <a:defRPr sz="2000">
+                <a:solidFill>
+                  <a:srgbClr val="333333"/>
+                </a:solidFill>
+              </a:defRPr>
+            </a:pPr>
+            <a:r>
+              <a:t>5. Query: embed the question, find similar chunks</a:t>
+            </a:r>
+          </a:p>
+          <a:p>
+            <a:pPr>
+              <a:spcBef>
+                <a:spcPts val="400"/>
+              </a:spcBef>
+              <a:spcAft>
+                <a:spcPts val="800"/>
+              </a:spcAft>
+              <a:defRPr sz="2000">
+                <a:solidFill>
+                  <a:srgbClr val="333333"/>
+                </a:solidFill>
+              </a:defRPr>
+            </a:pPr>
+            <a:r>
+              <a:t>6. Generate: pass retrieved chunks + question to LLM</a:t>
+            </a:r>
+          </a:p>
+        </p:txBody>
+      </p:sp>
     </p:spTree>
   </p:cSld>
   <p:clrMapOvr>
@@ -6324,17 +6141,9 @@
 </p:sld>
 </file>
 
-<file path=ppt/slides/slide7.xml><?xml version="1.0" encoding="utf-8"?>
+<file path=ppt/slides/slide4.xml><?xml version="1.0" encoding="utf-8"?>
 <p:sld xmlns:a="http://schemas.openxmlformats.org/drawingml/2006/main" xmlns:p="http://schemas.openxmlformats.org/presentationml/2006/main" xmlns:r="http://schemas.openxmlformats.org/officeDocument/2006/relationships">
   <p:cSld>
-    <p:bg>
-      <p:bgPr>
-        <a:solidFill>
-          <a:srgbClr val="FFFFFF"/>
-        </a:solidFill>
-        <a:effectLst/>
-      </p:bgPr>
-    </p:bg>
     <p:spTree>
       <p:nvGrpSpPr>
         <p:cNvPr id="1" name=""/>
@@ -6351,7 +6160,7 @@
         <p:spPr>
           <a:xfrm>
             <a:off x="0" y="0"/>
-            <a:ext cx="12191695" cy="54864"/>
+            <a:ext cx="12191695" cy="73152"/>
           </a:xfrm>
           <a:prstGeom prst="rect">
             <a:avLst/>
@@ -6394,7 +6203,7 @@
         <p:spPr>
           <a:xfrm>
             <a:off x="731520" y="274320"/>
-            <a:ext cx="10515600" cy="731520"/>
+            <a:ext cx="10728655" cy="822960"/>
           </a:xfrm>
           <a:prstGeom prst="rect">
             <a:avLst/>
@@ -6407,15 +6216,15 @@
           </a:bodyPr>
           <a:lstStyle/>
           <a:p>
-            <a:pPr>
-              <a:defRPr sz="2800" b="1">
+            <a:pPr algn="l">
+              <a:defRPr sz="3200" b="1">
                 <a:solidFill>
                   <a:srgbClr val="1B2A4A"/>
                 </a:solidFill>
               </a:defRPr>
             </a:pPr>
             <a:r>
-              <a:t>Advanced RAG: Hybrid Search, Reranking, Query Expansion</a:t>
+              <a:t>Embeddings — Converting Text to Vectors</a:t>
             </a:r>
           </a:p>
         </p:txBody>
@@ -6428,8 +6237,8 @@
         </p:nvSpPr>
         <p:spPr>
           <a:xfrm>
-            <a:off x="731520" y="1188720"/>
-            <a:ext cx="10515600" cy="5029200"/>
+            <a:off x="914400" y="1280160"/>
+            <a:ext cx="10362895" cy="5029200"/>
           </a:xfrm>
           <a:prstGeom prst="rect">
             <a:avLst/>
@@ -6443,77 +6252,110 @@
           <a:lstStyle/>
           <a:p>
             <a:pPr>
+              <a:spcBef>
+                <a:spcPts val="400"/>
+              </a:spcBef>
               <a:spcAft>
                 <a:spcPts val="800"/>
               </a:spcAft>
-              <a:defRPr sz="1800">
+              <a:defRPr sz="2000">
                 <a:solidFill>
                   <a:srgbClr val="333333"/>
                 </a:solidFill>
               </a:defRPr>
             </a:pPr>
             <a:r>
-              <a:t>Hybrid search: combine vector (meaning) + keyword (BM25) — biggest accuracy win</a:t>
+              <a:t>Embedding: text → dense vector (list of floats)</a:t>
             </a:r>
           </a:p>
           <a:p>
             <a:pPr>
+              <a:spcBef>
+                <a:spcPts val="400"/>
+              </a:spcBef>
               <a:spcAft>
                 <a:spcPts val="800"/>
               </a:spcAft>
-              <a:defRPr sz="1800">
+              <a:defRPr sz="2000">
                 <a:solidFill>
                   <a:srgbClr val="333333"/>
                 </a:solidFill>
               </a:defRPr>
             </a:pPr>
             <a:r>
-              <a:t>Reranking: re-score top results with a powerful model (Cohere rerank-v3.5)</a:t>
+              <a:t>Similar meanings → similar vectors (cosine similarity)</a:t>
             </a:r>
           </a:p>
           <a:p>
             <a:pPr>
+              <a:spcBef>
+                <a:spcPts val="400"/>
+              </a:spcBef>
               <a:spcAft>
                 <a:spcPts val="800"/>
               </a:spcAft>
-              <a:defRPr sz="1800">
+              <a:defRPr sz="2000">
                 <a:solidFill>
                   <a:srgbClr val="333333"/>
                 </a:solidFill>
               </a:defRPr>
             </a:pPr>
             <a:r>
-              <a:t>Query expansion: LLM generates 3 search queries from one question</a:t>
+              <a:t>text-embedding-3-small: 1536 dims, $0.02/1M tokens</a:t>
             </a:r>
           </a:p>
           <a:p>
             <a:pPr>
+              <a:spcBef>
+                <a:spcPts val="400"/>
+              </a:spcBef>
               <a:spcAft>
                 <a:spcPts val="800"/>
               </a:spcAft>
-              <a:defRPr sz="1800">
+              <a:defRPr sz="2000">
                 <a:solidFill>
                   <a:srgbClr val="333333"/>
                 </a:solidFill>
               </a:defRPr>
             </a:pPr>
             <a:r>
-              <a:t>Contextual retrieval (Anthropic): prepend doc metadata to each chunk before embedding</a:t>
+              <a:t>text-embedding-3-large: 3072 dims, better quality, higher cost</a:t>
             </a:r>
           </a:p>
           <a:p>
             <a:pPr>
+              <a:spcBef>
+                <a:spcPts val="400"/>
+              </a:spcBef>
               <a:spcAft>
                 <a:spcPts val="800"/>
               </a:spcAft>
-              <a:defRPr sz="1800">
+              <a:defRPr sz="2000">
                 <a:solidFill>
                   <a:srgbClr val="333333"/>
                 </a:solidFill>
               </a:defRPr>
             </a:pPr>
             <a:r>
-              <a:t>All worth trying if basic RAG accuracy isn't enough — stack them for best results</a:t>
+              <a:t>Also: Cohere Embed, Voyage AI, open-source (BGE, E5)</a:t>
+            </a:r>
+          </a:p>
+          <a:p>
+            <a:pPr>
+              <a:spcBef>
+                <a:spcPts val="400"/>
+              </a:spcBef>
+              <a:spcAft>
+                <a:spcPts val="800"/>
+              </a:spcAft>
+              <a:defRPr sz="2000">
+                <a:solidFill>
+                  <a:srgbClr val="333333"/>
+                </a:solidFill>
+              </a:defRPr>
+            </a:pPr>
+            <a:r>
+              <a:t>Key: use the SAME embedding model for documents and queries</a:t>
             </a:r>
           </a:p>
         </p:txBody>
@@ -6526,17 +6368,9 @@
 </p:sld>
 </file>
 
-<file path=ppt/slides/slide8.xml><?xml version="1.0" encoding="utf-8"?>
+<file path=ppt/slides/slide5.xml><?xml version="1.0" encoding="utf-8"?>
 <p:sld xmlns:a="http://schemas.openxmlformats.org/drawingml/2006/main" xmlns:p="http://schemas.openxmlformats.org/presentationml/2006/main" xmlns:r="http://schemas.openxmlformats.org/officeDocument/2006/relationships">
   <p:cSld>
-    <p:bg>
-      <p:bgPr>
-        <a:solidFill>
-          <a:srgbClr val="FFFFFF"/>
-        </a:solidFill>
-        <a:effectLst/>
-      </p:bgPr>
-    </p:bg>
     <p:spTree>
       <p:nvGrpSpPr>
         <p:cNvPr id="1" name=""/>
@@ -6553,7 +6387,7 @@
         <p:spPr>
           <a:xfrm>
             <a:off x="0" y="0"/>
-            <a:ext cx="12191695" cy="54864"/>
+            <a:ext cx="12191695" cy="73152"/>
           </a:xfrm>
           <a:prstGeom prst="rect">
             <a:avLst/>
@@ -6596,7 +6430,7 @@
         <p:spPr>
           <a:xfrm>
             <a:off x="731520" y="274320"/>
-            <a:ext cx="10515600" cy="731520"/>
+            <a:ext cx="10728655" cy="731520"/>
           </a:xfrm>
           <a:prstGeom prst="rect">
             <a:avLst/>
@@ -6604,7 +6438,7 @@
           <a:noFill/>
         </p:spPr>
         <p:txBody>
-          <a:bodyPr wrap="square">
+          <a:bodyPr wrap="none">
             <a:spAutoFit/>
           </a:bodyPr>
           <a:lstStyle/>
@@ -6617,21 +6451,66 @@
               </a:defRPr>
             </a:pPr>
             <a:r>
-              <a:t>RAG vs Long Context vs Fine-Tuning</a:t>
-            </a:r>
-          </a:p>
-        </p:txBody>
-      </p:sp>
-      <p:sp>
-        <p:nvSpPr>
-          <p:cNvPr id="4" name="TextBox 3"/>
-          <p:cNvSpPr txBox="1"/>
+              <a:t>Generating Embeddings</a:t>
+            </a:r>
+          </a:p>
+        </p:txBody>
+      </p:sp>
+      <p:sp>
+        <p:nvSpPr>
+          <p:cNvPr id="4" name="Rounded Rectangle 3"/>
+          <p:cNvSpPr/>
           <p:nvPr/>
         </p:nvSpPr>
         <p:spPr>
           <a:xfrm>
             <a:off x="731520" y="1188720"/>
-            <a:ext cx="10515600" cy="457200"/>
+            <a:ext cx="10728655" cy="5212080"/>
+          </a:xfrm>
+          <a:prstGeom prst="roundRect">
+            <a:avLst/>
+          </a:prstGeom>
+          <a:solidFill>
+            <a:srgbClr val="F0F0F0"/>
+          </a:solidFill>
+          <a:ln w="12700">
+            <a:solidFill>
+              <a:srgbClr val="DDDDDD"/>
+            </a:solidFill>
+          </a:ln>
+        </p:spPr>
+        <p:style>
+          <a:lnRef idx="1">
+            <a:schemeClr val="accent1"/>
+          </a:lnRef>
+          <a:fillRef idx="3">
+            <a:schemeClr val="accent1"/>
+          </a:fillRef>
+          <a:effectRef idx="2">
+            <a:schemeClr val="accent1"/>
+          </a:effectRef>
+          <a:fontRef idx="minor">
+            <a:schemeClr val="lt1"/>
+          </a:fontRef>
+        </p:style>
+        <p:txBody>
+          <a:bodyPr rtlCol="0" anchor="ctr"/>
+          <a:lstStyle/>
+          <a:p>
+            <a:pPr algn="ctr"/>
+          </a:p>
+        </p:txBody>
+      </p:sp>
+      <p:sp>
+        <p:nvSpPr>
+          <p:cNvPr id="5" name="TextBox 4"/>
+          <p:cNvSpPr txBox="1"/>
+          <p:nvPr/>
+        </p:nvSpPr>
+        <p:spPr>
+          <a:xfrm>
+            <a:off x="822960" y="1234440"/>
+            <a:ext cx="1828800" cy="320040"/>
           </a:xfrm>
           <a:prstGeom prst="rect">
             <a:avLst/>
@@ -6645,422 +6524,104 @@
           <a:lstStyle/>
           <a:p>
             <a:pPr>
-              <a:defRPr sz="1600">
+              <a:defRPr sz="1100" b="1">
                 <a:solidFill>
                   <a:srgbClr val="666666"/>
                 </a:solidFill>
               </a:defRPr>
             </a:pPr>
             <a:r>
-              <a:t>Decision: docs fit in context? → long context first. Need fresh knowledge? → RAG. Need different behavior? → fine-tune.</a:t>
-            </a:r>
-          </a:p>
-        </p:txBody>
-      </p:sp>
-      <p:graphicFrame>
-        <p:nvGraphicFramePr>
-          <p:cNvPr id="5" name="Table 4"/>
-          <p:cNvGraphicFramePr>
-            <a:graphicFrameLocks noGrp="1"/>
-          </p:cNvGraphicFramePr>
+              <a:t>python</a:t>
+            </a:r>
+          </a:p>
+        </p:txBody>
+      </p:sp>
+      <p:sp>
+        <p:nvSpPr>
+          <p:cNvPr id="6" name="TextBox 5"/>
+          <p:cNvSpPr txBox="1"/>
           <p:nvPr/>
-        </p:nvGraphicFramePr>
-        <p:xfrm>
-          <a:off x="731520" y="1737360"/>
-          <a:ext cx="10515600" cy="1645920"/>
-        </p:xfrm>
-        <a:graphic>
-          <a:graphicData uri="http://schemas.openxmlformats.org/drawingml/2006/table">
-            <a:tbl>
-              <a:tblPr firstRow="1" bandRow="1">
-                <a:tableStyleId>{5C22544A-7EE6-4342-B048-85BDC9FD1C3A}</a:tableStyleId>
-              </a:tblPr>
-              <a:tblGrid>
-                <a:gridCol w="2628900"/>
-                <a:gridCol w="2628900"/>
-                <a:gridCol w="2628900"/>
-                <a:gridCol w="2628900"/>
-              </a:tblGrid>
-              <a:tr h="411480">
-                <a:tc>
-                  <a:txBody>
-                    <a:bodyPr/>
-                    <a:lstStyle/>
-                    <a:p>
-                      <a:pPr>
-                        <a:defRPr sz="1400" b="1">
-                          <a:solidFill>
-                            <a:srgbClr val="FFFFFF"/>
-                          </a:solidFill>
-                        </a:defRPr>
-                      </a:pPr>
-                      <a:r>
-                        <a:t>Approach</a:t>
-                      </a:r>
-                    </a:p>
-                  </a:txBody>
-                  <a:tcPr>
-                    <a:solidFill>
-                      <a:srgbClr val="1B2A4A"/>
-                    </a:solidFill>
-                  </a:tcPr>
-                </a:tc>
-                <a:tc>
-                  <a:txBody>
-                    <a:bodyPr/>
-                    <a:lstStyle/>
-                    <a:p>
-                      <a:pPr>
-                        <a:defRPr sz="1400" b="1">
-                          <a:solidFill>
-                            <a:srgbClr val="FFFFFF"/>
-                          </a:solidFill>
-                        </a:defRPr>
-                      </a:pPr>
-                      <a:r>
-                        <a:t>When to Use</a:t>
-                      </a:r>
-                    </a:p>
-                  </a:txBody>
-                  <a:tcPr>
-                    <a:solidFill>
-                      <a:srgbClr val="1B2A4A"/>
-                    </a:solidFill>
-                  </a:tcPr>
-                </a:tc>
-                <a:tc>
-                  <a:txBody>
-                    <a:bodyPr/>
-                    <a:lstStyle/>
-                    <a:p>
-                      <a:pPr>
-                        <a:defRPr sz="1400" b="1">
-                          <a:solidFill>
-                            <a:srgbClr val="FFFFFF"/>
-                          </a:solidFill>
-                        </a:defRPr>
-                      </a:pPr>
-                      <a:r>
-                        <a:t>Cost</a:t>
-                      </a:r>
-                    </a:p>
-                  </a:txBody>
-                  <a:tcPr>
-                    <a:solidFill>
-                      <a:srgbClr val="1B2A4A"/>
-                    </a:solidFill>
-                  </a:tcPr>
-                </a:tc>
-                <a:tc>
-                  <a:txBody>
-                    <a:bodyPr/>
-                    <a:lstStyle/>
-                    <a:p>
-                      <a:pPr>
-                        <a:defRPr sz="1400" b="1">
-                          <a:solidFill>
-                            <a:srgbClr val="FFFFFF"/>
-                          </a:solidFill>
-                        </a:defRPr>
-                      </a:pPr>
-                      <a:r>
-                        <a:t>Freshness</a:t>
-                      </a:r>
-                    </a:p>
-                  </a:txBody>
-                  <a:tcPr>
-                    <a:solidFill>
-                      <a:srgbClr val="1B2A4A"/>
-                    </a:solidFill>
-                  </a:tcPr>
-                </a:tc>
-              </a:tr>
-              <a:tr h="411480">
-                <a:tc>
-                  <a:txBody>
-                    <a:bodyPr/>
-                    <a:lstStyle/>
-                    <a:p>
-                      <a:pPr>
-                        <a:defRPr sz="1300">
-                          <a:solidFill>
-                            <a:srgbClr val="333333"/>
-                          </a:solidFill>
-                        </a:defRPr>
-                      </a:pPr>
-                      <a:r>
-                        <a:t>RAG</a:t>
-                      </a:r>
-                    </a:p>
-                  </a:txBody>
-                  <a:tcPr>
-                    <a:solidFill>
-                      <a:srgbClr val="F5F7FA"/>
-                    </a:solidFill>
-                  </a:tcPr>
-                </a:tc>
-                <a:tc>
-                  <a:txBody>
-                    <a:bodyPr/>
-                    <a:lstStyle/>
-                    <a:p>
-                      <a:pPr>
-                        <a:defRPr sz="1300">
-                          <a:solidFill>
-                            <a:srgbClr val="333333"/>
-                          </a:solidFill>
-                        </a:defRPr>
-                      </a:pPr>
-                      <a:r>
-                        <a:t>Lots of docs, need real-time freshness</a:t>
-                      </a:r>
-                    </a:p>
-                  </a:txBody>
-                  <a:tcPr>
-                    <a:solidFill>
-                      <a:srgbClr val="F5F7FA"/>
-                    </a:solidFill>
-                  </a:tcPr>
-                </a:tc>
-                <a:tc>
-                  <a:txBody>
-                    <a:bodyPr/>
-                    <a:lstStyle/>
-                    <a:p>
-                      <a:pPr>
-                        <a:defRPr sz="1300">
-                          <a:solidFill>
-                            <a:srgbClr val="333333"/>
-                          </a:solidFill>
-                        </a:defRPr>
-                      </a:pPr>
-                      <a:r>
-                        <a:t>Low-Med</a:t>
-                      </a:r>
-                    </a:p>
-                  </a:txBody>
-                  <a:tcPr>
-                    <a:solidFill>
-                      <a:srgbClr val="F5F7FA"/>
-                    </a:solidFill>
-                  </a:tcPr>
-                </a:tc>
-                <a:tc>
-                  <a:txBody>
-                    <a:bodyPr/>
-                    <a:lstStyle/>
-                    <a:p>
-                      <a:pPr>
-                        <a:defRPr sz="1300">
-                          <a:solidFill>
-                            <a:srgbClr val="333333"/>
-                          </a:solidFill>
-                        </a:defRPr>
-                      </a:pPr>
-                      <a:r>
-                        <a:t>Real-time updates</a:t>
-                      </a:r>
-                    </a:p>
-                  </a:txBody>
-                  <a:tcPr>
-                    <a:solidFill>
-                      <a:srgbClr val="F5F7FA"/>
-                    </a:solidFill>
-                  </a:tcPr>
-                </a:tc>
-              </a:tr>
-              <a:tr h="411480">
-                <a:tc>
-                  <a:txBody>
-                    <a:bodyPr/>
-                    <a:lstStyle/>
-                    <a:p>
-                      <a:pPr>
-                        <a:defRPr sz="1300">
-                          <a:solidFill>
-                            <a:srgbClr val="333333"/>
-                          </a:solidFill>
-                        </a:defRPr>
-                      </a:pPr>
-                      <a:r>
-                        <a:t>Long Context</a:t>
-                      </a:r>
-                    </a:p>
-                  </a:txBody>
-                  <a:tcPr>
-                    <a:solidFill>
-                      <a:srgbClr val="FFFFFF"/>
-                    </a:solidFill>
-                  </a:tcPr>
-                </a:tc>
-                <a:tc>
-                  <a:txBody>
-                    <a:bodyPr/>
-                    <a:lstStyle/>
-                    <a:p>
-                      <a:pPr>
-                        <a:defRPr sz="1300">
-                          <a:solidFill>
-                            <a:srgbClr val="333333"/>
-                          </a:solidFill>
-                        </a:defRPr>
-                      </a:pPr>
-                      <a:r>
-                        <a:t>Few docs that fit in 400K-1M window</a:t>
-                      </a:r>
-                    </a:p>
-                  </a:txBody>
-                  <a:tcPr>
-                    <a:solidFill>
-                      <a:srgbClr val="FFFFFF"/>
-                    </a:solidFill>
-                  </a:tcPr>
-                </a:tc>
-                <a:tc>
-                  <a:txBody>
-                    <a:bodyPr/>
-                    <a:lstStyle/>
-                    <a:p>
-                      <a:pPr>
-                        <a:defRPr sz="1300">
-                          <a:solidFill>
-                            <a:srgbClr val="333333"/>
-                          </a:solidFill>
-                        </a:defRPr>
-                      </a:pPr>
-                      <a:r>
-                        <a:t>High (tokens!)</a:t>
-                      </a:r>
-                    </a:p>
-                  </a:txBody>
-                  <a:tcPr>
-                    <a:solidFill>
-                      <a:srgbClr val="FFFFFF"/>
-                    </a:solidFill>
-                  </a:tcPr>
-                </a:tc>
-                <a:tc>
-                  <a:txBody>
-                    <a:bodyPr/>
-                    <a:lstStyle/>
-                    <a:p>
-                      <a:pPr>
-                        <a:defRPr sz="1300">
-                          <a:solidFill>
-                            <a:srgbClr val="333333"/>
-                          </a:solidFill>
-                        </a:defRPr>
-                      </a:pPr>
-                      <a:r>
-                        <a:t>Per-request</a:t>
-                      </a:r>
-                    </a:p>
-                  </a:txBody>
-                  <a:tcPr>
-                    <a:solidFill>
-                      <a:srgbClr val="FFFFFF"/>
-                    </a:solidFill>
-                  </a:tcPr>
-                </a:tc>
-              </a:tr>
-              <a:tr h="411480">
-                <a:tc>
-                  <a:txBody>
-                    <a:bodyPr/>
-                    <a:lstStyle/>
-                    <a:p>
-                      <a:pPr>
-                        <a:defRPr sz="1300">
-                          <a:solidFill>
-                            <a:srgbClr val="333333"/>
-                          </a:solidFill>
-                        </a:defRPr>
-                      </a:pPr>
-                      <a:r>
-                        <a:t>Fine-tuning</a:t>
-                      </a:r>
-                    </a:p>
-                  </a:txBody>
-                  <a:tcPr>
-                    <a:solidFill>
-                      <a:srgbClr val="F5F7FA"/>
-                    </a:solidFill>
-                  </a:tcPr>
-                </a:tc>
-                <a:tc>
-                  <a:txBody>
-                    <a:bodyPr/>
-                    <a:lstStyle/>
-                    <a:p>
-                      <a:pPr>
-                        <a:defRPr sz="1300">
-                          <a:solidFill>
-                            <a:srgbClr val="333333"/>
-                          </a:solidFill>
-                        </a:defRPr>
-                      </a:pPr>
-                      <a:r>
-                        <a:t>Need behavior/tone change, not knowledge</a:t>
-                      </a:r>
-                    </a:p>
-                  </a:txBody>
-                  <a:tcPr>
-                    <a:solidFill>
-                      <a:srgbClr val="F5F7FA"/>
-                    </a:solidFill>
-                  </a:tcPr>
-                </a:tc>
-                <a:tc>
-                  <a:txBody>
-                    <a:bodyPr/>
-                    <a:lstStyle/>
-                    <a:p>
-                      <a:pPr>
-                        <a:defRPr sz="1300">
-                          <a:solidFill>
-                            <a:srgbClr val="333333"/>
-                          </a:solidFill>
-                        </a:defRPr>
-                      </a:pPr>
-                      <a:r>
-                        <a:t>High (training)</a:t>
-                      </a:r>
-                    </a:p>
-                  </a:txBody>
-                  <a:tcPr>
-                    <a:solidFill>
-                      <a:srgbClr val="F5F7FA"/>
-                    </a:solidFill>
-                  </a:tcPr>
-                </a:tc>
-                <a:tc>
-                  <a:txBody>
-                    <a:bodyPr/>
-                    <a:lstStyle/>
-                    <a:p>
-                      <a:pPr>
-                        <a:defRPr sz="1300">
-                          <a:solidFill>
-                            <a:srgbClr val="333333"/>
-                          </a:solidFill>
-                        </a:defRPr>
-                      </a:pPr>
-                      <a:r>
-                        <a:t>Static</a:t>
-                      </a:r>
-                    </a:p>
-                  </a:txBody>
-                  <a:tcPr>
-                    <a:solidFill>
-                      <a:srgbClr val="F5F7FA"/>
-                    </a:solidFill>
-                  </a:tcPr>
-                </a:tc>
-              </a:tr>
-            </a:tbl>
-          </a:graphicData>
-        </a:graphic>
-      </p:graphicFrame>
+        </p:nvSpPr>
+        <p:spPr>
+          <a:xfrm>
+            <a:off x="914400" y="1554480"/>
+            <a:ext cx="10362895" cy="4754880"/>
+          </a:xfrm>
+          <a:prstGeom prst="rect">
+            <a:avLst/>
+          </a:prstGeom>
+          <a:noFill/>
+        </p:spPr>
+        <p:txBody>
+          <a:bodyPr wrap="square">
+            <a:spAutoFit/>
+          </a:bodyPr>
+          <a:lstStyle/>
+          <a:p>
+            <a:pPr algn="l">
+              <a:defRPr sz="1300">
+                <a:solidFill>
+                  <a:srgbClr val="333333"/>
+                </a:solidFill>
+                <a:latin typeface="Consolas"/>
+              </a:defRPr>
+            </a:pPr>
+            <a:r>
+              <a:t>from openai import OpenAI</a:t>
+            </a:r>
+            <a:br/>
+            <a:r>
+              <a:t>client = OpenAI()</a:t>
+            </a:r>
+            <a:br/>
+            <a:br/>
+            <a:r>
+              <a:t>def embed_text(text: str) -&gt; list[float]:</a:t>
+            </a:r>
+            <a:br/>
+            <a:r>
+              <a:t>    response = client.embeddings.create(</a:t>
+            </a:r>
+            <a:br/>
+            <a:r>
+              <a:t>        model="text-embedding-3-small",</a:t>
+            </a:r>
+            <a:br/>
+            <a:r>
+              <a:t>        input=text,</a:t>
+            </a:r>
+            <a:br/>
+            <a:r>
+              <a:t>    )</a:t>
+            </a:r>
+            <a:br/>
+            <a:r>
+              <a:t>    return response.data[0].embedding</a:t>
+            </a:r>
+            <a:br/>
+            <a:br/>
+            <a:r>
+              <a:t># Embed a document chunk</a:t>
+            </a:r>
+            <a:br/>
+            <a:r>
+              <a:t>doc_vector = embed_text("Employees get 20 days PTO per year")</a:t>
+            </a:r>
+            <a:br/>
+            <a:r>
+              <a:t># Embed a query</a:t>
+            </a:r>
+            <a:br/>
+            <a:r>
+              <a:t>query_vector = embed_text("How much vacation do I get?")</a:t>
+            </a:r>
+            <a:br/>
+            <a:r>
+              <a:t># These vectors will be very similar (high cosine similarity)</a:t>
+            </a:r>
+          </a:p>
+        </p:txBody>
+      </p:sp>
     </p:spTree>
   </p:cSld>
   <p:clrMapOvr>
@@ -7069,17 +6630,9 @@
 </p:sld>
 </file>
 
-<file path=ppt/slides/slide9.xml><?xml version="1.0" encoding="utf-8"?>
+<file path=ppt/slides/slide6.xml><?xml version="1.0" encoding="utf-8"?>
 <p:sld xmlns:a="http://schemas.openxmlformats.org/drawingml/2006/main" xmlns:p="http://schemas.openxmlformats.org/presentationml/2006/main" xmlns:r="http://schemas.openxmlformats.org/officeDocument/2006/relationships">
   <p:cSld>
-    <p:bg>
-      <p:bgPr>
-        <a:solidFill>
-          <a:srgbClr val="FFFFFF"/>
-        </a:solidFill>
-        <a:effectLst/>
-      </p:bgPr>
-    </p:bg>
     <p:spTree>
       <p:nvGrpSpPr>
         <p:cNvPr id="1" name=""/>
@@ -7096,7 +6649,7 @@
         <p:spPr>
           <a:xfrm>
             <a:off x="0" y="0"/>
-            <a:ext cx="12191695" cy="54864"/>
+            <a:ext cx="12191695" cy="73152"/>
           </a:xfrm>
           <a:prstGeom prst="rect">
             <a:avLst/>
@@ -7139,7 +6692,7 @@
         <p:spPr>
           <a:xfrm>
             <a:off x="731520" y="274320"/>
-            <a:ext cx="10515600" cy="731520"/>
+            <a:ext cx="10728655" cy="731520"/>
           </a:xfrm>
           <a:prstGeom prst="rect">
             <a:avLst/>
@@ -7147,40 +6700,602 @@
           <a:noFill/>
         </p:spPr>
         <p:txBody>
-          <a:bodyPr wrap="square">
+          <a:bodyPr wrap="none">
             <a:spAutoFit/>
           </a:bodyPr>
           <a:lstStyle/>
           <a:p>
             <a:pPr>
-              <a:defRPr sz="2800" b="1">
+              <a:defRPr sz="3200" b="1">
                 <a:solidFill>
                   <a:srgbClr val="1B2A4A"/>
                 </a:solidFill>
               </a:defRPr>
             </a:pPr>
             <a:r>
-              <a:t>Context Window Management</a:t>
-            </a:r>
-          </a:p>
-        </p:txBody>
-      </p:sp>
-      <p:sp>
-        <p:nvSpPr>
-          <p:cNvPr id="4" name="Rounded Rectangle 3"/>
+              <a:t>Vector Database Options</a:t>
+            </a:r>
+          </a:p>
+        </p:txBody>
+      </p:sp>
+      <p:graphicFrame>
+        <p:nvGraphicFramePr>
+          <p:cNvPr id="4" name="Table 3"/>
+          <p:cNvGraphicFramePr>
+            <a:graphicFrameLocks noGrp="1"/>
+          </p:cNvGraphicFramePr>
+          <p:nvPr/>
+        </p:nvGraphicFramePr>
+        <p:xfrm>
+          <a:off x="731520" y="1280160"/>
+          <a:ext cx="10728652" cy="2194560"/>
+        </p:xfrm>
+        <a:graphic>
+          <a:graphicData uri="http://schemas.openxmlformats.org/drawingml/2006/table">
+            <a:tbl>
+              <a:tblPr firstRow="1" bandRow="1">
+                <a:tableStyleId>{5C22544A-7EE6-4342-B048-85BDC9FD1C3A}</a:tableStyleId>
+              </a:tblPr>
+              <a:tblGrid>
+                <a:gridCol w="2682163"/>
+                <a:gridCol w="2682163"/>
+                <a:gridCol w="2682163"/>
+                <a:gridCol w="2682163"/>
+              </a:tblGrid>
+              <a:tr h="365760">
+                <a:tc>
+                  <a:txBody>
+                    <a:bodyPr/>
+                    <a:lstStyle/>
+                    <a:p>
+                      <a:pPr algn="ctr">
+                        <a:defRPr sz="1400" b="1">
+                          <a:solidFill>
+                            <a:srgbClr val="FFFFFF"/>
+                          </a:solidFill>
+                        </a:defRPr>
+                      </a:pPr>
+                      <a:r>
+                        <a:t>Database</a:t>
+                      </a:r>
+                    </a:p>
+                  </a:txBody>
+                  <a:tcPr>
+                    <a:solidFill>
+                      <a:srgbClr val="1B2A4A"/>
+                    </a:solidFill>
+                  </a:tcPr>
+                </a:tc>
+                <a:tc>
+                  <a:txBody>
+                    <a:bodyPr/>
+                    <a:lstStyle/>
+                    <a:p>
+                      <a:pPr algn="ctr">
+                        <a:defRPr sz="1400" b="1">
+                          <a:solidFill>
+                            <a:srgbClr val="FFFFFF"/>
+                          </a:solidFill>
+                        </a:defRPr>
+                      </a:pPr>
+                      <a:r>
+                        <a:t>Type</a:t>
+                      </a:r>
+                    </a:p>
+                  </a:txBody>
+                  <a:tcPr>
+                    <a:solidFill>
+                      <a:srgbClr val="1B2A4A"/>
+                    </a:solidFill>
+                  </a:tcPr>
+                </a:tc>
+                <a:tc>
+                  <a:txBody>
+                    <a:bodyPr/>
+                    <a:lstStyle/>
+                    <a:p>
+                      <a:pPr algn="ctr">
+                        <a:defRPr sz="1400" b="1">
+                          <a:solidFill>
+                            <a:srgbClr val="FFFFFF"/>
+                          </a:solidFill>
+                        </a:defRPr>
+                      </a:pPr>
+                      <a:r>
+                        <a:t>Best For</a:t>
+                      </a:r>
+                    </a:p>
+                  </a:txBody>
+                  <a:tcPr>
+                    <a:solidFill>
+                      <a:srgbClr val="1B2A4A"/>
+                    </a:solidFill>
+                  </a:tcPr>
+                </a:tc>
+                <a:tc>
+                  <a:txBody>
+                    <a:bodyPr/>
+                    <a:lstStyle/>
+                    <a:p>
+                      <a:pPr algn="ctr">
+                        <a:defRPr sz="1400" b="1">
+                          <a:solidFill>
+                            <a:srgbClr val="FFFFFF"/>
+                          </a:solidFill>
+                        </a:defRPr>
+                      </a:pPr>
+                      <a:r>
+                        <a:t>Pricing</a:t>
+                      </a:r>
+                    </a:p>
+                  </a:txBody>
+                  <a:tcPr>
+                    <a:solidFill>
+                      <a:srgbClr val="1B2A4A"/>
+                    </a:solidFill>
+                  </a:tcPr>
+                </a:tc>
+              </a:tr>
+              <a:tr h="365760">
+                <a:tc>
+                  <a:txBody>
+                    <a:bodyPr/>
+                    <a:lstStyle/>
+                    <a:p>
+                      <a:pPr algn="ctr">
+                        <a:defRPr sz="1300">
+                          <a:solidFill>
+                            <a:srgbClr val="333333"/>
+                          </a:solidFill>
+                        </a:defRPr>
+                      </a:pPr>
+                      <a:r>
+                        <a:t>ChromaDB</a:t>
+                      </a:r>
+                    </a:p>
+                  </a:txBody>
+                  <a:tcPr/>
+                </a:tc>
+                <a:tc>
+                  <a:txBody>
+                    <a:bodyPr/>
+                    <a:lstStyle/>
+                    <a:p>
+                      <a:pPr algn="ctr">
+                        <a:defRPr sz="1300">
+                          <a:solidFill>
+                            <a:srgbClr val="333333"/>
+                          </a:solidFill>
+                        </a:defRPr>
+                      </a:pPr>
+                      <a:r>
+                        <a:t>Embedded / local</a:t>
+                      </a:r>
+                    </a:p>
+                  </a:txBody>
+                  <a:tcPr/>
+                </a:tc>
+                <a:tc>
+                  <a:txBody>
+                    <a:bodyPr/>
+                    <a:lstStyle/>
+                    <a:p>
+                      <a:pPr algn="ctr">
+                        <a:defRPr sz="1300">
+                          <a:solidFill>
+                            <a:srgbClr val="333333"/>
+                          </a:solidFill>
+                        </a:defRPr>
+                      </a:pPr>
+                      <a:r>
+                        <a:t>Prototyping, small datasets</a:t>
+                      </a:r>
+                    </a:p>
+                  </a:txBody>
+                  <a:tcPr/>
+                </a:tc>
+                <a:tc>
+                  <a:txBody>
+                    <a:bodyPr/>
+                    <a:lstStyle/>
+                    <a:p>
+                      <a:pPr algn="ctr">
+                        <a:defRPr sz="1300">
+                          <a:solidFill>
+                            <a:srgbClr val="333333"/>
+                          </a:solidFill>
+                        </a:defRPr>
+                      </a:pPr>
+                      <a:r>
+                        <a:t>Free (open source)</a:t>
+                      </a:r>
+                    </a:p>
+                  </a:txBody>
+                  <a:tcPr/>
+                </a:tc>
+              </a:tr>
+              <a:tr h="365760">
+                <a:tc>
+                  <a:txBody>
+                    <a:bodyPr/>
+                    <a:lstStyle/>
+                    <a:p>
+                      <a:pPr algn="ctr">
+                        <a:defRPr sz="1300">
+                          <a:solidFill>
+                            <a:srgbClr val="333333"/>
+                          </a:solidFill>
+                        </a:defRPr>
+                      </a:pPr>
+                      <a:r>
+                        <a:t>Pinecone</a:t>
+                      </a:r>
+                    </a:p>
+                  </a:txBody>
+                  <a:tcPr>
+                    <a:solidFill>
+                      <a:srgbClr val="F5F7FA"/>
+                    </a:solidFill>
+                  </a:tcPr>
+                </a:tc>
+                <a:tc>
+                  <a:txBody>
+                    <a:bodyPr/>
+                    <a:lstStyle/>
+                    <a:p>
+                      <a:pPr algn="ctr">
+                        <a:defRPr sz="1300">
+                          <a:solidFill>
+                            <a:srgbClr val="333333"/>
+                          </a:solidFill>
+                        </a:defRPr>
+                      </a:pPr>
+                      <a:r>
+                        <a:t>Managed cloud</a:t>
+                      </a:r>
+                    </a:p>
+                  </a:txBody>
+                  <a:tcPr>
+                    <a:solidFill>
+                      <a:srgbClr val="F5F7FA"/>
+                    </a:solidFill>
+                  </a:tcPr>
+                </a:tc>
+                <a:tc>
+                  <a:txBody>
+                    <a:bodyPr/>
+                    <a:lstStyle/>
+                    <a:p>
+                      <a:pPr algn="ctr">
+                        <a:defRPr sz="1300">
+                          <a:solidFill>
+                            <a:srgbClr val="333333"/>
+                          </a:solidFill>
+                        </a:defRPr>
+                      </a:pPr>
+                      <a:r>
+                        <a:t>Production, zero-ops</a:t>
+                      </a:r>
+                    </a:p>
+                  </a:txBody>
+                  <a:tcPr>
+                    <a:solidFill>
+                      <a:srgbClr val="F5F7FA"/>
+                    </a:solidFill>
+                  </a:tcPr>
+                </a:tc>
+                <a:tc>
+                  <a:txBody>
+                    <a:bodyPr/>
+                    <a:lstStyle/>
+                    <a:p>
+                      <a:pPr algn="ctr">
+                        <a:defRPr sz="1300">
+                          <a:solidFill>
+                            <a:srgbClr val="333333"/>
+                          </a:solidFill>
+                        </a:defRPr>
+                      </a:pPr>
+                      <a:r>
+                        <a:t>$0.33/hr+</a:t>
+                      </a:r>
+                    </a:p>
+                  </a:txBody>
+                  <a:tcPr>
+                    <a:solidFill>
+                      <a:srgbClr val="F5F7FA"/>
+                    </a:solidFill>
+                  </a:tcPr>
+                </a:tc>
+              </a:tr>
+              <a:tr h="365760">
+                <a:tc>
+                  <a:txBody>
+                    <a:bodyPr/>
+                    <a:lstStyle/>
+                    <a:p>
+                      <a:pPr algn="ctr">
+                        <a:defRPr sz="1300">
+                          <a:solidFill>
+                            <a:srgbClr val="333333"/>
+                          </a:solidFill>
+                        </a:defRPr>
+                      </a:pPr>
+                      <a:r>
+                        <a:t>pgvector</a:t>
+                      </a:r>
+                    </a:p>
+                  </a:txBody>
+                  <a:tcPr/>
+                </a:tc>
+                <a:tc>
+                  <a:txBody>
+                    <a:bodyPr/>
+                    <a:lstStyle/>
+                    <a:p>
+                      <a:pPr algn="ctr">
+                        <a:defRPr sz="1300">
+                          <a:solidFill>
+                            <a:srgbClr val="333333"/>
+                          </a:solidFill>
+                        </a:defRPr>
+                      </a:pPr>
+                      <a:r>
+                        <a:t>Postgres extension</a:t>
+                      </a:r>
+                    </a:p>
+                  </a:txBody>
+                  <a:tcPr/>
+                </a:tc>
+                <a:tc>
+                  <a:txBody>
+                    <a:bodyPr/>
+                    <a:lstStyle/>
+                    <a:p>
+                      <a:pPr algn="ctr">
+                        <a:defRPr sz="1300">
+                          <a:solidFill>
+                            <a:srgbClr val="333333"/>
+                          </a:solidFill>
+                        </a:defRPr>
+                      </a:pPr>
+                      <a:r>
+                        <a:t>Existing Postgres users</a:t>
+                      </a:r>
+                    </a:p>
+                  </a:txBody>
+                  <a:tcPr/>
+                </a:tc>
+                <a:tc>
+                  <a:txBody>
+                    <a:bodyPr/>
+                    <a:lstStyle/>
+                    <a:p>
+                      <a:pPr algn="ctr">
+                        <a:defRPr sz="1300">
+                          <a:solidFill>
+                            <a:srgbClr val="333333"/>
+                          </a:solidFill>
+                        </a:defRPr>
+                      </a:pPr>
+                      <a:r>
+                        <a:t>Free (ext)</a:t>
+                      </a:r>
+                    </a:p>
+                  </a:txBody>
+                  <a:tcPr/>
+                </a:tc>
+              </a:tr>
+              <a:tr h="365760">
+                <a:tc>
+                  <a:txBody>
+                    <a:bodyPr/>
+                    <a:lstStyle/>
+                    <a:p>
+                      <a:pPr algn="ctr">
+                        <a:defRPr sz="1300">
+                          <a:solidFill>
+                            <a:srgbClr val="333333"/>
+                          </a:solidFill>
+                        </a:defRPr>
+                      </a:pPr>
+                      <a:r>
+                        <a:t>Weaviate</a:t>
+                      </a:r>
+                    </a:p>
+                  </a:txBody>
+                  <a:tcPr>
+                    <a:solidFill>
+                      <a:srgbClr val="F5F7FA"/>
+                    </a:solidFill>
+                  </a:tcPr>
+                </a:tc>
+                <a:tc>
+                  <a:txBody>
+                    <a:bodyPr/>
+                    <a:lstStyle/>
+                    <a:p>
+                      <a:pPr algn="ctr">
+                        <a:defRPr sz="1300">
+                          <a:solidFill>
+                            <a:srgbClr val="333333"/>
+                          </a:solidFill>
+                        </a:defRPr>
+                      </a:pPr>
+                      <a:r>
+                        <a:t>Self-hosted / cloud</a:t>
+                      </a:r>
+                    </a:p>
+                  </a:txBody>
+                  <a:tcPr>
+                    <a:solidFill>
+                      <a:srgbClr val="F5F7FA"/>
+                    </a:solidFill>
+                  </a:tcPr>
+                </a:tc>
+                <a:tc>
+                  <a:txBody>
+                    <a:bodyPr/>
+                    <a:lstStyle/>
+                    <a:p>
+                      <a:pPr algn="ctr">
+                        <a:defRPr sz="1300">
+                          <a:solidFill>
+                            <a:srgbClr val="333333"/>
+                          </a:solidFill>
+                        </a:defRPr>
+                      </a:pPr>
+                      <a:r>
+                        <a:t>Multi-modal search</a:t>
+                      </a:r>
+                    </a:p>
+                  </a:txBody>
+                  <a:tcPr>
+                    <a:solidFill>
+                      <a:srgbClr val="F5F7FA"/>
+                    </a:solidFill>
+                  </a:tcPr>
+                </a:tc>
+                <a:tc>
+                  <a:txBody>
+                    <a:bodyPr/>
+                    <a:lstStyle/>
+                    <a:p>
+                      <a:pPr algn="ctr">
+                        <a:defRPr sz="1300">
+                          <a:solidFill>
+                            <a:srgbClr val="333333"/>
+                          </a:solidFill>
+                        </a:defRPr>
+                      </a:pPr>
+                      <a:r>
+                        <a:t>Free / managed</a:t>
+                      </a:r>
+                    </a:p>
+                  </a:txBody>
+                  <a:tcPr>
+                    <a:solidFill>
+                      <a:srgbClr val="F5F7FA"/>
+                    </a:solidFill>
+                  </a:tcPr>
+                </a:tc>
+              </a:tr>
+              <a:tr h="365760">
+                <a:tc>
+                  <a:txBody>
+                    <a:bodyPr/>
+                    <a:lstStyle/>
+                    <a:p>
+                      <a:pPr algn="ctr">
+                        <a:defRPr sz="1300">
+                          <a:solidFill>
+                            <a:srgbClr val="333333"/>
+                          </a:solidFill>
+                        </a:defRPr>
+                      </a:pPr>
+                      <a:r>
+                        <a:t>Qdrant</a:t>
+                      </a:r>
+                    </a:p>
+                  </a:txBody>
+                  <a:tcPr/>
+                </a:tc>
+                <a:tc>
+                  <a:txBody>
+                    <a:bodyPr/>
+                    <a:lstStyle/>
+                    <a:p>
+                      <a:pPr algn="ctr">
+                        <a:defRPr sz="1300">
+                          <a:solidFill>
+                            <a:srgbClr val="333333"/>
+                          </a:solidFill>
+                        </a:defRPr>
+                      </a:pPr>
+                      <a:r>
+                        <a:t>Self-hosted / cloud</a:t>
+                      </a:r>
+                    </a:p>
+                  </a:txBody>
+                  <a:tcPr/>
+                </a:tc>
+                <a:tc>
+                  <a:txBody>
+                    <a:bodyPr/>
+                    <a:lstStyle/>
+                    <a:p>
+                      <a:pPr algn="ctr">
+                        <a:defRPr sz="1300">
+                          <a:solidFill>
+                            <a:srgbClr val="333333"/>
+                          </a:solidFill>
+                        </a:defRPr>
+                      </a:pPr>
+                      <a:r>
+                        <a:t>High performance</a:t>
+                      </a:r>
+                    </a:p>
+                  </a:txBody>
+                  <a:tcPr/>
+                </a:tc>
+                <a:tc>
+                  <a:txBody>
+                    <a:bodyPr/>
+                    <a:lstStyle/>
+                    <a:p>
+                      <a:pPr algn="ctr">
+                        <a:defRPr sz="1300">
+                          <a:solidFill>
+                            <a:srgbClr val="333333"/>
+                          </a:solidFill>
+                        </a:defRPr>
+                      </a:pPr>
+                      <a:r>
+                        <a:t>Free / managed</a:t>
+                      </a:r>
+                    </a:p>
+                  </a:txBody>
+                  <a:tcPr/>
+                </a:tc>
+              </a:tr>
+            </a:tbl>
+          </a:graphicData>
+        </a:graphic>
+      </p:graphicFrame>
+    </p:spTree>
+  </p:cSld>
+  <p:clrMapOvr>
+    <a:masterClrMapping/>
+  </p:clrMapOvr>
+</p:sld>
+</file>
+
+<file path=ppt/slides/slide7.xml><?xml version="1.0" encoding="utf-8"?>
+<p:sld xmlns:a="http://schemas.openxmlformats.org/drawingml/2006/main" xmlns:p="http://schemas.openxmlformats.org/presentationml/2006/main" xmlns:r="http://schemas.openxmlformats.org/officeDocument/2006/relationships">
+  <p:cSld>
+    <p:spTree>
+      <p:nvGrpSpPr>
+        <p:cNvPr id="1" name=""/>
+        <p:cNvGrpSpPr/>
+        <p:nvPr/>
+      </p:nvGrpSpPr>
+      <p:grpSpPr/>
+      <p:sp>
+        <p:nvSpPr>
+          <p:cNvPr id="2" name="Rectangle 1"/>
           <p:cNvSpPr/>
           <p:nvPr/>
         </p:nvSpPr>
         <p:spPr>
           <a:xfrm>
-            <a:off x="548640" y="1188720"/>
-            <a:ext cx="10972800" cy="4754880"/>
+            <a:off x="0" y="0"/>
+            <a:ext cx="12191695" cy="73152"/>
           </a:xfrm>
-          <a:prstGeom prst="roundRect">
+          <a:prstGeom prst="rect">
             <a:avLst/>
           </a:prstGeom>
           <a:solidFill>
-            <a:srgbClr val="F0F0F0"/>
+            <a:srgbClr val="0096D6"/>
           </a:solidFill>
           <a:ln>
             <a:noFill/>
@@ -7210,14 +7325,14 @@
       </p:sp>
       <p:sp>
         <p:nvSpPr>
-          <p:cNvPr id="5" name="TextBox 4"/>
+          <p:cNvPr id="3" name="TextBox 2"/>
           <p:cNvSpPr txBox="1"/>
           <p:nvPr/>
         </p:nvSpPr>
         <p:spPr>
           <a:xfrm>
-            <a:off x="822960" y="1371600"/>
-            <a:ext cx="10424160" cy="4389120"/>
+            <a:off x="731520" y="274320"/>
+            <a:ext cx="10728655" cy="731520"/>
           </a:xfrm>
           <a:prstGeom prst="rect">
             <a:avLst/>
@@ -7225,13 +7340,128 @@
           <a:noFill/>
         </p:spPr>
         <p:txBody>
+          <a:bodyPr wrap="none">
+            <a:spAutoFit/>
+          </a:bodyPr>
+          <a:lstStyle/>
+          <a:p>
+            <a:pPr>
+              <a:defRPr sz="2800" b="1">
+                <a:solidFill>
+                  <a:srgbClr val="1B2A4A"/>
+                </a:solidFill>
+              </a:defRPr>
+            </a:pPr>
+            <a:r>
+              <a:t>ChromaDB — Store &amp; Query</a:t>
+            </a:r>
+          </a:p>
+        </p:txBody>
+      </p:sp>
+      <p:sp>
+        <p:nvSpPr>
+          <p:cNvPr id="4" name="Rounded Rectangle 3"/>
+          <p:cNvSpPr/>
+          <p:nvPr/>
+        </p:nvSpPr>
+        <p:spPr>
+          <a:xfrm>
+            <a:off x="731520" y="1188720"/>
+            <a:ext cx="10728655" cy="5212080"/>
+          </a:xfrm>
+          <a:prstGeom prst="roundRect">
+            <a:avLst/>
+          </a:prstGeom>
+          <a:solidFill>
+            <a:srgbClr val="F0F0F0"/>
+          </a:solidFill>
+          <a:ln w="12700">
+            <a:solidFill>
+              <a:srgbClr val="DDDDDD"/>
+            </a:solidFill>
+          </a:ln>
+        </p:spPr>
+        <p:style>
+          <a:lnRef idx="1">
+            <a:schemeClr val="accent1"/>
+          </a:lnRef>
+          <a:fillRef idx="3">
+            <a:schemeClr val="accent1"/>
+          </a:fillRef>
+          <a:effectRef idx="2">
+            <a:schemeClr val="accent1"/>
+          </a:effectRef>
+          <a:fontRef idx="minor">
+            <a:schemeClr val="lt1"/>
+          </a:fontRef>
+        </p:style>
+        <p:txBody>
+          <a:bodyPr rtlCol="0" anchor="ctr"/>
+          <a:lstStyle/>
+          <a:p>
+            <a:pPr algn="ctr"/>
+          </a:p>
+        </p:txBody>
+      </p:sp>
+      <p:sp>
+        <p:nvSpPr>
+          <p:cNvPr id="5" name="TextBox 4"/>
+          <p:cNvSpPr txBox="1"/>
+          <p:nvPr/>
+        </p:nvSpPr>
+        <p:spPr>
+          <a:xfrm>
+            <a:off x="822960" y="1234440"/>
+            <a:ext cx="1828800" cy="320040"/>
+          </a:xfrm>
+          <a:prstGeom prst="rect">
+            <a:avLst/>
+          </a:prstGeom>
+          <a:noFill/>
+        </p:spPr>
+        <p:txBody>
+          <a:bodyPr wrap="none">
+            <a:spAutoFit/>
+          </a:bodyPr>
+          <a:lstStyle/>
+          <a:p>
+            <a:pPr>
+              <a:defRPr sz="1100" b="1">
+                <a:solidFill>
+                  <a:srgbClr val="666666"/>
+                </a:solidFill>
+              </a:defRPr>
+            </a:pPr>
+            <a:r>
+              <a:t>python</a:t>
+            </a:r>
+          </a:p>
+        </p:txBody>
+      </p:sp>
+      <p:sp>
+        <p:nvSpPr>
+          <p:cNvPr id="6" name="TextBox 5"/>
+          <p:cNvSpPr txBox="1"/>
+          <p:nvPr/>
+        </p:nvSpPr>
+        <p:spPr>
+          <a:xfrm>
+            <a:off x="914400" y="1554480"/>
+            <a:ext cx="10362895" cy="4754880"/>
+          </a:xfrm>
+          <a:prstGeom prst="rect">
+            <a:avLst/>
+          </a:prstGeom>
+          <a:noFill/>
+        </p:spPr>
+        <p:txBody>
           <a:bodyPr wrap="square">
             <a:spAutoFit/>
           </a:bodyPr>
           <a:lstStyle/>
           <a:p>
-            <a:pPr>
-              <a:defRPr sz="1200">
+            <a:pPr algn="l">
+              <a:defRPr sz="1300">
                 <a:solidFill>
                   <a:srgbClr val="333333"/>
                 </a:solidFill>
@@ -7239,99 +7469,723 @@
               </a:defRPr>
             </a:pPr>
             <a:r>
-              <a:t>import tiktoken</a:t>
+              <a:t>import chromadb</a:t>
+            </a:r>
+            <a:br/>
+            <a:r>
+              <a:t>chroma = chromadb.Client()  # In-memory for demo</a:t>
             </a:r>
             <a:br/>
             <a:br/>
             <a:r>
-              <a:t>def count_tokens(text, model="gpt-5.2"):</a:t>
+              <a:t>collection = chroma.create_collection("docs",</a:t>
             </a:r>
             <a:br/>
             <a:r>
-              <a:t>    enc = tiktoken.encoding_for_model(model)</a:t>
-            </a:r>
-            <a:br/>
-            <a:r>
-              <a:t>    return len(enc.encode(text))</a:t>
+              <a:t>    metadata={"hnsw:space": "cosine"})</a:t>
             </a:r>
             <a:br/>
             <a:br/>
             <a:r>
-              <a:t>def manage_context(messages, max_tokens=200000):</a:t>
+              <a:t># Store chunks with embeddings</a:t>
             </a:r>
             <a:br/>
             <a:r>
-              <a:t>    """Strategy 1: Drop oldest messages (keep system + last N)"""</a:t>
+              <a:t>collection.add(</a:t>
             </a:r>
             <a:br/>
             <a:r>
-              <a:t>    total = sum(count_tokens(m["content"]) for m in messages)</a:t>
+              <a:t>    ids=["chunk_1", "chunk_2"],</a:t>
             </a:r>
             <a:br/>
             <a:r>
-              <a:t>    while total &gt; max_tokens and len(messages) &gt; 2:</a:t>
+              <a:t>    embeddings=[embed_text(chunk1), embed_text(chunk2)],</a:t>
             </a:r>
             <a:br/>
             <a:r>
-              <a:t>        removed = messages.pop(1)</a:t>
+              <a:t>    documents=[chunk1, chunk2],</a:t>
             </a:r>
             <a:br/>
             <a:r>
-              <a:t>        total -= count_tokens(removed["content"])</a:t>
+              <a:t>    metadatas=[{"source": "handbook.md"}, {"source": "faq.md"}],</a:t>
             </a:r>
             <a:br/>
             <a:r>
-              <a:t>    return messages</a:t>
+              <a:t>)</a:t>
             </a:r>
             <a:br/>
             <a:br/>
             <a:r>
-              <a:t>def summarize_old(messages, client):</a:t>
+              <a:t># Query</a:t>
             </a:r>
             <a:br/>
             <a:r>
-              <a:t>    """Strategy 2: Summarize old messages with cheap model"""</a:t>
+              <a:t>results = collection.query(</a:t>
             </a:r>
             <a:br/>
             <a:r>
-              <a:t>    if len(messages) &lt; 10: return messages</a:t>
+              <a:t>    query_embeddings=[embed_text("vacation policy")],</a:t>
             </a:r>
             <a:br/>
             <a:r>
-              <a:t>    old = messages[1:-4]</a:t>
+              <a:t>    n_results=3,</a:t>
             </a:r>
             <a:br/>
             <a:r>
-              <a:t>    summary = client.chat.completions.create(</a:t>
+              <a:t>)</a:t>
+            </a:r>
+          </a:p>
+        </p:txBody>
+      </p:sp>
+    </p:spTree>
+  </p:cSld>
+  <p:clrMapOvr>
+    <a:masterClrMapping/>
+  </p:clrMapOvr>
+</p:sld>
+</file>
+
+<file path=ppt/slides/slide8.xml><?xml version="1.0" encoding="utf-8"?>
+<p:sld xmlns:a="http://schemas.openxmlformats.org/drawingml/2006/main" xmlns:p="http://schemas.openxmlformats.org/presentationml/2006/main" xmlns:r="http://schemas.openxmlformats.org/officeDocument/2006/relationships">
+  <p:cSld>
+    <p:spTree>
+      <p:nvGrpSpPr>
+        <p:cNvPr id="1" name=""/>
+        <p:cNvGrpSpPr/>
+        <p:nvPr/>
+      </p:nvGrpSpPr>
+      <p:grpSpPr/>
+      <p:sp>
+        <p:nvSpPr>
+          <p:cNvPr id="2" name="Rectangle 1"/>
+          <p:cNvSpPr/>
+          <p:nvPr/>
+        </p:nvSpPr>
+        <p:spPr>
+          <a:xfrm>
+            <a:off x="0" y="0"/>
+            <a:ext cx="12191695" cy="73152"/>
+          </a:xfrm>
+          <a:prstGeom prst="rect">
+            <a:avLst/>
+          </a:prstGeom>
+          <a:solidFill>
+            <a:srgbClr val="0096D6"/>
+          </a:solidFill>
+          <a:ln>
+            <a:noFill/>
+          </a:ln>
+        </p:spPr>
+        <p:style>
+          <a:lnRef idx="1">
+            <a:schemeClr val="accent1"/>
+          </a:lnRef>
+          <a:fillRef idx="3">
+            <a:schemeClr val="accent1"/>
+          </a:fillRef>
+          <a:effectRef idx="2">
+            <a:schemeClr val="accent1"/>
+          </a:effectRef>
+          <a:fontRef idx="minor">
+            <a:schemeClr val="lt1"/>
+          </a:fontRef>
+        </p:style>
+        <p:txBody>
+          <a:bodyPr rtlCol="0" anchor="ctr"/>
+          <a:lstStyle/>
+          <a:p>
+            <a:pPr algn="ctr"/>
+          </a:p>
+        </p:txBody>
+      </p:sp>
+      <p:sp>
+        <p:nvSpPr>
+          <p:cNvPr id="3" name="TextBox 2"/>
+          <p:cNvSpPr txBox="1"/>
+          <p:nvPr/>
+        </p:nvSpPr>
+        <p:spPr>
+          <a:xfrm>
+            <a:off x="731520" y="274320"/>
+            <a:ext cx="10728655" cy="731520"/>
+          </a:xfrm>
+          <a:prstGeom prst="rect">
+            <a:avLst/>
+          </a:prstGeom>
+          <a:noFill/>
+        </p:spPr>
+        <p:txBody>
+          <a:bodyPr wrap="none">
+            <a:spAutoFit/>
+          </a:bodyPr>
+          <a:lstStyle/>
+          <a:p>
+            <a:pPr>
+              <a:defRPr sz="2800" b="1">
+                <a:solidFill>
+                  <a:srgbClr val="1B2A4A"/>
+                </a:solidFill>
+              </a:defRPr>
+            </a:pPr>
+            <a:r>
+              <a:t>RAG Generation — Putting It Together</a:t>
+            </a:r>
+          </a:p>
+        </p:txBody>
+      </p:sp>
+      <p:sp>
+        <p:nvSpPr>
+          <p:cNvPr id="4" name="Rounded Rectangle 3"/>
+          <p:cNvSpPr/>
+          <p:nvPr/>
+        </p:nvSpPr>
+        <p:spPr>
+          <a:xfrm>
+            <a:off x="731520" y="1188720"/>
+            <a:ext cx="10728655" cy="5212080"/>
+          </a:xfrm>
+          <a:prstGeom prst="roundRect">
+            <a:avLst/>
+          </a:prstGeom>
+          <a:solidFill>
+            <a:srgbClr val="F0F0F0"/>
+          </a:solidFill>
+          <a:ln w="12700">
+            <a:solidFill>
+              <a:srgbClr val="DDDDDD"/>
+            </a:solidFill>
+          </a:ln>
+        </p:spPr>
+        <p:style>
+          <a:lnRef idx="1">
+            <a:schemeClr val="accent1"/>
+          </a:lnRef>
+          <a:fillRef idx="3">
+            <a:schemeClr val="accent1"/>
+          </a:fillRef>
+          <a:effectRef idx="2">
+            <a:schemeClr val="accent1"/>
+          </a:effectRef>
+          <a:fontRef idx="minor">
+            <a:schemeClr val="lt1"/>
+          </a:fontRef>
+        </p:style>
+        <p:txBody>
+          <a:bodyPr rtlCol="0" anchor="ctr"/>
+          <a:lstStyle/>
+          <a:p>
+            <a:pPr algn="ctr"/>
+          </a:p>
+        </p:txBody>
+      </p:sp>
+      <p:sp>
+        <p:nvSpPr>
+          <p:cNvPr id="5" name="TextBox 4"/>
+          <p:cNvSpPr txBox="1"/>
+          <p:nvPr/>
+        </p:nvSpPr>
+        <p:spPr>
+          <a:xfrm>
+            <a:off x="822960" y="1234440"/>
+            <a:ext cx="1828800" cy="320040"/>
+          </a:xfrm>
+          <a:prstGeom prst="rect">
+            <a:avLst/>
+          </a:prstGeom>
+          <a:noFill/>
+        </p:spPr>
+        <p:txBody>
+          <a:bodyPr wrap="none">
+            <a:spAutoFit/>
+          </a:bodyPr>
+          <a:lstStyle/>
+          <a:p>
+            <a:pPr>
+              <a:defRPr sz="1100" b="1">
+                <a:solidFill>
+                  <a:srgbClr val="666666"/>
+                </a:solidFill>
+              </a:defRPr>
+            </a:pPr>
+            <a:r>
+              <a:t>python</a:t>
+            </a:r>
+          </a:p>
+        </p:txBody>
+      </p:sp>
+      <p:sp>
+        <p:nvSpPr>
+          <p:cNvPr id="6" name="TextBox 5"/>
+          <p:cNvSpPr txBox="1"/>
+          <p:nvPr/>
+        </p:nvSpPr>
+        <p:spPr>
+          <a:xfrm>
+            <a:off x="914400" y="1554480"/>
+            <a:ext cx="10362895" cy="4754880"/>
+          </a:xfrm>
+          <a:prstGeom prst="rect">
+            <a:avLst/>
+          </a:prstGeom>
+          <a:noFill/>
+        </p:spPr>
+        <p:txBody>
+          <a:bodyPr wrap="square">
+            <a:spAutoFit/>
+          </a:bodyPr>
+          <a:lstStyle/>
+          <a:p>
+            <a:pPr algn="l">
+              <a:defRPr sz="1300">
+                <a:solidFill>
+                  <a:srgbClr val="333333"/>
+                </a:solidFill>
+                <a:latin typeface="Consolas"/>
+              </a:defRPr>
+            </a:pPr>
+            <a:r>
+              <a:t>def generate_answer(query, context_chunks):</a:t>
             </a:r>
             <a:br/>
             <a:r>
-              <a:t>        model="gpt-4o-mini",  # cheap model for summarization</a:t>
+              <a:t>    context = "\n\n".join(</a:t>
             </a:r>
             <a:br/>
             <a:r>
-              <a:t>        messages=[{"role":"user","content":f"Summarize:\n{old}"}]</a:t>
+              <a:t>        f"[Source: {c['source']}]\n{c['text']}"</a:t>
             </a:r>
             <a:br/>
             <a:r>
-              <a:t>    ).choices[0].message.content</a:t>
+              <a:t>        for c in context_chunks</a:t>
             </a:r>
             <a:br/>
             <a:r>
-              <a:t>    return [messages[0],</a:t>
+              <a:t>    )</a:t>
             </a:r>
             <a:br/>
             <a:r>
-              <a:t>            {"role":"system","content":f"Previous summary: {summary}"},</a:t>
+              <a:t>    response = client.chat.completions.create(</a:t>
             </a:r>
             <a:br/>
             <a:r>
-              <a:t>            *messages[-4:]]</a:t>
+              <a:t>        model="gpt-4.1",</a:t>
             </a:r>
             <a:br/>
+            <a:r>
+              <a:t>        messages=[</a:t>
+            </a:r>
             <a:br/>
             <a:r>
-              <a:t># Budget: 50% for retrieved docs, 25% history, 25% response</a:t>
+              <a:t>            {"role": "system", "content":</a:t>
+            </a:r>
+            <a:br/>
+            <a:r>
+              <a:t>             "Answer based ONLY on the provided context. "</a:t>
+            </a:r>
+            <a:br/>
+            <a:r>
+              <a:t>             "Cite sources. If unsure, say so."},</a:t>
+            </a:r>
+            <a:br/>
+            <a:r>
+              <a:t>            {"role": "user", "content":</a:t>
+            </a:r>
+            <a:br/>
+            <a:r>
+              <a:t>             f"Context:\n{context}\n\nQuestion: {query}"},</a:t>
+            </a:r>
+            <a:br/>
+            <a:r>
+              <a:t>        ],</a:t>
+            </a:r>
+            <a:br/>
+            <a:r>
+              <a:t>        temperature=0,</a:t>
+            </a:r>
+            <a:br/>
+            <a:r>
+              <a:t>    )</a:t>
+            </a:r>
+            <a:br/>
+            <a:r>
+              <a:t>    return response.choices[0].message.content</a:t>
+            </a:r>
+          </a:p>
+        </p:txBody>
+      </p:sp>
+    </p:spTree>
+  </p:cSld>
+  <p:clrMapOvr>
+    <a:masterClrMapping/>
+  </p:clrMapOvr>
+</p:sld>
+</file>
+
+<file path=ppt/slides/slide9.xml><?xml version="1.0" encoding="utf-8"?>
+<p:sld xmlns:a="http://schemas.openxmlformats.org/drawingml/2006/main" xmlns:p="http://schemas.openxmlformats.org/presentationml/2006/main" xmlns:r="http://schemas.openxmlformats.org/officeDocument/2006/relationships">
+  <p:cSld>
+    <p:spTree>
+      <p:nvGrpSpPr>
+        <p:cNvPr id="1" name=""/>
+        <p:cNvGrpSpPr/>
+        <p:nvPr/>
+      </p:nvGrpSpPr>
+      <p:grpSpPr/>
+      <p:sp>
+        <p:nvSpPr>
+          <p:cNvPr id="2" name="Rectangle 1"/>
+          <p:cNvSpPr/>
+          <p:nvPr/>
+        </p:nvSpPr>
+        <p:spPr>
+          <a:xfrm>
+            <a:off x="0" y="0"/>
+            <a:ext cx="12191695" cy="73152"/>
+          </a:xfrm>
+          <a:prstGeom prst="rect">
+            <a:avLst/>
+          </a:prstGeom>
+          <a:solidFill>
+            <a:srgbClr val="0096D6"/>
+          </a:solidFill>
+          <a:ln>
+            <a:noFill/>
+          </a:ln>
+        </p:spPr>
+        <p:style>
+          <a:lnRef idx="1">
+            <a:schemeClr val="accent1"/>
+          </a:lnRef>
+          <a:fillRef idx="3">
+            <a:schemeClr val="accent1"/>
+          </a:fillRef>
+          <a:effectRef idx="2">
+            <a:schemeClr val="accent1"/>
+          </a:effectRef>
+          <a:fontRef idx="minor">
+            <a:schemeClr val="lt1"/>
+          </a:fontRef>
+        </p:style>
+        <p:txBody>
+          <a:bodyPr rtlCol="0" anchor="ctr"/>
+          <a:lstStyle/>
+          <a:p>
+            <a:pPr algn="ctr"/>
+          </a:p>
+        </p:txBody>
+      </p:sp>
+      <p:sp>
+        <p:nvSpPr>
+          <p:cNvPr id="3" name="TextBox 2"/>
+          <p:cNvSpPr txBox="1"/>
+          <p:nvPr/>
+        </p:nvSpPr>
+        <p:spPr>
+          <a:xfrm>
+            <a:off x="731520" y="274320"/>
+            <a:ext cx="10728655" cy="731520"/>
+          </a:xfrm>
+          <a:prstGeom prst="rect">
+            <a:avLst/>
+          </a:prstGeom>
+          <a:noFill/>
+        </p:spPr>
+        <p:txBody>
+          <a:bodyPr wrap="none">
+            <a:spAutoFit/>
+          </a:bodyPr>
+          <a:lstStyle/>
+          <a:p>
+            <a:pPr>
+              <a:defRPr sz="3200" b="1">
+                <a:solidFill>
+                  <a:srgbClr val="1B2A4A"/>
+                </a:solidFill>
+              </a:defRPr>
+            </a:pPr>
+            <a:r>
+              <a:t>RAG vs Long Context vs Fine-Tuning</a:t>
+            </a:r>
+          </a:p>
+        </p:txBody>
+      </p:sp>
+      <p:sp>
+        <p:nvSpPr>
+          <p:cNvPr id="4" name="TextBox 3"/>
+          <p:cNvSpPr txBox="1"/>
+          <p:nvPr/>
+        </p:nvSpPr>
+        <p:spPr>
+          <a:xfrm>
+            <a:off x="731520" y="1188720"/>
+            <a:ext cx="5029200" cy="457200"/>
+          </a:xfrm>
+          <a:prstGeom prst="rect">
+            <a:avLst/>
+          </a:prstGeom>
+          <a:noFill/>
+        </p:spPr>
+        <p:txBody>
+          <a:bodyPr wrap="none">
+            <a:spAutoFit/>
+          </a:bodyPr>
+          <a:lstStyle/>
+          <a:p>
+            <a:pPr>
+              <a:defRPr sz="2200" b="1">
+                <a:solidFill>
+                  <a:srgbClr val="0096D6"/>
+                </a:solidFill>
+              </a:defRPr>
+            </a:pPr>
+            <a:r>
+              <a:t>When to Use RAG</a:t>
+            </a:r>
+          </a:p>
+        </p:txBody>
+      </p:sp>
+      <p:sp>
+        <p:nvSpPr>
+          <p:cNvPr id="5" name="TextBox 4"/>
+          <p:cNvSpPr txBox="1"/>
+          <p:nvPr/>
+        </p:nvSpPr>
+        <p:spPr>
+          <a:xfrm>
+            <a:off x="731520" y="1737360"/>
+            <a:ext cx="5029200" cy="4572000"/>
+          </a:xfrm>
+          <a:prstGeom prst="rect">
+            <a:avLst/>
+          </a:prstGeom>
+          <a:noFill/>
+        </p:spPr>
+        <p:txBody>
+          <a:bodyPr wrap="square">
+            <a:spAutoFit/>
+          </a:bodyPr>
+          <a:lstStyle/>
+          <a:p>
+            <a:pPr>
+              <a:spcAft>
+                <a:spcPts val="600"/>
+              </a:spcAft>
+              <a:defRPr sz="1800">
+                <a:solidFill>
+                  <a:srgbClr val="333333"/>
+                </a:solidFill>
+              </a:defRPr>
+            </a:pPr>
+            <a:r>
+              <a:t>Large document collections (&gt;200K tokens total)</a:t>
+            </a:r>
+          </a:p>
+          <a:p>
+            <a:pPr>
+              <a:spcAft>
+                <a:spcPts val="600"/>
+              </a:spcAft>
+              <a:defRPr sz="1800">
+                <a:solidFill>
+                  <a:srgbClr val="333333"/>
+                </a:solidFill>
+              </a:defRPr>
+            </a:pPr>
+            <a:r>
+              <a:t>Frequently updated data</a:t>
+            </a:r>
+          </a:p>
+          <a:p>
+            <a:pPr>
+              <a:spcAft>
+                <a:spcPts val="600"/>
+              </a:spcAft>
+              <a:defRPr sz="1800">
+                <a:solidFill>
+                  <a:srgbClr val="333333"/>
+                </a:solidFill>
+              </a:defRPr>
+            </a:pPr>
+            <a:r>
+              <a:t>Need source citations</a:t>
+            </a:r>
+          </a:p>
+          <a:p>
+            <a:pPr>
+              <a:spcAft>
+                <a:spcPts val="600"/>
+              </a:spcAft>
+              <a:defRPr sz="1800">
+                <a:solidFill>
+                  <a:srgbClr val="333333"/>
+                </a:solidFill>
+              </a:defRPr>
+            </a:pPr>
+            <a:r>
+              <a:t>Multiple users with different doc access</a:t>
+            </a:r>
+          </a:p>
+          <a:p>
+            <a:pPr>
+              <a:spcAft>
+                <a:spcPts val="600"/>
+              </a:spcAft>
+              <a:defRPr sz="1800">
+                <a:solidFill>
+                  <a:srgbClr val="333333"/>
+                </a:solidFill>
+              </a:defRPr>
+            </a:pPr>
+            <a:r>
+              <a:t>Cost-sensitive (only retrieve what's needed)</a:t>
+            </a:r>
+          </a:p>
+        </p:txBody>
+      </p:sp>
+      <p:sp>
+        <p:nvSpPr>
+          <p:cNvPr id="6" name="TextBox 5"/>
+          <p:cNvSpPr txBox="1"/>
+          <p:nvPr/>
+        </p:nvSpPr>
+        <p:spPr>
+          <a:xfrm>
+            <a:off x="6400800" y="1188720"/>
+            <a:ext cx="5029200" cy="457200"/>
+          </a:xfrm>
+          <a:prstGeom prst="rect">
+            <a:avLst/>
+          </a:prstGeom>
+          <a:noFill/>
+        </p:spPr>
+        <p:txBody>
+          <a:bodyPr wrap="none">
+            <a:spAutoFit/>
+          </a:bodyPr>
+          <a:lstStyle/>
+          <a:p>
+            <a:pPr>
+              <a:defRPr sz="2200" b="1">
+                <a:solidFill>
+                  <a:srgbClr val="0096D6"/>
+                </a:solidFill>
+              </a:defRPr>
+            </a:pPr>
+            <a:r>
+              <a:t>When NOT to Use RAG</a:t>
+            </a:r>
+          </a:p>
+        </p:txBody>
+      </p:sp>
+      <p:sp>
+        <p:nvSpPr>
+          <p:cNvPr id="7" name="TextBox 6"/>
+          <p:cNvSpPr txBox="1"/>
+          <p:nvPr/>
+        </p:nvSpPr>
+        <p:spPr>
+          <a:xfrm>
+            <a:off x="6400800" y="1737360"/>
+            <a:ext cx="5029200" cy="4572000"/>
+          </a:xfrm>
+          <a:prstGeom prst="rect">
+            <a:avLst/>
+          </a:prstGeom>
+          <a:noFill/>
+        </p:spPr>
+        <p:txBody>
+          <a:bodyPr wrap="square">
+            <a:spAutoFit/>
+          </a:bodyPr>
+          <a:lstStyle/>
+          <a:p>
+            <a:pPr>
+              <a:spcAft>
+                <a:spcPts val="600"/>
+              </a:spcAft>
+              <a:defRPr sz="1800">
+                <a:solidFill>
+                  <a:srgbClr val="333333"/>
+                </a:solidFill>
+              </a:defRPr>
+            </a:pPr>
+            <a:r>
+              <a:t>Small corpus that fits in context window</a:t>
+            </a:r>
+          </a:p>
+          <a:p>
+            <a:pPr>
+              <a:spcAft>
+                <a:spcPts val="600"/>
+              </a:spcAft>
+              <a:defRPr sz="1800">
+                <a:solidFill>
+                  <a:srgbClr val="333333"/>
+                </a:solidFill>
+              </a:defRPr>
+            </a:pPr>
+            <a:r>
+              <a:t>  → Just pass it all in (200K+ token windows)</a:t>
+            </a:r>
+          </a:p>
+          <a:p>
+            <a:pPr>
+              <a:spcAft>
+                <a:spcPts val="600"/>
+              </a:spcAft>
+              <a:defRPr sz="1800">
+                <a:solidFill>
+                  <a:srgbClr val="333333"/>
+                </a:solidFill>
+              </a:defRPr>
+            </a:pPr>
+            <a:r>
+              <a:t>Need to change model behavior/style</a:t>
+            </a:r>
+          </a:p>
+          <a:p>
+            <a:pPr>
+              <a:spcAft>
+                <a:spcPts val="600"/>
+              </a:spcAft>
+              <a:defRPr sz="1800">
+                <a:solidFill>
+                  <a:srgbClr val="333333"/>
+                </a:solidFill>
+              </a:defRPr>
+            </a:pPr>
+            <a:r>
+              <a:t>  → Fine-tuning is better</a:t>
+            </a:r>
+          </a:p>
+          <a:p>
+            <a:pPr>
+              <a:spcAft>
+                <a:spcPts val="600"/>
+              </a:spcAft>
+              <a:defRPr sz="1800">
+                <a:solidFill>
+                  <a:srgbClr val="333333"/>
+                </a:solidFill>
+              </a:defRPr>
+            </a:pPr>
+            <a:r>
+              <a:t>Real-time data needs</a:t>
+            </a:r>
+          </a:p>
+          <a:p>
+            <a:pPr>
+              <a:spcAft>
+                <a:spcPts val="600"/>
+              </a:spcAft>
+              <a:defRPr sz="1800">
+                <a:solidFill>
+                  <a:srgbClr val="333333"/>
+                </a:solidFill>
+              </a:defRPr>
+            </a:pPr>
+            <a:r>
+              <a:t>  → Use tool calls to live APIs</a:t>
             </a:r>
           </a:p>
         </p:txBody>

--- a/developer/session-6/session-6-rag-data.pptx
+++ b/developer/session-6/session-6-rag-data.pptx
@@ -18,7 +18,6 @@
     <p:sldId id="266" r:id="rId18"/>
     <p:sldId id="267" r:id="rId19"/>
     <p:sldId id="268" r:id="rId20"/>
-    <p:sldId id="269" r:id="rId21"/>
   </p:sldIdLst>
   <p:sldSz cx="12191695" cy="6858000" type="screen4x3"/>
   <p:notesSz cx="6858000" cy="9144000"/>
@@ -515,7 +514,7 @@
           <a:lstStyle/>
           <a:p>
             <a:r>
-              <a:t>Welcome to Session 6. Embeddings, vector databases, retrieval-augmented generation</a:t>
+              <a:t>Today: embeddings, vector DBs, RAG pipelines, fine-tuning.</a:t>
             </a:r>
           </a:p>
         </p:txBody>
@@ -585,287 +584,7 @@
           <a:lstStyle/>
           <a:p>
             <a:r>
-              <a:t>Chunking is the most under-appreciated part of RAG. Bad chunking = bad retrieval = bad answers.</a:t>
-            </a:r>
-          </a:p>
-        </p:txBody>
-      </p:sp>
-      <p:sp>
-        <p:nvSpPr>
-          <p:cNvPr id="4" name="Slide Number Placeholder 3"/>
-          <p:cNvSpPr>
-            <a:spLocks noGrp="1"/>
-          </p:cNvSpPr>
-          <p:nvPr>
-            <p:ph type="sldNum" idx="5" sz="quarter"/>
-          </p:nvPr>
-        </p:nvSpPr>
-        <p:spPr/>
-      </p:sp>
-    </p:spTree>
-  </p:cSld>
-  <p:clrMapOvr>
-    <a:masterClrMapping/>
-  </p:clrMapOvr>
-</p:notes>
-</file>
-
-<file path=ppt/notesSlides/notesSlide11.xml><?xml version="1.0" encoding="utf-8"?>
-<p:notes xmlns:a="http://schemas.openxmlformats.org/drawingml/2006/main" xmlns:p="http://schemas.openxmlformats.org/presentationml/2006/main" xmlns:r="http://schemas.openxmlformats.org/officeDocument/2006/relationships">
-  <p:cSld>
-    <p:spTree>
-      <p:nvGrpSpPr>
-        <p:cNvPr id="1" name=""/>
-        <p:cNvGrpSpPr/>
-        <p:nvPr/>
-      </p:nvGrpSpPr>
-      <p:grpSpPr>
-        <a:xfrm>
-          <a:off x="0" y="0"/>
-          <a:ext cx="0" cy="0"/>
-          <a:chOff x="0" y="0"/>
-          <a:chExt cx="0" cy="0"/>
-        </a:xfrm>
-      </p:grpSpPr>
-      <p:sp>
-        <p:nvSpPr>
-          <p:cNvPr id="2" name="Slide Image Placeholder 1"/>
-          <p:cNvSpPr>
-            <a:spLocks noGrp="1"/>
-          </p:cNvSpPr>
-          <p:nvPr>
-            <p:ph type="sldImg" idx="2"/>
-          </p:nvPr>
-        </p:nvSpPr>
-        <p:spPr/>
-      </p:sp>
-      <p:sp>
-        <p:nvSpPr>
-          <p:cNvPr id="3" name="Notes Placeholder 2"/>
-          <p:cNvSpPr>
-            <a:spLocks noGrp="1"/>
-          </p:cNvSpPr>
-          <p:nvPr>
-            <p:ph type="body" idx="3" sz="quarter"/>
-          </p:nvPr>
-        </p:nvSpPr>
-        <p:spPr/>
-        <p:txBody>
-          <a:bodyPr/>
-          <a:lstStyle/>
-          <a:p>
-            <a:r>
-              <a:t>Context windows are getting huge. For many use cases, you might not need RAG at all — just stuff the context.</a:t>
-            </a:r>
-          </a:p>
-        </p:txBody>
-      </p:sp>
-      <p:sp>
-        <p:nvSpPr>
-          <p:cNvPr id="4" name="Slide Number Placeholder 3"/>
-          <p:cNvSpPr>
-            <a:spLocks noGrp="1"/>
-          </p:cNvSpPr>
-          <p:nvPr>
-            <p:ph type="sldNum" idx="5" sz="quarter"/>
-          </p:nvPr>
-        </p:nvSpPr>
-        <p:spPr/>
-      </p:sp>
-    </p:spTree>
-  </p:cSld>
-  <p:clrMapOvr>
-    <a:masterClrMapping/>
-  </p:clrMapOvr>
-</p:notes>
-</file>
-
-<file path=ppt/notesSlides/notesSlide12.xml><?xml version="1.0" encoding="utf-8"?>
-<p:notes xmlns:a="http://schemas.openxmlformats.org/drawingml/2006/main" xmlns:p="http://schemas.openxmlformats.org/presentationml/2006/main" xmlns:r="http://schemas.openxmlformats.org/officeDocument/2006/relationships">
-  <p:cSld>
-    <p:spTree>
-      <p:nvGrpSpPr>
-        <p:cNvPr id="1" name=""/>
-        <p:cNvGrpSpPr/>
-        <p:nvPr/>
-      </p:nvGrpSpPr>
-      <p:grpSpPr>
-        <a:xfrm>
-          <a:off x="0" y="0"/>
-          <a:ext cx="0" cy="0"/>
-          <a:chOff x="0" y="0"/>
-          <a:chExt cx="0" cy="0"/>
-        </a:xfrm>
-      </p:grpSpPr>
-      <p:sp>
-        <p:nvSpPr>
-          <p:cNvPr id="2" name="Slide Image Placeholder 1"/>
-          <p:cNvSpPr>
-            <a:spLocks noGrp="1"/>
-          </p:cNvSpPr>
-          <p:nvPr>
-            <p:ph type="sldImg" idx="2"/>
-          </p:nvPr>
-        </p:nvSpPr>
-        <p:spPr/>
-      </p:sp>
-      <p:sp>
-        <p:nvSpPr>
-          <p:cNvPr id="3" name="Notes Placeholder 2"/>
-          <p:cNvSpPr>
-            <a:spLocks noGrp="1"/>
-          </p:cNvSpPr>
-          <p:nvPr>
-            <p:ph type="body" idx="3" sz="quarter"/>
-          </p:nvPr>
-        </p:nvSpPr>
-        <p:spPr/>
-        <p:txBody>
-          <a:bodyPr/>
-          <a:lstStyle/>
-          <a:p>
-            <a:r>
-              <a:t>Fine-tuning is usually unnecessary. RAG + good prompting covers 90% of use cases.</a:t>
-            </a:r>
-          </a:p>
-        </p:txBody>
-      </p:sp>
-      <p:sp>
-        <p:nvSpPr>
-          <p:cNvPr id="4" name="Slide Number Placeholder 3"/>
-          <p:cNvSpPr>
-            <a:spLocks noGrp="1"/>
-          </p:cNvSpPr>
-          <p:nvPr>
-            <p:ph type="sldNum" idx="5" sz="quarter"/>
-          </p:nvPr>
-        </p:nvSpPr>
-        <p:spPr/>
-      </p:sp>
-    </p:spTree>
-  </p:cSld>
-  <p:clrMapOvr>
-    <a:masterClrMapping/>
-  </p:clrMapOvr>
-</p:notes>
-</file>
-
-<file path=ppt/notesSlides/notesSlide13.xml><?xml version="1.0" encoding="utf-8"?>
-<p:notes xmlns:a="http://schemas.openxmlformats.org/drawingml/2006/main" xmlns:p="http://schemas.openxmlformats.org/presentationml/2006/main" xmlns:r="http://schemas.openxmlformats.org/officeDocument/2006/relationships">
-  <p:cSld>
-    <p:spTree>
-      <p:nvGrpSpPr>
-        <p:cNvPr id="1" name=""/>
-        <p:cNvGrpSpPr/>
-        <p:nvPr/>
-      </p:nvGrpSpPr>
-      <p:grpSpPr>
-        <a:xfrm>
-          <a:off x="0" y="0"/>
-          <a:ext cx="0" cy="0"/>
-          <a:chOff x="0" y="0"/>
-          <a:chExt cx="0" cy="0"/>
-        </a:xfrm>
-      </p:grpSpPr>
-      <p:sp>
-        <p:nvSpPr>
-          <p:cNvPr id="2" name="Slide Image Placeholder 1"/>
-          <p:cNvSpPr>
-            <a:spLocks noGrp="1"/>
-          </p:cNvSpPr>
-          <p:nvPr>
-            <p:ph type="sldImg" idx="2"/>
-          </p:nvPr>
-        </p:nvSpPr>
-        <p:spPr/>
-      </p:sp>
-      <p:sp>
-        <p:nvSpPr>
-          <p:cNvPr id="3" name="Notes Placeholder 2"/>
-          <p:cNvSpPr>
-            <a:spLocks noGrp="1"/>
-          </p:cNvSpPr>
-          <p:nvPr>
-            <p:ph type="body" idx="3" sz="quarter"/>
-          </p:nvPr>
-        </p:nvSpPr>
-        <p:spPr/>
-        <p:txBody>
-          <a:bodyPr/>
-          <a:lstStyle/>
-          <a:p>
-            <a:r>
-              <a:t>Hands-on. Students run the RAG pipeline and experiment with their own documents.</a:t>
-            </a:r>
-          </a:p>
-        </p:txBody>
-      </p:sp>
-      <p:sp>
-        <p:nvSpPr>
-          <p:cNvPr id="4" name="Slide Number Placeholder 3"/>
-          <p:cNvSpPr>
-            <a:spLocks noGrp="1"/>
-          </p:cNvSpPr>
-          <p:nvPr>
-            <p:ph type="sldNum" idx="5" sz="quarter"/>
-          </p:nvPr>
-        </p:nvSpPr>
-        <p:spPr/>
-      </p:sp>
-    </p:spTree>
-  </p:cSld>
-  <p:clrMapOvr>
-    <a:masterClrMapping/>
-  </p:clrMapOvr>
-</p:notes>
-</file>
-
-<file path=ppt/notesSlides/notesSlide14.xml><?xml version="1.0" encoding="utf-8"?>
-<p:notes xmlns:a="http://schemas.openxmlformats.org/drawingml/2006/main" xmlns:p="http://schemas.openxmlformats.org/presentationml/2006/main" xmlns:r="http://schemas.openxmlformats.org/officeDocument/2006/relationships">
-  <p:cSld>
-    <p:spTree>
-      <p:nvGrpSpPr>
-        <p:cNvPr id="1" name=""/>
-        <p:cNvGrpSpPr/>
-        <p:nvPr/>
-      </p:nvGrpSpPr>
-      <p:grpSpPr>
-        <a:xfrm>
-          <a:off x="0" y="0"/>
-          <a:ext cx="0" cy="0"/>
-          <a:chOff x="0" y="0"/>
-          <a:chExt cx="0" cy="0"/>
-        </a:xfrm>
-      </p:grpSpPr>
-      <p:sp>
-        <p:nvSpPr>
-          <p:cNvPr id="2" name="Slide Image Placeholder 1"/>
-          <p:cNvSpPr>
-            <a:spLocks noGrp="1"/>
-          </p:cNvSpPr>
-          <p:nvPr>
-            <p:ph type="sldImg" idx="2"/>
-          </p:nvPr>
-        </p:nvSpPr>
-        <p:spPr/>
-      </p:sp>
-      <p:sp>
-        <p:nvSpPr>
-          <p:cNvPr id="3" name="Notes Placeholder 2"/>
-          <p:cNvSpPr>
-            <a:spLocks noGrp="1"/>
-          </p:cNvSpPr>
-          <p:nvPr>
-            <p:ph type="body" idx="3" sz="quarter"/>
-          </p:nvPr>
-        </p:nvSpPr>
-        <p:spPr/>
-        <p:txBody>
-          <a:bodyPr/>
-          <a:lstStyle/>
-          <a:p>
-            <a:r>
-              <a:t>Recap. RAG is essential but don't over-engineer — sometimes long context is enough.</a:t>
+              <a:t>~25 min. This is the most practical skill for enterprise work.</a:t>
             </a:r>
           </a:p>
         </p:txBody>
@@ -935,7 +654,7 @@
           <a:lstStyle/>
           <a:p>
             <a:r>
-              <a:t>RAG is the most important production pattern. Most real-world AI apps use some form of RAG.</a:t>
+              <a:t>RAG is the bread and butter of AI engineering.</a:t>
             </a:r>
           </a:p>
         </p:txBody>
@@ -1005,7 +724,7 @@
           <a:lstStyle/>
           <a:p>
             <a:r>
-              <a:t>Walk through each step. This is the core architecture. Draw it on the whiteboard.</a:t>
+              <a:t>Demo: embed two sentences, show cosine similarity.</a:t>
             </a:r>
           </a:p>
         </p:txBody>
@@ -1075,7 +794,7 @@
           <a:lstStyle/>
           <a:p>
             <a:r>
-              <a:t>Embeddings are the core of semantic search. Explain cosine similarity intuitively.</a:t>
+              <a:t>Start with ChromaDB for learning. Move to Pinecone/pgvector for production.</a:t>
             </a:r>
           </a:p>
         </p:txBody>
@@ -1145,7 +864,7 @@
           <a:lstStyle/>
           <a:p>
             <a:r>
-              <a:t>Simple embedding call. The key insight: semantically similar text produces similar vectors.</a:t>
+              <a:t>Step 1: chunk documents, embed, store in vector DB.</a:t>
             </a:r>
           </a:p>
         </p:txBody>
@@ -1215,7 +934,7 @@
           <a:lstStyle/>
           <a:p>
             <a:r>
-              <a:t>ChromaDB for learning and prototyping. Pinecone for production. pgvector if you already use Postgres.</a:t>
+              <a:t>Retrieve top-k chunks, inject into prompt, generate answer.</a:t>
             </a:r>
           </a:p>
         </p:txBody>
@@ -1285,7 +1004,7 @@
           <a:lstStyle/>
           <a:p>
             <a:r>
-              <a:t>ChromaDB is the easiest vector DB to start with. No server needed. Show the full pipeline.</a:t>
+              <a:t>These aren't mutually exclusive. Often combine RAG + fine-tuned model.</a:t>
             </a:r>
           </a:p>
         </p:txBody>
@@ -1355,7 +1074,7 @@
           <a:lstStyle/>
           <a:p>
             <a:r>
-              <a:t>The generation step. Key: system prompt tells the model to ONLY use provided context and cite sources.</a:t>
+              <a:t>Fine-tuning is the last resort, not the first tool.</a:t>
             </a:r>
           </a:p>
         </p:txBody>
@@ -1425,7 +1144,7 @@
           <a:lstStyle/>
           <a:p>
             <a:r>
-              <a:t>RAG isn't always the answer. If your data fits in the context window, just use long context. It's simpler and often better.</a:t>
+              <a:t>Big context windows are great but expensive. Be strategic.</a:t>
             </a:r>
           </a:p>
         </p:txBody>
@@ -4447,8 +4166,8 @@
         </p:nvSpPr>
         <p:spPr>
           <a:xfrm>
-            <a:off x="914400" y="1828800"/>
-            <a:ext cx="10362895" cy="1371600"/>
+            <a:off x="731520" y="1828800"/>
+            <a:ext cx="10698480" cy="1828800"/>
           </a:xfrm>
           <a:prstGeom prst="rect">
             <a:avLst/>
@@ -4469,7 +4188,7 @@
               </a:defRPr>
             </a:pPr>
             <a:r>
-              <a:t>RAG &amp; Data</a:t>
+              <a:t>Session 6: RAG &amp; Data</a:t>
             </a:r>
           </a:p>
         </p:txBody>
@@ -4482,8 +4201,8 @@
         </p:nvSpPr>
         <p:spPr>
           <a:xfrm>
-            <a:off x="914400" y="3291840"/>
-            <a:ext cx="10362895" cy="914400"/>
+            <a:off x="731520" y="3840480"/>
+            <a:ext cx="10698480" cy="914400"/>
           </a:xfrm>
           <a:prstGeom prst="rect">
             <a:avLst/>
@@ -4497,81 +4216,28 @@
           <a:lstStyle/>
           <a:p>
             <a:pPr algn="l">
-              <a:defRPr sz="2200">
+              <a:defRPr sz="2400">
                 <a:solidFill>
                   <a:srgbClr val="0096D6"/>
                 </a:solidFill>
               </a:defRPr>
             </a:pPr>
             <a:r>
-              <a:t>Embeddings, vector databases, retrieval-augmented generation</a:t>
-            </a:r>
-          </a:p>
-        </p:txBody>
-      </p:sp>
-      <p:sp>
-        <p:nvSpPr>
-          <p:cNvPr id="4" name="TextBox 3"/>
-          <p:cNvSpPr txBox="1"/>
+              <a:t>Cut the Crap — AI Engineer Edition</a:t>
+            </a:r>
+          </a:p>
+        </p:txBody>
+      </p:sp>
+      <p:sp>
+        <p:nvSpPr>
+          <p:cNvPr id="4" name="Rectangle 3"/>
+          <p:cNvSpPr/>
           <p:nvPr/>
         </p:nvSpPr>
         <p:spPr>
           <a:xfrm>
-            <a:off x="914400" y="4572000"/>
-            <a:ext cx="10362895" cy="548640"/>
-          </a:xfrm>
-          <a:prstGeom prst="rect">
-            <a:avLst/>
-          </a:prstGeom>
-          <a:noFill/>
-        </p:spPr>
-        <p:txBody>
-          <a:bodyPr wrap="none">
-            <a:spAutoFit/>
-          </a:bodyPr>
-          <a:lstStyle/>
-          <a:p>
-            <a:pPr algn="l">
-              <a:defRPr sz="1400">
-                <a:solidFill>
-                  <a:srgbClr val="8899BB"/>
-                </a:solidFill>
-              </a:defRPr>
-            </a:pPr>
-            <a:r>
-              <a:t>Session 6 of 8  •  Cut the Crap — AI Engineer Edition  •  February 2026</a:t>
-            </a:r>
-          </a:p>
-        </p:txBody>
-      </p:sp>
-    </p:spTree>
-  </p:cSld>
-  <p:clrMapOvr>
-    <a:masterClrMapping/>
-  </p:clrMapOvr>
-</p:sld>
-</file>
-
-<file path=ppt/slides/slide10.xml><?xml version="1.0" encoding="utf-8"?>
-<p:sld xmlns:a="http://schemas.openxmlformats.org/drawingml/2006/main" xmlns:p="http://schemas.openxmlformats.org/presentationml/2006/main" xmlns:r="http://schemas.openxmlformats.org/officeDocument/2006/relationships">
-  <p:cSld>
-    <p:spTree>
-      <p:nvGrpSpPr>
-        <p:cNvPr id="1" name=""/>
-        <p:cNvGrpSpPr/>
-        <p:nvPr/>
-      </p:nvGrpSpPr>
-      <p:grpSpPr/>
-      <p:sp>
-        <p:nvSpPr>
-          <p:cNvPr id="2" name="Rectangle 1"/>
-          <p:cNvSpPr/>
-          <p:nvPr/>
-        </p:nvSpPr>
-        <p:spPr>
-          <a:xfrm>
-            <a:off x="0" y="0"/>
-            <a:ext cx="12191695" cy="73152"/>
+            <a:off x="731520" y="3657600"/>
+            <a:ext cx="2743200" cy="50800"/>
           </a:xfrm>
           <a:prstGeom prst="rect">
             <a:avLst/>
@@ -4605,6 +4271,67 @@
           </a:p>
         </p:txBody>
       </p:sp>
+    </p:spTree>
+  </p:cSld>
+  <p:clrMapOvr>
+    <a:masterClrMapping/>
+  </p:clrMapOvr>
+</p:sld>
+</file>
+
+<file path=ppt/slides/slide10.xml><?xml version="1.0" encoding="utf-8"?>
+<p:sld xmlns:a="http://schemas.openxmlformats.org/drawingml/2006/main" xmlns:p="http://schemas.openxmlformats.org/presentationml/2006/main" xmlns:r="http://schemas.openxmlformats.org/officeDocument/2006/relationships">
+  <p:cSld>
+    <p:spTree>
+      <p:nvGrpSpPr>
+        <p:cNvPr id="1" name=""/>
+        <p:cNvGrpSpPr/>
+        <p:nvPr/>
+      </p:nvGrpSpPr>
+      <p:grpSpPr/>
+      <p:sp>
+        <p:nvSpPr>
+          <p:cNvPr id="2" name="Rectangle 1"/>
+          <p:cNvSpPr/>
+          <p:nvPr/>
+        </p:nvSpPr>
+        <p:spPr>
+          <a:xfrm>
+            <a:off x="0" y="0"/>
+            <a:ext cx="12191695" cy="1005840"/>
+          </a:xfrm>
+          <a:prstGeom prst="rect">
+            <a:avLst/>
+          </a:prstGeom>
+          <a:solidFill>
+            <a:srgbClr val="1B2A4A"/>
+          </a:solidFill>
+          <a:ln>
+            <a:noFill/>
+          </a:ln>
+        </p:spPr>
+        <p:style>
+          <a:lnRef idx="1">
+            <a:schemeClr val="accent1"/>
+          </a:lnRef>
+          <a:fillRef idx="3">
+            <a:schemeClr val="accent1"/>
+          </a:fillRef>
+          <a:effectRef idx="2">
+            <a:schemeClr val="accent1"/>
+          </a:effectRef>
+          <a:fontRef idx="minor">
+            <a:schemeClr val="lt1"/>
+          </a:fontRef>
+        </p:style>
+        <p:txBody>
+          <a:bodyPr rtlCol="0" anchor="ctr"/>
+          <a:lstStyle/>
+          <a:p>
+            <a:pPr algn="ctr"/>
+          </a:p>
+        </p:txBody>
+      </p:sp>
       <p:sp>
         <p:nvSpPr>
           <p:cNvPr id="3" name="TextBox 2"/>
@@ -4613,8 +4340,8 @@
         </p:nvSpPr>
         <p:spPr>
           <a:xfrm>
-            <a:off x="731520" y="274320"/>
-            <a:ext cx="10728655" cy="822960"/>
+            <a:off x="731520" y="137160"/>
+            <a:ext cx="10698480" cy="731520"/>
           </a:xfrm>
           <a:prstGeom prst="rect">
             <a:avLst/>
@@ -4627,15 +4354,15 @@
           </a:bodyPr>
           <a:lstStyle/>
           <a:p>
-            <a:pPr algn="l">
-              <a:defRPr sz="3200" b="1">
-                <a:solidFill>
-                  <a:srgbClr val="1B2A4A"/>
-                </a:solidFill>
-              </a:defRPr>
-            </a:pPr>
-            <a:r>
-              <a:t>Chunking Strategies</a:t>
+            <a:pPr>
+              <a:defRPr sz="2800" b="1">
+                <a:solidFill>
+                  <a:srgbClr val="FFFFFF"/>
+                </a:solidFill>
+              </a:defRPr>
+            </a:pPr>
+            <a:r>
+              <a:t>Fine-Tuning Overview</a:t>
             </a:r>
           </a:p>
         </p:txBody>
@@ -4648,8 +4375,8 @@
         </p:nvSpPr>
         <p:spPr>
           <a:xfrm>
-            <a:off x="914400" y="1280160"/>
-            <a:ext cx="10362895" cy="5029200"/>
+            <a:off x="731520" y="1280160"/>
+            <a:ext cx="10698480" cy="5029200"/>
           </a:xfrm>
           <a:prstGeom prst="rect">
             <a:avLst/>
@@ -4663,110 +4390,92 @@
           <a:lstStyle/>
           <a:p>
             <a:pPr>
-              <a:spcBef>
-                <a:spcPts val="400"/>
-              </a:spcBef>
               <a:spcAft>
-                <a:spcPts val="800"/>
+                <a:spcPts val="1000"/>
               </a:spcAft>
-              <a:defRPr sz="2000">
-                <a:solidFill>
-                  <a:srgbClr val="333333"/>
-                </a:solidFill>
-              </a:defRPr>
-            </a:pPr>
-            <a:r>
-              <a:t>Recursive text splitting: split on \n\n, then \n, then sentences</a:t>
-            </a:r>
-          </a:p>
-          <a:p>
-            <a:pPr>
-              <a:spcBef>
-                <a:spcPts val="400"/>
-              </a:spcBef>
+              <a:defRPr sz="2200">
+                <a:solidFill>
+                  <a:srgbClr val="222222"/>
+                </a:solidFill>
+              </a:defRPr>
+            </a:pPr>
+            <a:r>
+              <a:t>OpenAI: fine-tune GPT-4.1 with JSONL training data</a:t>
+            </a:r>
+          </a:p>
+          <a:p>
+            <a:pPr>
               <a:spcAft>
-                <a:spcPts val="800"/>
+                <a:spcPts val="1000"/>
               </a:spcAft>
-              <a:defRPr sz="2000">
-                <a:solidFill>
-                  <a:srgbClr val="333333"/>
-                </a:solidFill>
-              </a:defRPr>
-            </a:pPr>
-            <a:r>
-              <a:t>Chunk size: 300-500 tokens typical, with 50-100 token overlap</a:t>
-            </a:r>
-          </a:p>
-          <a:p>
-            <a:pPr>
-              <a:spcBef>
-                <a:spcPts val="400"/>
-              </a:spcBef>
+              <a:defRPr sz="2200">
+                <a:solidFill>
+                  <a:srgbClr val="222222"/>
+                </a:solidFill>
+              </a:defRPr>
+            </a:pPr>
+            <a:r>
+              <a:t>Format: {messages: [{role, content}, ...]} per example</a:t>
+            </a:r>
+          </a:p>
+          <a:p>
+            <a:pPr>
               <a:spcAft>
-                <a:spcPts val="800"/>
+                <a:spcPts val="1000"/>
               </a:spcAft>
-              <a:defRPr sz="2000">
-                <a:solidFill>
-                  <a:srgbClr val="333333"/>
-                </a:solidFill>
-              </a:defRPr>
-            </a:pPr>
-            <a:r>
-              <a:t>Semantic chunking: split at topic boundaries (more complex)</a:t>
-            </a:r>
-          </a:p>
-          <a:p>
-            <a:pPr>
-              <a:spcBef>
-                <a:spcPts val="400"/>
-              </a:spcBef>
+              <a:defRPr sz="2200">
+                <a:solidFill>
+                  <a:srgbClr val="222222"/>
+                </a:solidFill>
+              </a:defRPr>
+            </a:pPr>
+            <a:r>
+              <a:t>Need 50-100+ examples minimum for meaningful results</a:t>
+            </a:r>
+          </a:p>
+          <a:p>
+            <a:pPr>
               <a:spcAft>
-                <a:spcPts val="800"/>
+                <a:spcPts val="1000"/>
               </a:spcAft>
-              <a:defRPr sz="2000">
-                <a:solidFill>
-                  <a:srgbClr val="333333"/>
-                </a:solidFill>
-              </a:defRPr>
-            </a:pPr>
-            <a:r>
-              <a:t>Document-aware: respect headings, code blocks, tables</a:t>
-            </a:r>
-          </a:p>
-          <a:p>
-            <a:pPr>
-              <a:spcBef>
-                <a:spcPts val="400"/>
-              </a:spcBef>
+              <a:defRPr sz="2200">
+                <a:solidFill>
+                  <a:srgbClr val="222222"/>
+                </a:solidFill>
+              </a:defRPr>
+            </a:pPr>
+            <a:r>
+              <a:t>LoRA: efficient fine-tuning for open-source models</a:t>
+            </a:r>
+          </a:p>
+          <a:p>
+            <a:pPr>
               <a:spcAft>
-                <a:spcPts val="800"/>
+                <a:spcPts val="1000"/>
               </a:spcAft>
-              <a:defRPr sz="2000">
-                <a:solidFill>
-                  <a:srgbClr val="333333"/>
-                </a:solidFill>
-              </a:defRPr>
-            </a:pPr>
-            <a:r>
-              <a:t>Too small → loses context; too large → dilutes relevance</a:t>
-            </a:r>
-          </a:p>
-          <a:p>
-            <a:pPr>
-              <a:spcBef>
-                <a:spcPts val="400"/>
-              </a:spcBef>
+              <a:defRPr sz="2200">
+                <a:solidFill>
+                  <a:srgbClr val="222222"/>
+                </a:solidFill>
+              </a:defRPr>
+            </a:pPr>
+            <a:r>
+              <a:t>Costs: training + inference on fine-tuned model</a:t>
+            </a:r>
+          </a:p>
+          <a:p>
+            <a:pPr>
               <a:spcAft>
-                <a:spcPts val="800"/>
+                <a:spcPts val="1000"/>
               </a:spcAft>
-              <a:defRPr sz="2000">
-                <a:solidFill>
-                  <a:srgbClr val="333333"/>
-                </a:solidFill>
-              </a:defRPr>
-            </a:pPr>
-            <a:r>
-              <a:t>Experiment: chunk size has huge impact on retrieval quality</a:t>
+              <a:defRPr sz="2200">
+                <a:solidFill>
+                  <a:srgbClr val="222222"/>
+                </a:solidFill>
+              </a:defRPr>
+            </a:pPr>
+            <a:r>
+              <a:t>When to skip: most tasks work with good prompts + RAG</a:t>
             </a:r>
           </a:p>
         </p:txBody>
@@ -4798,7 +4507,541 @@
         <p:spPr>
           <a:xfrm>
             <a:off x="0" y="0"/>
-            <a:ext cx="12191695" cy="73152"/>
+            <a:ext cx="12191695" cy="1005840"/>
+          </a:xfrm>
+          <a:prstGeom prst="rect">
+            <a:avLst/>
+          </a:prstGeom>
+          <a:solidFill>
+            <a:srgbClr val="1B2A4A"/>
+          </a:solidFill>
+          <a:ln>
+            <a:noFill/>
+          </a:ln>
+        </p:spPr>
+        <p:style>
+          <a:lnRef idx="1">
+            <a:schemeClr val="accent1"/>
+          </a:lnRef>
+          <a:fillRef idx="3">
+            <a:schemeClr val="accent1"/>
+          </a:fillRef>
+          <a:effectRef idx="2">
+            <a:schemeClr val="accent1"/>
+          </a:effectRef>
+          <a:fontRef idx="minor">
+            <a:schemeClr val="lt1"/>
+          </a:fontRef>
+        </p:style>
+        <p:txBody>
+          <a:bodyPr rtlCol="0" anchor="ctr"/>
+          <a:lstStyle/>
+          <a:p>
+            <a:pPr algn="ctr"/>
+          </a:p>
+        </p:txBody>
+      </p:sp>
+      <p:sp>
+        <p:nvSpPr>
+          <p:cNvPr id="3" name="TextBox 2"/>
+          <p:cNvSpPr txBox="1"/>
+          <p:nvPr/>
+        </p:nvSpPr>
+        <p:spPr>
+          <a:xfrm>
+            <a:off x="731520" y="137160"/>
+            <a:ext cx="10698480" cy="731520"/>
+          </a:xfrm>
+          <a:prstGeom prst="rect">
+            <a:avLst/>
+          </a:prstGeom>
+          <a:noFill/>
+        </p:spPr>
+        <p:txBody>
+          <a:bodyPr wrap="square">
+            <a:spAutoFit/>
+          </a:bodyPr>
+          <a:lstStyle/>
+          <a:p>
+            <a:pPr>
+              <a:defRPr sz="2800" b="1">
+                <a:solidFill>
+                  <a:srgbClr val="FFFFFF"/>
+                </a:solidFill>
+              </a:defRPr>
+            </a:pPr>
+            <a:r>
+              <a:t>Context Window Management</a:t>
+            </a:r>
+          </a:p>
+        </p:txBody>
+      </p:sp>
+      <p:sp>
+        <p:nvSpPr>
+          <p:cNvPr id="4" name="TextBox 3"/>
+          <p:cNvSpPr txBox="1"/>
+          <p:nvPr/>
+        </p:nvSpPr>
+        <p:spPr>
+          <a:xfrm>
+            <a:off x="731520" y="1280160"/>
+            <a:ext cx="10698480" cy="5029200"/>
+          </a:xfrm>
+          <a:prstGeom prst="rect">
+            <a:avLst/>
+          </a:prstGeom>
+          <a:noFill/>
+        </p:spPr>
+        <p:txBody>
+          <a:bodyPr wrap="square">
+            <a:spAutoFit/>
+          </a:bodyPr>
+          <a:lstStyle/>
+          <a:p>
+            <a:pPr>
+              <a:spcAft>
+                <a:spcPts val="1000"/>
+              </a:spcAft>
+              <a:defRPr sz="2200">
+                <a:solidFill>
+                  <a:srgbClr val="222222"/>
+                </a:solidFill>
+              </a:defRPr>
+            </a:pPr>
+            <a:r>
+              <a:t>GPT-4.1: 1M tokens (huge!), GPT-5.2: 200K tokens</a:t>
+            </a:r>
+          </a:p>
+          <a:p>
+            <a:pPr>
+              <a:spcAft>
+                <a:spcPts val="1000"/>
+              </a:spcAft>
+              <a:defRPr sz="2200">
+                <a:solidFill>
+                  <a:srgbClr val="222222"/>
+                </a:solidFill>
+              </a:defRPr>
+            </a:pPr>
+            <a:r>
+              <a:t>Opus 4.6 / Sonnet 4.6: 200K tokens</a:t>
+            </a:r>
+          </a:p>
+          <a:p>
+            <a:pPr>
+              <a:spcAft>
+                <a:spcPts val="1000"/>
+              </a:spcAft>
+              <a:defRPr sz="2200">
+                <a:solidFill>
+                  <a:srgbClr val="222222"/>
+                </a:solidFill>
+              </a:defRPr>
+            </a:pPr>
+            <a:r>
+              <a:t>Gemini 2.5 Pro: 1M tokens</a:t>
+            </a:r>
+          </a:p>
+          <a:p>
+            <a:pPr>
+              <a:spcAft>
+                <a:spcPts val="1000"/>
+              </a:spcAft>
+              <a:defRPr sz="2200">
+                <a:solidFill>
+                  <a:srgbClr val="222222"/>
+                </a:solidFill>
+              </a:defRPr>
+            </a:pPr>
+            <a:r>
+              <a:t>Strategy: summarize old messages, keep recent full</a:t>
+            </a:r>
+          </a:p>
+          <a:p>
+            <a:pPr>
+              <a:spcAft>
+                <a:spcPts val="1000"/>
+              </a:spcAft>
+              <a:defRPr sz="2200">
+                <a:solidFill>
+                  <a:srgbClr val="222222"/>
+                </a:solidFill>
+              </a:defRPr>
+            </a:pPr>
+            <a:r>
+              <a:t>Sliding window: drop oldest messages when near limit</a:t>
+            </a:r>
+          </a:p>
+          <a:p>
+            <a:pPr>
+              <a:spcAft>
+                <a:spcPts val="1000"/>
+              </a:spcAft>
+              <a:defRPr sz="2200">
+                <a:solidFill>
+                  <a:srgbClr val="222222"/>
+                </a:solidFill>
+              </a:defRPr>
+            </a:pPr>
+            <a:r>
+              <a:t>Hybrid: RAG for knowledge + full context for conversation</a:t>
+            </a:r>
+          </a:p>
+        </p:txBody>
+      </p:sp>
+    </p:spTree>
+  </p:cSld>
+  <p:clrMapOvr>
+    <a:masterClrMapping/>
+  </p:clrMapOvr>
+</p:sld>
+</file>
+
+<file path=ppt/slides/slide12.xml><?xml version="1.0" encoding="utf-8"?>
+<p:sld xmlns:a="http://schemas.openxmlformats.org/drawingml/2006/main" xmlns:p="http://schemas.openxmlformats.org/presentationml/2006/main" xmlns:r="http://schemas.openxmlformats.org/officeDocument/2006/relationships">
+  <p:cSld>
+    <p:spTree>
+      <p:nvGrpSpPr>
+        <p:cNvPr id="1" name=""/>
+        <p:cNvGrpSpPr/>
+        <p:nvPr/>
+      </p:nvGrpSpPr>
+      <p:grpSpPr/>
+      <p:sp>
+        <p:nvSpPr>
+          <p:cNvPr id="2" name="Rectangle 1"/>
+          <p:cNvSpPr/>
+          <p:nvPr/>
+        </p:nvSpPr>
+        <p:spPr>
+          <a:xfrm>
+            <a:off x="0" y="0"/>
+            <a:ext cx="12191695" cy="1005840"/>
+          </a:xfrm>
+          <a:prstGeom prst="rect">
+            <a:avLst/>
+          </a:prstGeom>
+          <a:solidFill>
+            <a:srgbClr val="1B2A4A"/>
+          </a:solidFill>
+          <a:ln>
+            <a:noFill/>
+          </a:ln>
+        </p:spPr>
+        <p:style>
+          <a:lnRef idx="1">
+            <a:schemeClr val="accent1"/>
+          </a:lnRef>
+          <a:fillRef idx="3">
+            <a:schemeClr val="accent1"/>
+          </a:fillRef>
+          <a:effectRef idx="2">
+            <a:schemeClr val="accent1"/>
+          </a:effectRef>
+          <a:fontRef idx="minor">
+            <a:schemeClr val="lt1"/>
+          </a:fontRef>
+        </p:style>
+        <p:txBody>
+          <a:bodyPr rtlCol="0" anchor="ctr"/>
+          <a:lstStyle/>
+          <a:p>
+            <a:pPr algn="ctr"/>
+          </a:p>
+        </p:txBody>
+      </p:sp>
+      <p:sp>
+        <p:nvSpPr>
+          <p:cNvPr id="3" name="TextBox 2"/>
+          <p:cNvSpPr txBox="1"/>
+          <p:nvPr/>
+        </p:nvSpPr>
+        <p:spPr>
+          <a:xfrm>
+            <a:off x="731520" y="137160"/>
+            <a:ext cx="10698480" cy="731520"/>
+          </a:xfrm>
+          <a:prstGeom prst="rect">
+            <a:avLst/>
+          </a:prstGeom>
+          <a:noFill/>
+        </p:spPr>
+        <p:txBody>
+          <a:bodyPr wrap="square">
+            <a:spAutoFit/>
+          </a:bodyPr>
+          <a:lstStyle/>
+          <a:p>
+            <a:pPr>
+              <a:defRPr sz="2800" b="1">
+                <a:solidFill>
+                  <a:srgbClr val="FFFFFF"/>
+                </a:solidFill>
+              </a:defRPr>
+            </a:pPr>
+            <a:r>
+              <a:t>Hands-On: Build a RAG Pipeline</a:t>
+            </a:r>
+          </a:p>
+        </p:txBody>
+      </p:sp>
+      <p:sp>
+        <p:nvSpPr>
+          <p:cNvPr id="4" name="TextBox 3"/>
+          <p:cNvSpPr txBox="1"/>
+          <p:nvPr/>
+        </p:nvSpPr>
+        <p:spPr>
+          <a:xfrm>
+            <a:off x="731520" y="1280160"/>
+            <a:ext cx="10698480" cy="5029200"/>
+          </a:xfrm>
+          <a:prstGeom prst="rect">
+            <a:avLst/>
+          </a:prstGeom>
+          <a:noFill/>
+        </p:spPr>
+        <p:txBody>
+          <a:bodyPr wrap="square">
+            <a:spAutoFit/>
+          </a:bodyPr>
+          <a:lstStyle/>
+          <a:p>
+            <a:pPr>
+              <a:spcAft>
+                <a:spcPts val="1000"/>
+              </a:spcAft>
+              <a:defRPr sz="2200">
+                <a:solidFill>
+                  <a:srgbClr val="222222"/>
+                </a:solidFill>
+              </a:defRPr>
+            </a:pPr>
+            <a:r>
+              <a:t>Goal: RAG system over a set of markdown files</a:t>
+            </a:r>
+          </a:p>
+          <a:p>
+            <a:pPr>
+              <a:spcAft>
+                <a:spcPts val="1000"/>
+              </a:spcAft>
+              <a:defRPr sz="2200">
+                <a:solidFill>
+                  <a:srgbClr val="222222"/>
+                </a:solidFill>
+              </a:defRPr>
+            </a:pPr>
+            <a:r>
+              <a:t>Use ChromaDB + text-embedding-3-small</a:t>
+            </a:r>
+          </a:p>
+          <a:p>
+            <a:pPr>
+              <a:spcAft>
+                <a:spcPts val="1000"/>
+              </a:spcAft>
+              <a:defRPr sz="2200">
+                <a:solidFill>
+                  <a:srgbClr val="222222"/>
+                </a:solidFill>
+              </a:defRPr>
+            </a:pPr>
+            <a:r>
+              <a:t>Implement: chunking → embedding → storage → retrieval → generation</a:t>
+            </a:r>
+          </a:p>
+          <a:p>
+            <a:pPr>
+              <a:spcAft>
+                <a:spcPts val="1000"/>
+              </a:spcAft>
+              <a:defRPr sz="2200">
+                <a:solidFill>
+                  <a:srgbClr val="222222"/>
+                </a:solidFill>
+              </a:defRPr>
+            </a:pPr>
+            <a:r>
+              <a:t>Add source citations in the response</a:t>
+            </a:r>
+          </a:p>
+          <a:p>
+            <a:pPr>
+              <a:spcAft>
+                <a:spcPts val="1000"/>
+              </a:spcAft>
+              <a:defRPr sz="2200">
+                <a:solidFill>
+                  <a:srgbClr val="222222"/>
+                </a:solidFill>
+              </a:defRPr>
+            </a:pPr>
+            <a:r>
+              <a:t>Test with real questions about your documents</a:t>
+            </a:r>
+          </a:p>
+          <a:p>
+            <a:pPr>
+              <a:spcAft>
+                <a:spcPts val="1000"/>
+              </a:spcAft>
+              <a:defRPr sz="2200">
+                <a:solidFill>
+                  <a:srgbClr val="222222"/>
+                </a:solidFill>
+              </a:defRPr>
+            </a:pPr>
+            <a:r>
+              <a:t>File: rag_pipeline.py</a:t>
+            </a:r>
+          </a:p>
+        </p:txBody>
+      </p:sp>
+    </p:spTree>
+  </p:cSld>
+  <p:clrMapOvr>
+    <a:masterClrMapping/>
+  </p:clrMapOvr>
+</p:sld>
+</file>
+
+<file path=ppt/slides/slide13.xml><?xml version="1.0" encoding="utf-8"?>
+<p:sld xmlns:a="http://schemas.openxmlformats.org/drawingml/2006/main" xmlns:p="http://schemas.openxmlformats.org/presentationml/2006/main" xmlns:r="http://schemas.openxmlformats.org/officeDocument/2006/relationships">
+  <p:cSld>
+    <p:bg>
+      <p:bgPr>
+        <a:solidFill>
+          <a:srgbClr val="1B2A4A"/>
+        </a:solidFill>
+        <a:effectLst/>
+      </p:bgPr>
+    </p:bg>
+    <p:spTree>
+      <p:nvGrpSpPr>
+        <p:cNvPr id="1" name=""/>
+        <p:cNvGrpSpPr/>
+        <p:nvPr/>
+      </p:nvGrpSpPr>
+      <p:grpSpPr/>
+      <p:sp>
+        <p:nvSpPr>
+          <p:cNvPr id="2" name="TextBox 1"/>
+          <p:cNvSpPr txBox="1"/>
+          <p:nvPr/>
+        </p:nvSpPr>
+        <p:spPr>
+          <a:xfrm>
+            <a:off x="731520" y="2286000"/>
+            <a:ext cx="10698480" cy="1828800"/>
+          </a:xfrm>
+          <a:prstGeom prst="rect">
+            <a:avLst/>
+          </a:prstGeom>
+          <a:noFill/>
+        </p:spPr>
+        <p:txBody>
+          <a:bodyPr wrap="square">
+            <a:spAutoFit/>
+          </a:bodyPr>
+          <a:lstStyle/>
+          <a:p>
+            <a:pPr algn="ctr">
+              <a:defRPr sz="4400" b="1">
+                <a:solidFill>
+                  <a:srgbClr val="FFFFFF"/>
+                </a:solidFill>
+              </a:defRPr>
+            </a:pPr>
+            <a:r>
+              <a:t>Session 6 Complete</a:t>
+            </a:r>
+          </a:p>
+          <a:p>
+            <a:pPr algn="ctr">
+              <a:defRPr sz="2200">
+                <a:solidFill>
+                  <a:srgbClr val="0096D6"/>
+                </a:solidFill>
+              </a:defRPr>
+            </a:pPr>
+            <a:r>
+              <a:t>Next: Observability, Evals &amp; Security</a:t>
+            </a:r>
+          </a:p>
+        </p:txBody>
+      </p:sp>
+    </p:spTree>
+  </p:cSld>
+  <p:clrMapOvr>
+    <a:masterClrMapping/>
+  </p:clrMapOvr>
+</p:sld>
+</file>
+
+<file path=ppt/slides/slide2.xml><?xml version="1.0" encoding="utf-8"?>
+<p:sld xmlns:a="http://schemas.openxmlformats.org/drawingml/2006/main" xmlns:p="http://schemas.openxmlformats.org/presentationml/2006/main" xmlns:r="http://schemas.openxmlformats.org/officeDocument/2006/relationships">
+  <p:cSld>
+    <p:bg>
+      <p:bgPr>
+        <a:solidFill>
+          <a:srgbClr val="1B2A4A"/>
+        </a:solidFill>
+        <a:effectLst/>
+      </p:bgPr>
+    </p:bg>
+    <p:spTree>
+      <p:nvGrpSpPr>
+        <p:cNvPr id="1" name=""/>
+        <p:cNvGrpSpPr/>
+        <p:nvPr/>
+      </p:nvGrpSpPr>
+      <p:grpSpPr/>
+      <p:sp>
+        <p:nvSpPr>
+          <p:cNvPr id="2" name="TextBox 1"/>
+          <p:cNvSpPr txBox="1"/>
+          <p:nvPr/>
+        </p:nvSpPr>
+        <p:spPr>
+          <a:xfrm>
+            <a:off x="731520" y="2560320"/>
+            <a:ext cx="10698480" cy="1371600"/>
+          </a:xfrm>
+          <a:prstGeom prst="rect">
+            <a:avLst/>
+          </a:prstGeom>
+          <a:noFill/>
+        </p:spPr>
+        <p:txBody>
+          <a:bodyPr wrap="square">
+            <a:spAutoFit/>
+          </a:bodyPr>
+          <a:lstStyle/>
+          <a:p>
+            <a:pPr algn="l">
+              <a:defRPr sz="3600" b="1">
+                <a:solidFill>
+                  <a:srgbClr val="FFFFFF"/>
+                </a:solidFill>
+              </a:defRPr>
+            </a:pPr>
+            <a:r>
+              <a:t>RAG: Retrieval-Augmented Generation</a:t>
+            </a:r>
+          </a:p>
+        </p:txBody>
+      </p:sp>
+      <p:sp>
+        <p:nvSpPr>
+          <p:cNvPr id="3" name="Rectangle 2"/>
+          <p:cNvSpPr/>
+          <p:nvPr/>
+        </p:nvSpPr>
+        <p:spPr>
+          <a:xfrm>
+            <a:off x="731520" y="3931920"/>
+            <a:ext cx="1828800" cy="38100"/>
           </a:xfrm>
           <a:prstGeom prst="rect">
             <a:avLst/>
@@ -4832,172 +5075,6 @@
           </a:p>
         </p:txBody>
       </p:sp>
-      <p:sp>
-        <p:nvSpPr>
-          <p:cNvPr id="3" name="TextBox 2"/>
-          <p:cNvSpPr txBox="1"/>
-          <p:nvPr/>
-        </p:nvSpPr>
-        <p:spPr>
-          <a:xfrm>
-            <a:off x="731520" y="274320"/>
-            <a:ext cx="10728655" cy="822960"/>
-          </a:xfrm>
-          <a:prstGeom prst="rect">
-            <a:avLst/>
-          </a:prstGeom>
-          <a:noFill/>
-        </p:spPr>
-        <p:txBody>
-          <a:bodyPr wrap="square">
-            <a:spAutoFit/>
-          </a:bodyPr>
-          <a:lstStyle/>
-          <a:p>
-            <a:pPr algn="l">
-              <a:defRPr sz="3200" b="1">
-                <a:solidFill>
-                  <a:srgbClr val="1B2A4A"/>
-                </a:solidFill>
-              </a:defRPr>
-            </a:pPr>
-            <a:r>
-              <a:t>Context Window Management</a:t>
-            </a:r>
-          </a:p>
-        </p:txBody>
-      </p:sp>
-      <p:sp>
-        <p:nvSpPr>
-          <p:cNvPr id="4" name="TextBox 3"/>
-          <p:cNvSpPr txBox="1"/>
-          <p:nvPr/>
-        </p:nvSpPr>
-        <p:spPr>
-          <a:xfrm>
-            <a:off x="914400" y="1280160"/>
-            <a:ext cx="10362895" cy="5029200"/>
-          </a:xfrm>
-          <a:prstGeom prst="rect">
-            <a:avLst/>
-          </a:prstGeom>
-          <a:noFill/>
-        </p:spPr>
-        <p:txBody>
-          <a:bodyPr wrap="square">
-            <a:spAutoFit/>
-          </a:bodyPr>
-          <a:lstStyle/>
-          <a:p>
-            <a:pPr>
-              <a:spcBef>
-                <a:spcPts val="400"/>
-              </a:spcBef>
-              <a:spcAft>
-                <a:spcPts val="800"/>
-              </a:spcAft>
-              <a:defRPr sz="2000">
-                <a:solidFill>
-                  <a:srgbClr val="333333"/>
-                </a:solidFill>
-              </a:defRPr>
-            </a:pPr>
-            <a:r>
-              <a:t>GPT-4.1: 1M token context, 32K output</a:t>
-            </a:r>
-          </a:p>
-          <a:p>
-            <a:pPr>
-              <a:spcBef>
-                <a:spcPts val="400"/>
-              </a:spcBef>
-              <a:spcAft>
-                <a:spcPts val="800"/>
-              </a:spcAft>
-              <a:defRPr sz="2000">
-                <a:solidFill>
-                  <a:srgbClr val="333333"/>
-                </a:solidFill>
-              </a:defRPr>
-            </a:pPr>
-            <a:r>
-              <a:t>Sonnet 4.6: 200K context, 8K output (common default)</a:t>
-            </a:r>
-          </a:p>
-          <a:p>
-            <a:pPr>
-              <a:spcBef>
-                <a:spcPts val="400"/>
-              </a:spcBef>
-              <a:spcAft>
-                <a:spcPts val="800"/>
-              </a:spcAft>
-              <a:defRPr sz="2000">
-                <a:solidFill>
-                  <a:srgbClr val="333333"/>
-                </a:solidFill>
-              </a:defRPr>
-            </a:pPr>
-            <a:r>
-              <a:t>Gemini 2.5 Pro: 1M+ context</a:t>
-            </a:r>
-          </a:p>
-          <a:p>
-            <a:pPr>
-              <a:spcBef>
-                <a:spcPts val="400"/>
-              </a:spcBef>
-              <a:spcAft>
-                <a:spcPts val="800"/>
-              </a:spcAft>
-              <a:defRPr sz="2000">
-                <a:solidFill>
-                  <a:srgbClr val="333333"/>
-                </a:solidFill>
-              </a:defRPr>
-            </a:pPr>
-            <a:r>
-              <a:t>Strategy: use large context for small corpora, RAG for large</a:t>
-            </a:r>
-          </a:p>
-          <a:p>
-            <a:pPr>
-              <a:spcBef>
-                <a:spcPts val="400"/>
-              </a:spcBef>
-              <a:spcAft>
-                <a:spcPts val="800"/>
-              </a:spcAft>
-              <a:defRPr sz="2000">
-                <a:solidFill>
-                  <a:srgbClr val="333333"/>
-                </a:solidFill>
-              </a:defRPr>
-            </a:pPr>
-            <a:r>
-              <a:t>Sliding window: keep recent + summarize old messages</a:t>
-            </a:r>
-          </a:p>
-          <a:p>
-            <a:pPr>
-              <a:spcBef>
-                <a:spcPts val="400"/>
-              </a:spcBef>
-              <a:spcAft>
-                <a:spcPts val="800"/>
-              </a:spcAft>
-              <a:defRPr sz="2000">
-                <a:solidFill>
-                  <a:srgbClr val="333333"/>
-                </a:solidFill>
-              </a:defRPr>
-            </a:pPr>
-            <a:r>
-              <a:t>Token counting: tiktoken (OpenAI), anthropic token counting</a:t>
-            </a:r>
-          </a:p>
-        </p:txBody>
-      </p:sp>
     </p:spTree>
   </p:cSld>
   <p:clrMapOvr>
@@ -5006,7 +5083,7 @@
 </p:sld>
 </file>
 
-<file path=ppt/slides/slide12.xml><?xml version="1.0" encoding="utf-8"?>
+<file path=ppt/slides/slide3.xml><?xml version="1.0" encoding="utf-8"?>
 <p:sld xmlns:a="http://schemas.openxmlformats.org/drawingml/2006/main" xmlns:p="http://schemas.openxmlformats.org/presentationml/2006/main" xmlns:r="http://schemas.openxmlformats.org/officeDocument/2006/relationships">
   <p:cSld>
     <p:spTree>
@@ -5025,7 +5102,1842 @@
         <p:spPr>
           <a:xfrm>
             <a:off x="0" y="0"/>
-            <a:ext cx="12191695" cy="73152"/>
+            <a:ext cx="12191695" cy="1005840"/>
+          </a:xfrm>
+          <a:prstGeom prst="rect">
+            <a:avLst/>
+          </a:prstGeom>
+          <a:solidFill>
+            <a:srgbClr val="1B2A4A"/>
+          </a:solidFill>
+          <a:ln>
+            <a:noFill/>
+          </a:ln>
+        </p:spPr>
+        <p:style>
+          <a:lnRef idx="1">
+            <a:schemeClr val="accent1"/>
+          </a:lnRef>
+          <a:fillRef idx="3">
+            <a:schemeClr val="accent1"/>
+          </a:fillRef>
+          <a:effectRef idx="2">
+            <a:schemeClr val="accent1"/>
+          </a:effectRef>
+          <a:fontRef idx="minor">
+            <a:schemeClr val="lt1"/>
+          </a:fontRef>
+        </p:style>
+        <p:txBody>
+          <a:bodyPr rtlCol="0" anchor="ctr"/>
+          <a:lstStyle/>
+          <a:p>
+            <a:pPr algn="ctr"/>
+          </a:p>
+        </p:txBody>
+      </p:sp>
+      <p:sp>
+        <p:nvSpPr>
+          <p:cNvPr id="3" name="TextBox 2"/>
+          <p:cNvSpPr txBox="1"/>
+          <p:nvPr/>
+        </p:nvSpPr>
+        <p:spPr>
+          <a:xfrm>
+            <a:off x="731520" y="137160"/>
+            <a:ext cx="10698480" cy="731520"/>
+          </a:xfrm>
+          <a:prstGeom prst="rect">
+            <a:avLst/>
+          </a:prstGeom>
+          <a:noFill/>
+        </p:spPr>
+        <p:txBody>
+          <a:bodyPr wrap="square">
+            <a:spAutoFit/>
+          </a:bodyPr>
+          <a:lstStyle/>
+          <a:p>
+            <a:pPr>
+              <a:defRPr sz="2800" b="1">
+                <a:solidFill>
+                  <a:srgbClr val="FFFFFF"/>
+                </a:solidFill>
+              </a:defRPr>
+            </a:pPr>
+            <a:r>
+              <a:t>What Is RAG?</a:t>
+            </a:r>
+          </a:p>
+        </p:txBody>
+      </p:sp>
+      <p:sp>
+        <p:nvSpPr>
+          <p:cNvPr id="4" name="TextBox 3"/>
+          <p:cNvSpPr txBox="1"/>
+          <p:nvPr/>
+        </p:nvSpPr>
+        <p:spPr>
+          <a:xfrm>
+            <a:off x="731520" y="1280160"/>
+            <a:ext cx="10698480" cy="5029200"/>
+          </a:xfrm>
+          <a:prstGeom prst="rect">
+            <a:avLst/>
+          </a:prstGeom>
+          <a:noFill/>
+        </p:spPr>
+        <p:txBody>
+          <a:bodyPr wrap="square">
+            <a:spAutoFit/>
+          </a:bodyPr>
+          <a:lstStyle/>
+          <a:p>
+            <a:pPr>
+              <a:spcAft>
+                <a:spcPts val="1000"/>
+              </a:spcAft>
+              <a:defRPr sz="2200">
+                <a:solidFill>
+                  <a:srgbClr val="222222"/>
+                </a:solidFill>
+              </a:defRPr>
+            </a:pPr>
+            <a:r>
+              <a:t>LLMs know what they were trained on — nothing more</a:t>
+            </a:r>
+          </a:p>
+          <a:p>
+            <a:pPr>
+              <a:spcAft>
+                <a:spcPts val="1000"/>
+              </a:spcAft>
+              <a:defRPr sz="2200">
+                <a:solidFill>
+                  <a:srgbClr val="222222"/>
+                </a:solidFill>
+              </a:defRPr>
+            </a:pPr>
+            <a:r>
+              <a:t>RAG: give the model YOUR data at query time</a:t>
+            </a:r>
+          </a:p>
+          <a:p>
+            <a:pPr>
+              <a:spcAft>
+                <a:spcPts val="1000"/>
+              </a:spcAft>
+              <a:defRPr sz="2200">
+                <a:solidFill>
+                  <a:srgbClr val="222222"/>
+                </a:solidFill>
+              </a:defRPr>
+            </a:pPr>
+            <a:r>
+              <a:t>Flow: embed docs → store in vector DB → retrieve → generate</a:t>
+            </a:r>
+          </a:p>
+          <a:p>
+            <a:pPr>
+              <a:spcAft>
+                <a:spcPts val="1000"/>
+              </a:spcAft>
+              <a:defRPr sz="2200">
+                <a:solidFill>
+                  <a:srgbClr val="222222"/>
+                </a:solidFill>
+              </a:defRPr>
+            </a:pPr>
+            <a:r>
+              <a:t>Like giving the model an open-book exam</a:t>
+            </a:r>
+          </a:p>
+          <a:p>
+            <a:pPr>
+              <a:spcAft>
+                <a:spcPts val="1000"/>
+              </a:spcAft>
+              <a:defRPr sz="2200">
+                <a:solidFill>
+                  <a:srgbClr val="222222"/>
+                </a:solidFill>
+              </a:defRPr>
+            </a:pPr>
+            <a:r>
+              <a:t>Alternative to fine-tuning: cheaper, more flexible</a:t>
+            </a:r>
+          </a:p>
+          <a:p>
+            <a:pPr>
+              <a:spcAft>
+                <a:spcPts val="1000"/>
+              </a:spcAft>
+              <a:defRPr sz="2200">
+                <a:solidFill>
+                  <a:srgbClr val="222222"/>
+                </a:solidFill>
+              </a:defRPr>
+            </a:pPr>
+            <a:r>
+              <a:t>The #1 pattern for enterprise AI applications</a:t>
+            </a:r>
+          </a:p>
+        </p:txBody>
+      </p:sp>
+    </p:spTree>
+  </p:cSld>
+  <p:clrMapOvr>
+    <a:masterClrMapping/>
+  </p:clrMapOvr>
+</p:sld>
+</file>
+
+<file path=ppt/slides/slide4.xml><?xml version="1.0" encoding="utf-8"?>
+<p:sld xmlns:a="http://schemas.openxmlformats.org/drawingml/2006/main" xmlns:p="http://schemas.openxmlformats.org/presentationml/2006/main" xmlns:r="http://schemas.openxmlformats.org/officeDocument/2006/relationships">
+  <p:cSld>
+    <p:spTree>
+      <p:nvGrpSpPr>
+        <p:cNvPr id="1" name=""/>
+        <p:cNvGrpSpPr/>
+        <p:nvPr/>
+      </p:nvGrpSpPr>
+      <p:grpSpPr/>
+      <p:sp>
+        <p:nvSpPr>
+          <p:cNvPr id="2" name="Rectangle 1"/>
+          <p:cNvSpPr/>
+          <p:nvPr/>
+        </p:nvSpPr>
+        <p:spPr>
+          <a:xfrm>
+            <a:off x="0" y="0"/>
+            <a:ext cx="12191695" cy="1005840"/>
+          </a:xfrm>
+          <a:prstGeom prst="rect">
+            <a:avLst/>
+          </a:prstGeom>
+          <a:solidFill>
+            <a:srgbClr val="1B2A4A"/>
+          </a:solidFill>
+          <a:ln>
+            <a:noFill/>
+          </a:ln>
+        </p:spPr>
+        <p:style>
+          <a:lnRef idx="1">
+            <a:schemeClr val="accent1"/>
+          </a:lnRef>
+          <a:fillRef idx="3">
+            <a:schemeClr val="accent1"/>
+          </a:fillRef>
+          <a:effectRef idx="2">
+            <a:schemeClr val="accent1"/>
+          </a:effectRef>
+          <a:fontRef idx="minor">
+            <a:schemeClr val="lt1"/>
+          </a:fontRef>
+        </p:style>
+        <p:txBody>
+          <a:bodyPr rtlCol="0" anchor="ctr"/>
+          <a:lstStyle/>
+          <a:p>
+            <a:pPr algn="ctr"/>
+          </a:p>
+        </p:txBody>
+      </p:sp>
+      <p:sp>
+        <p:nvSpPr>
+          <p:cNvPr id="3" name="TextBox 2"/>
+          <p:cNvSpPr txBox="1"/>
+          <p:nvPr/>
+        </p:nvSpPr>
+        <p:spPr>
+          <a:xfrm>
+            <a:off x="731520" y="137160"/>
+            <a:ext cx="10698480" cy="731520"/>
+          </a:xfrm>
+          <a:prstGeom prst="rect">
+            <a:avLst/>
+          </a:prstGeom>
+          <a:noFill/>
+        </p:spPr>
+        <p:txBody>
+          <a:bodyPr wrap="square">
+            <a:spAutoFit/>
+          </a:bodyPr>
+          <a:lstStyle/>
+          <a:p>
+            <a:pPr>
+              <a:defRPr sz="2800" b="1">
+                <a:solidFill>
+                  <a:srgbClr val="FFFFFF"/>
+                </a:solidFill>
+              </a:defRPr>
+            </a:pPr>
+            <a:r>
+              <a:t>Embeddings — The Foundation</a:t>
+            </a:r>
+          </a:p>
+        </p:txBody>
+      </p:sp>
+      <p:sp>
+        <p:nvSpPr>
+          <p:cNvPr id="4" name="TextBox 3"/>
+          <p:cNvSpPr txBox="1"/>
+          <p:nvPr/>
+        </p:nvSpPr>
+        <p:spPr>
+          <a:xfrm>
+            <a:off x="731520" y="1280160"/>
+            <a:ext cx="10698480" cy="5029200"/>
+          </a:xfrm>
+          <a:prstGeom prst="rect">
+            <a:avLst/>
+          </a:prstGeom>
+          <a:noFill/>
+        </p:spPr>
+        <p:txBody>
+          <a:bodyPr wrap="square">
+            <a:spAutoFit/>
+          </a:bodyPr>
+          <a:lstStyle/>
+          <a:p>
+            <a:pPr>
+              <a:spcAft>
+                <a:spcPts val="1000"/>
+              </a:spcAft>
+              <a:defRPr sz="2200">
+                <a:solidFill>
+                  <a:srgbClr val="222222"/>
+                </a:solidFill>
+              </a:defRPr>
+            </a:pPr>
+            <a:r>
+              <a:t>Embeddings: convert text → numeric vector</a:t>
+            </a:r>
+          </a:p>
+          <a:p>
+            <a:pPr>
+              <a:spcAft>
+                <a:spcPts val="1000"/>
+              </a:spcAft>
+              <a:defRPr sz="2200">
+                <a:solidFill>
+                  <a:srgbClr val="222222"/>
+                </a:solidFill>
+              </a:defRPr>
+            </a:pPr>
+            <a:r>
+              <a:t>Similar text → similar vectors (cosine similarity)</a:t>
+            </a:r>
+          </a:p>
+          <a:p>
+            <a:pPr>
+              <a:spcAft>
+                <a:spcPts val="1000"/>
+              </a:spcAft>
+              <a:defRPr sz="2200">
+                <a:solidFill>
+                  <a:srgbClr val="222222"/>
+                </a:solidFill>
+              </a:defRPr>
+            </a:pPr>
+            <a:r>
+              <a:t>OpenAI: text-embedding-3-small (cheap), text-embedding-3-large (better)</a:t>
+            </a:r>
+          </a:p>
+          <a:p>
+            <a:pPr>
+              <a:spcAft>
+                <a:spcPts val="1000"/>
+              </a:spcAft>
+              <a:defRPr sz="2200">
+                <a:solidFill>
+                  <a:srgbClr val="222222"/>
+                </a:solidFill>
+              </a:defRPr>
+            </a:pPr>
+            <a:r>
+              <a:t>Use small for most cases — it's surprisingly good</a:t>
+            </a:r>
+          </a:p>
+          <a:p>
+            <a:pPr>
+              <a:spcAft>
+                <a:spcPts val="1000"/>
+              </a:spcAft>
+              <a:defRPr sz="2200">
+                <a:solidFill>
+                  <a:srgbClr val="222222"/>
+                </a:solidFill>
+              </a:defRPr>
+            </a:pPr>
+            <a:r>
+              <a:t>Chunk your documents: 500-1000 tokens per chunk</a:t>
+            </a:r>
+          </a:p>
+          <a:p>
+            <a:pPr>
+              <a:spcAft>
+                <a:spcPts val="1000"/>
+              </a:spcAft>
+              <a:defRPr sz="2200">
+                <a:solidFill>
+                  <a:srgbClr val="222222"/>
+                </a:solidFill>
+              </a:defRPr>
+            </a:pPr>
+            <a:r>
+              <a:t>Overlap chunks by 10-20% for context continuity</a:t>
+            </a:r>
+          </a:p>
+        </p:txBody>
+      </p:sp>
+    </p:spTree>
+  </p:cSld>
+  <p:clrMapOvr>
+    <a:masterClrMapping/>
+  </p:clrMapOvr>
+</p:sld>
+</file>
+
+<file path=ppt/slides/slide5.xml><?xml version="1.0" encoding="utf-8"?>
+<p:sld xmlns:a="http://schemas.openxmlformats.org/drawingml/2006/main" xmlns:p="http://schemas.openxmlformats.org/presentationml/2006/main" xmlns:r="http://schemas.openxmlformats.org/officeDocument/2006/relationships">
+  <p:cSld>
+    <p:spTree>
+      <p:nvGrpSpPr>
+        <p:cNvPr id="1" name=""/>
+        <p:cNvGrpSpPr/>
+        <p:nvPr/>
+      </p:nvGrpSpPr>
+      <p:grpSpPr/>
+      <p:sp>
+        <p:nvSpPr>
+          <p:cNvPr id="2" name="Rectangle 1"/>
+          <p:cNvSpPr/>
+          <p:nvPr/>
+        </p:nvSpPr>
+        <p:spPr>
+          <a:xfrm>
+            <a:off x="0" y="0"/>
+            <a:ext cx="12191695" cy="1005840"/>
+          </a:xfrm>
+          <a:prstGeom prst="rect">
+            <a:avLst/>
+          </a:prstGeom>
+          <a:solidFill>
+            <a:srgbClr val="1B2A4A"/>
+          </a:solidFill>
+          <a:ln>
+            <a:noFill/>
+          </a:ln>
+        </p:spPr>
+        <p:style>
+          <a:lnRef idx="1">
+            <a:schemeClr val="accent1"/>
+          </a:lnRef>
+          <a:fillRef idx="3">
+            <a:schemeClr val="accent1"/>
+          </a:fillRef>
+          <a:effectRef idx="2">
+            <a:schemeClr val="accent1"/>
+          </a:effectRef>
+          <a:fontRef idx="minor">
+            <a:schemeClr val="lt1"/>
+          </a:fontRef>
+        </p:style>
+        <p:txBody>
+          <a:bodyPr rtlCol="0" anchor="ctr"/>
+          <a:lstStyle/>
+          <a:p>
+            <a:pPr algn="ctr"/>
+          </a:p>
+        </p:txBody>
+      </p:sp>
+      <p:sp>
+        <p:nvSpPr>
+          <p:cNvPr id="3" name="TextBox 2"/>
+          <p:cNvSpPr txBox="1"/>
+          <p:nvPr/>
+        </p:nvSpPr>
+        <p:spPr>
+          <a:xfrm>
+            <a:off x="731520" y="137160"/>
+            <a:ext cx="10698480" cy="731520"/>
+          </a:xfrm>
+          <a:prstGeom prst="rect">
+            <a:avLst/>
+          </a:prstGeom>
+          <a:noFill/>
+        </p:spPr>
+        <p:txBody>
+          <a:bodyPr wrap="square">
+            <a:spAutoFit/>
+          </a:bodyPr>
+          <a:lstStyle/>
+          <a:p>
+            <a:pPr>
+              <a:defRPr sz="2800" b="1">
+                <a:solidFill>
+                  <a:srgbClr val="FFFFFF"/>
+                </a:solidFill>
+              </a:defRPr>
+            </a:pPr>
+            <a:r>
+              <a:t>Vector Database Options</a:t>
+            </a:r>
+          </a:p>
+        </p:txBody>
+      </p:sp>
+      <p:graphicFrame>
+        <p:nvGraphicFramePr>
+          <p:cNvPr id="4" name="Table 3"/>
+          <p:cNvGraphicFramePr>
+            <a:graphicFrameLocks noGrp="1"/>
+          </p:cNvGraphicFramePr>
+          <p:nvPr/>
+        </p:nvGraphicFramePr>
+        <p:xfrm>
+          <a:off x="731520" y="1280160"/>
+          <a:ext cx="10698480" cy="3840480"/>
+        </p:xfrm>
+        <a:graphic>
+          <a:graphicData uri="http://schemas.openxmlformats.org/drawingml/2006/table">
+            <a:tbl>
+              <a:tblPr firstRow="1" bandRow="1">
+                <a:tableStyleId>{5C22544A-7EE6-4342-B048-85BDC9FD1C3A}</a:tableStyleId>
+              </a:tblPr>
+              <a:tblGrid>
+                <a:gridCol w="3566160"/>
+                <a:gridCol w="3566160"/>
+                <a:gridCol w="3566160"/>
+              </a:tblGrid>
+              <a:tr h="548640">
+                <a:tc>
+                  <a:txBody>
+                    <a:bodyPr/>
+                    <a:lstStyle/>
+                    <a:p>
+                      <a:pPr>
+                        <a:defRPr sz="1800" b="1">
+                          <a:solidFill>
+                            <a:srgbClr val="FFFFFF"/>
+                          </a:solidFill>
+                        </a:defRPr>
+                      </a:pPr>
+                      <a:r>
+                        <a:t>Database</a:t>
+                      </a:r>
+                    </a:p>
+                  </a:txBody>
+                  <a:tcPr>
+                    <a:solidFill>
+                      <a:srgbClr val="1B2A4A"/>
+                    </a:solidFill>
+                  </a:tcPr>
+                </a:tc>
+                <a:tc>
+                  <a:txBody>
+                    <a:bodyPr/>
+                    <a:lstStyle/>
+                    <a:p>
+                      <a:pPr>
+                        <a:defRPr sz="1800" b="1">
+                          <a:solidFill>
+                            <a:srgbClr val="FFFFFF"/>
+                          </a:solidFill>
+                        </a:defRPr>
+                      </a:pPr>
+                      <a:r>
+                        <a:t>Type</a:t>
+                      </a:r>
+                    </a:p>
+                  </a:txBody>
+                  <a:tcPr>
+                    <a:solidFill>
+                      <a:srgbClr val="1B2A4A"/>
+                    </a:solidFill>
+                  </a:tcPr>
+                </a:tc>
+                <a:tc>
+                  <a:txBody>
+                    <a:bodyPr/>
+                    <a:lstStyle/>
+                    <a:p>
+                      <a:pPr>
+                        <a:defRPr sz="1800" b="1">
+                          <a:solidFill>
+                            <a:srgbClr val="FFFFFF"/>
+                          </a:solidFill>
+                        </a:defRPr>
+                      </a:pPr>
+                      <a:r>
+                        <a:t>Best For</a:t>
+                      </a:r>
+                    </a:p>
+                  </a:txBody>
+                  <a:tcPr>
+                    <a:solidFill>
+                      <a:srgbClr val="1B2A4A"/>
+                    </a:solidFill>
+                  </a:tcPr>
+                </a:tc>
+              </a:tr>
+              <a:tr h="548640">
+                <a:tc>
+                  <a:txBody>
+                    <a:bodyPr/>
+                    <a:lstStyle/>
+                    <a:p>
+                      <a:pPr>
+                        <a:defRPr sz="1600">
+                          <a:solidFill>
+                            <a:srgbClr val="222222"/>
+                          </a:solidFill>
+                        </a:defRPr>
+                      </a:pPr>
+                      <a:r>
+                        <a:t>Pinecone</a:t>
+                      </a:r>
+                    </a:p>
+                  </a:txBody>
+                  <a:tcPr>
+                    <a:solidFill>
+                      <a:srgbClr val="F5F7FA"/>
+                    </a:solidFill>
+                  </a:tcPr>
+                </a:tc>
+                <a:tc>
+                  <a:txBody>
+                    <a:bodyPr/>
+                    <a:lstStyle/>
+                    <a:p>
+                      <a:pPr>
+                        <a:defRPr sz="1600">
+                          <a:solidFill>
+                            <a:srgbClr val="222222"/>
+                          </a:solidFill>
+                        </a:defRPr>
+                      </a:pPr>
+                      <a:r>
+                        <a:t>Cloud managed</a:t>
+                      </a:r>
+                    </a:p>
+                  </a:txBody>
+                  <a:tcPr>
+                    <a:solidFill>
+                      <a:srgbClr val="F5F7FA"/>
+                    </a:solidFill>
+                  </a:tcPr>
+                </a:tc>
+                <a:tc>
+                  <a:txBody>
+                    <a:bodyPr/>
+                    <a:lstStyle/>
+                    <a:p>
+                      <a:pPr>
+                        <a:defRPr sz="1600">
+                          <a:solidFill>
+                            <a:srgbClr val="222222"/>
+                          </a:solidFill>
+                        </a:defRPr>
+                      </a:pPr>
+                      <a:r>
+                        <a:t>Production, scaling</a:t>
+                      </a:r>
+                    </a:p>
+                  </a:txBody>
+                  <a:tcPr>
+                    <a:solidFill>
+                      <a:srgbClr val="F5F7FA"/>
+                    </a:solidFill>
+                  </a:tcPr>
+                </a:tc>
+              </a:tr>
+              <a:tr h="548640">
+                <a:tc>
+                  <a:txBody>
+                    <a:bodyPr/>
+                    <a:lstStyle/>
+                    <a:p>
+                      <a:pPr>
+                        <a:defRPr sz="1600">
+                          <a:solidFill>
+                            <a:srgbClr val="222222"/>
+                          </a:solidFill>
+                        </a:defRPr>
+                      </a:pPr>
+                      <a:r>
+                        <a:t>ChromaDB</a:t>
+                      </a:r>
+                    </a:p>
+                  </a:txBody>
+                  <a:tcPr>
+                    <a:solidFill>
+                      <a:srgbClr val="FFFFFF"/>
+                    </a:solidFill>
+                  </a:tcPr>
+                </a:tc>
+                <a:tc>
+                  <a:txBody>
+                    <a:bodyPr/>
+                    <a:lstStyle/>
+                    <a:p>
+                      <a:pPr>
+                        <a:defRPr sz="1600">
+                          <a:solidFill>
+                            <a:srgbClr val="222222"/>
+                          </a:solidFill>
+                        </a:defRPr>
+                      </a:pPr>
+                      <a:r>
+                        <a:t>Local/embedded</a:t>
+                      </a:r>
+                    </a:p>
+                  </a:txBody>
+                  <a:tcPr>
+                    <a:solidFill>
+                      <a:srgbClr val="FFFFFF"/>
+                    </a:solidFill>
+                  </a:tcPr>
+                </a:tc>
+                <a:tc>
+                  <a:txBody>
+                    <a:bodyPr/>
+                    <a:lstStyle/>
+                    <a:p>
+                      <a:pPr>
+                        <a:defRPr sz="1600">
+                          <a:solidFill>
+                            <a:srgbClr val="222222"/>
+                          </a:solidFill>
+                        </a:defRPr>
+                      </a:pPr>
+                      <a:r>
+                        <a:t>Prototyping, small datasets</a:t>
+                      </a:r>
+                    </a:p>
+                  </a:txBody>
+                  <a:tcPr>
+                    <a:solidFill>
+                      <a:srgbClr val="FFFFFF"/>
+                    </a:solidFill>
+                  </a:tcPr>
+                </a:tc>
+              </a:tr>
+              <a:tr h="548640">
+                <a:tc>
+                  <a:txBody>
+                    <a:bodyPr/>
+                    <a:lstStyle/>
+                    <a:p>
+                      <a:pPr>
+                        <a:defRPr sz="1600">
+                          <a:solidFill>
+                            <a:srgbClr val="222222"/>
+                          </a:solidFill>
+                        </a:defRPr>
+                      </a:pPr>
+                      <a:r>
+                        <a:t>pgvector</a:t>
+                      </a:r>
+                    </a:p>
+                  </a:txBody>
+                  <a:tcPr>
+                    <a:solidFill>
+                      <a:srgbClr val="F5F7FA"/>
+                    </a:solidFill>
+                  </a:tcPr>
+                </a:tc>
+                <a:tc>
+                  <a:txBody>
+                    <a:bodyPr/>
+                    <a:lstStyle/>
+                    <a:p>
+                      <a:pPr>
+                        <a:defRPr sz="1600">
+                          <a:solidFill>
+                            <a:srgbClr val="222222"/>
+                          </a:solidFill>
+                        </a:defRPr>
+                      </a:pPr>
+                      <a:r>
+                        <a:t>Postgres extension</a:t>
+                      </a:r>
+                    </a:p>
+                  </a:txBody>
+                  <a:tcPr>
+                    <a:solidFill>
+                      <a:srgbClr val="F5F7FA"/>
+                    </a:solidFill>
+                  </a:tcPr>
+                </a:tc>
+                <a:tc>
+                  <a:txBody>
+                    <a:bodyPr/>
+                    <a:lstStyle/>
+                    <a:p>
+                      <a:pPr>
+                        <a:defRPr sz="1600">
+                          <a:solidFill>
+                            <a:srgbClr val="222222"/>
+                          </a:solidFill>
+                        </a:defRPr>
+                      </a:pPr>
+                      <a:r>
+                        <a:t>Existing Postgres users</a:t>
+                      </a:r>
+                    </a:p>
+                  </a:txBody>
+                  <a:tcPr>
+                    <a:solidFill>
+                      <a:srgbClr val="F5F7FA"/>
+                    </a:solidFill>
+                  </a:tcPr>
+                </a:tc>
+              </a:tr>
+              <a:tr h="548640">
+                <a:tc>
+                  <a:txBody>
+                    <a:bodyPr/>
+                    <a:lstStyle/>
+                    <a:p>
+                      <a:pPr>
+                        <a:defRPr sz="1600">
+                          <a:solidFill>
+                            <a:srgbClr val="222222"/>
+                          </a:solidFill>
+                        </a:defRPr>
+                      </a:pPr>
+                      <a:r>
+                        <a:t>Weaviate</a:t>
+                      </a:r>
+                    </a:p>
+                  </a:txBody>
+                  <a:tcPr>
+                    <a:solidFill>
+                      <a:srgbClr val="FFFFFF"/>
+                    </a:solidFill>
+                  </a:tcPr>
+                </a:tc>
+                <a:tc>
+                  <a:txBody>
+                    <a:bodyPr/>
+                    <a:lstStyle/>
+                    <a:p>
+                      <a:pPr>
+                        <a:defRPr sz="1600">
+                          <a:solidFill>
+                            <a:srgbClr val="222222"/>
+                          </a:solidFill>
+                        </a:defRPr>
+                      </a:pPr>
+                      <a:r>
+                        <a:t>Cloud or self-hosted</a:t>
+                      </a:r>
+                    </a:p>
+                  </a:txBody>
+                  <a:tcPr>
+                    <a:solidFill>
+                      <a:srgbClr val="FFFFFF"/>
+                    </a:solidFill>
+                  </a:tcPr>
+                </a:tc>
+                <a:tc>
+                  <a:txBody>
+                    <a:bodyPr/>
+                    <a:lstStyle/>
+                    <a:p>
+                      <a:pPr>
+                        <a:defRPr sz="1600">
+                          <a:solidFill>
+                            <a:srgbClr val="222222"/>
+                          </a:solidFill>
+                        </a:defRPr>
+                      </a:pPr>
+                      <a:r>
+                        <a:t>Hybrid search</a:t>
+                      </a:r>
+                    </a:p>
+                  </a:txBody>
+                  <a:tcPr>
+                    <a:solidFill>
+                      <a:srgbClr val="FFFFFF"/>
+                    </a:solidFill>
+                  </a:tcPr>
+                </a:tc>
+              </a:tr>
+              <a:tr h="548640">
+                <a:tc>
+                  <a:txBody>
+                    <a:bodyPr/>
+                    <a:lstStyle/>
+                    <a:p>
+                      <a:pPr>
+                        <a:defRPr sz="1600">
+                          <a:solidFill>
+                            <a:srgbClr val="222222"/>
+                          </a:solidFill>
+                        </a:defRPr>
+                      </a:pPr>
+                      <a:r>
+                        <a:t>Qdrant</a:t>
+                      </a:r>
+                    </a:p>
+                  </a:txBody>
+                  <a:tcPr>
+                    <a:solidFill>
+                      <a:srgbClr val="F5F7FA"/>
+                    </a:solidFill>
+                  </a:tcPr>
+                </a:tc>
+                <a:tc>
+                  <a:txBody>
+                    <a:bodyPr/>
+                    <a:lstStyle/>
+                    <a:p>
+                      <a:pPr>
+                        <a:defRPr sz="1600">
+                          <a:solidFill>
+                            <a:srgbClr val="222222"/>
+                          </a:solidFill>
+                        </a:defRPr>
+                      </a:pPr>
+                      <a:r>
+                        <a:t>Cloud or self-hosted</a:t>
+                      </a:r>
+                    </a:p>
+                  </a:txBody>
+                  <a:tcPr>
+                    <a:solidFill>
+                      <a:srgbClr val="F5F7FA"/>
+                    </a:solidFill>
+                  </a:tcPr>
+                </a:tc>
+                <a:tc>
+                  <a:txBody>
+                    <a:bodyPr/>
+                    <a:lstStyle/>
+                    <a:p>
+                      <a:pPr>
+                        <a:defRPr sz="1600">
+                          <a:solidFill>
+                            <a:srgbClr val="222222"/>
+                          </a:solidFill>
+                        </a:defRPr>
+                      </a:pPr>
+                      <a:r>
+                        <a:t>Performance</a:t>
+                      </a:r>
+                    </a:p>
+                  </a:txBody>
+                  <a:tcPr>
+                    <a:solidFill>
+                      <a:srgbClr val="F5F7FA"/>
+                    </a:solidFill>
+                  </a:tcPr>
+                </a:tc>
+              </a:tr>
+              <a:tr h="548640">
+                <a:tc>
+                  <a:txBody>
+                    <a:bodyPr/>
+                    <a:lstStyle/>
+                    <a:p>
+                      <a:pPr>
+                        <a:defRPr sz="1600">
+                          <a:solidFill>
+                            <a:srgbClr val="222222"/>
+                          </a:solidFill>
+                        </a:defRPr>
+                      </a:pPr>
+                      <a:r>
+                        <a:t>FAISS</a:t>
+                      </a:r>
+                    </a:p>
+                  </a:txBody>
+                  <a:tcPr>
+                    <a:solidFill>
+                      <a:srgbClr val="FFFFFF"/>
+                    </a:solidFill>
+                  </a:tcPr>
+                </a:tc>
+                <a:tc>
+                  <a:txBody>
+                    <a:bodyPr/>
+                    <a:lstStyle/>
+                    <a:p>
+                      <a:pPr>
+                        <a:defRPr sz="1600">
+                          <a:solidFill>
+                            <a:srgbClr val="222222"/>
+                          </a:solidFill>
+                        </a:defRPr>
+                      </a:pPr>
+                      <a:r>
+                        <a:t>In-memory library</a:t>
+                      </a:r>
+                    </a:p>
+                  </a:txBody>
+                  <a:tcPr>
+                    <a:solidFill>
+                      <a:srgbClr val="FFFFFF"/>
+                    </a:solidFill>
+                  </a:tcPr>
+                </a:tc>
+                <a:tc>
+                  <a:txBody>
+                    <a:bodyPr/>
+                    <a:lstStyle/>
+                    <a:p>
+                      <a:pPr>
+                        <a:defRPr sz="1600">
+                          <a:solidFill>
+                            <a:srgbClr val="222222"/>
+                          </a:solidFill>
+                        </a:defRPr>
+                      </a:pPr>
+                      <a:r>
+                        <a:t>Research, benchmarks</a:t>
+                      </a:r>
+                    </a:p>
+                  </a:txBody>
+                  <a:tcPr>
+                    <a:solidFill>
+                      <a:srgbClr val="FFFFFF"/>
+                    </a:solidFill>
+                  </a:tcPr>
+                </a:tc>
+              </a:tr>
+            </a:tbl>
+          </a:graphicData>
+        </a:graphic>
+      </p:graphicFrame>
+    </p:spTree>
+  </p:cSld>
+  <p:clrMapOvr>
+    <a:masterClrMapping/>
+  </p:clrMapOvr>
+</p:sld>
+</file>
+
+<file path=ppt/slides/slide6.xml><?xml version="1.0" encoding="utf-8"?>
+<p:sld xmlns:a="http://schemas.openxmlformats.org/drawingml/2006/main" xmlns:p="http://schemas.openxmlformats.org/presentationml/2006/main" xmlns:r="http://schemas.openxmlformats.org/officeDocument/2006/relationships">
+  <p:cSld>
+    <p:spTree>
+      <p:nvGrpSpPr>
+        <p:cNvPr id="1" name=""/>
+        <p:cNvGrpSpPr/>
+        <p:nvPr/>
+      </p:nvGrpSpPr>
+      <p:grpSpPr/>
+      <p:sp>
+        <p:nvSpPr>
+          <p:cNvPr id="2" name="Rectangle 1"/>
+          <p:cNvSpPr/>
+          <p:nvPr/>
+        </p:nvSpPr>
+        <p:spPr>
+          <a:xfrm>
+            <a:off x="0" y="0"/>
+            <a:ext cx="12191695" cy="1005840"/>
+          </a:xfrm>
+          <a:prstGeom prst="rect">
+            <a:avLst/>
+          </a:prstGeom>
+          <a:solidFill>
+            <a:srgbClr val="1B2A4A"/>
+          </a:solidFill>
+          <a:ln>
+            <a:noFill/>
+          </a:ln>
+        </p:spPr>
+        <p:style>
+          <a:lnRef idx="1">
+            <a:schemeClr val="accent1"/>
+          </a:lnRef>
+          <a:fillRef idx="3">
+            <a:schemeClr val="accent1"/>
+          </a:fillRef>
+          <a:effectRef idx="2">
+            <a:schemeClr val="accent1"/>
+          </a:effectRef>
+          <a:fontRef idx="minor">
+            <a:schemeClr val="lt1"/>
+          </a:fontRef>
+        </p:style>
+        <p:txBody>
+          <a:bodyPr rtlCol="0" anchor="ctr"/>
+          <a:lstStyle/>
+          <a:p>
+            <a:pPr algn="ctr"/>
+          </a:p>
+        </p:txBody>
+      </p:sp>
+      <p:sp>
+        <p:nvSpPr>
+          <p:cNvPr id="3" name="TextBox 2"/>
+          <p:cNvSpPr txBox="1"/>
+          <p:nvPr/>
+        </p:nvSpPr>
+        <p:spPr>
+          <a:xfrm>
+            <a:off x="731520" y="137160"/>
+            <a:ext cx="10698480" cy="731520"/>
+          </a:xfrm>
+          <a:prstGeom prst="rect">
+            <a:avLst/>
+          </a:prstGeom>
+          <a:noFill/>
+        </p:spPr>
+        <p:txBody>
+          <a:bodyPr wrap="square">
+            <a:spAutoFit/>
+          </a:bodyPr>
+          <a:lstStyle/>
+          <a:p>
+            <a:pPr>
+              <a:defRPr sz="2800" b="1">
+                <a:solidFill>
+                  <a:srgbClr val="FFFFFF"/>
+                </a:solidFill>
+              </a:defRPr>
+            </a:pPr>
+            <a:r>
+              <a:t>RAG Pipeline — Indexing</a:t>
+            </a:r>
+          </a:p>
+        </p:txBody>
+      </p:sp>
+      <p:sp>
+        <p:nvSpPr>
+          <p:cNvPr id="4" name="Rectangle 3"/>
+          <p:cNvSpPr/>
+          <p:nvPr/>
+        </p:nvSpPr>
+        <p:spPr>
+          <a:xfrm>
+            <a:off x="731520" y="1280160"/>
+            <a:ext cx="10698480" cy="5029200"/>
+          </a:xfrm>
+          <a:prstGeom prst="rect">
+            <a:avLst/>
+          </a:prstGeom>
+          <a:solidFill>
+            <a:srgbClr val="1E1E2E"/>
+          </a:solidFill>
+          <a:ln>
+            <a:noFill/>
+          </a:ln>
+        </p:spPr>
+        <p:style>
+          <a:lnRef idx="1">
+            <a:schemeClr val="accent1"/>
+          </a:lnRef>
+          <a:fillRef idx="3">
+            <a:schemeClr val="accent1"/>
+          </a:fillRef>
+          <a:effectRef idx="2">
+            <a:schemeClr val="accent1"/>
+          </a:effectRef>
+          <a:fontRef idx="minor">
+            <a:schemeClr val="lt1"/>
+          </a:fontRef>
+        </p:style>
+        <p:txBody>
+          <a:bodyPr rtlCol="0" anchor="ctr" wrap="square" lIns="274320" tIns="182880"/>
+          <a:lstStyle/>
+          <a:p>
+            <a:pPr algn="ctr">
+              <a:defRPr sz="1600">
+                <a:solidFill>
+                  <a:srgbClr val="A6E22E"/>
+                </a:solidFill>
+                <a:latin typeface="Consolas"/>
+              </a:defRPr>
+            </a:pPr>
+            <a:r>
+              <a:t>import chromadb</a:t>
+            </a:r>
+          </a:p>
+          <a:p>
+            <a:pPr>
+              <a:defRPr sz="1600">
+                <a:solidFill>
+                  <a:srgbClr val="A6E22E"/>
+                </a:solidFill>
+                <a:latin typeface="Consolas"/>
+              </a:defRPr>
+            </a:pPr>
+            <a:r>
+              <a:t>from openai import OpenAI</a:t>
+            </a:r>
+          </a:p>
+          <a:p>
+            <a:pPr>
+              <a:defRPr sz="1600">
+                <a:solidFill>
+                  <a:srgbClr val="A6E22E"/>
+                </a:solidFill>
+                <a:latin typeface="Consolas"/>
+              </a:defRPr>
+            </a:pPr>
+          </a:p>
+          <a:p>
+            <a:pPr>
+              <a:defRPr sz="1600">
+                <a:solidFill>
+                  <a:srgbClr val="A6E22E"/>
+                </a:solidFill>
+                <a:latin typeface="Consolas"/>
+              </a:defRPr>
+            </a:pPr>
+            <a:r>
+              <a:t>client = OpenAI()</a:t>
+            </a:r>
+          </a:p>
+          <a:p>
+            <a:pPr>
+              <a:defRPr sz="1600">
+                <a:solidFill>
+                  <a:srgbClr val="A6E22E"/>
+                </a:solidFill>
+                <a:latin typeface="Consolas"/>
+              </a:defRPr>
+            </a:pPr>
+            <a:r>
+              <a:t>chroma = chromadb.Client()</a:t>
+            </a:r>
+          </a:p>
+          <a:p>
+            <a:pPr>
+              <a:defRPr sz="1600">
+                <a:solidFill>
+                  <a:srgbClr val="A6E22E"/>
+                </a:solidFill>
+                <a:latin typeface="Consolas"/>
+              </a:defRPr>
+            </a:pPr>
+            <a:r>
+              <a:t>collection = chroma.create_collection("docs")</a:t>
+            </a:r>
+          </a:p>
+          <a:p>
+            <a:pPr>
+              <a:defRPr sz="1600">
+                <a:solidFill>
+                  <a:srgbClr val="A6E22E"/>
+                </a:solidFill>
+                <a:latin typeface="Consolas"/>
+              </a:defRPr>
+            </a:pPr>
+          </a:p>
+          <a:p>
+            <a:pPr>
+              <a:defRPr sz="1600">
+                <a:solidFill>
+                  <a:srgbClr val="A6E22E"/>
+                </a:solidFill>
+                <a:latin typeface="Consolas"/>
+              </a:defRPr>
+            </a:pPr>
+            <a:r>
+              <a:t># Chunk and embed documents</a:t>
+            </a:r>
+          </a:p>
+          <a:p>
+            <a:pPr>
+              <a:defRPr sz="1600">
+                <a:solidFill>
+                  <a:srgbClr val="A6E22E"/>
+                </a:solidFill>
+                <a:latin typeface="Consolas"/>
+              </a:defRPr>
+            </a:pPr>
+            <a:r>
+              <a:t>for i, chunk in enumerate(document_chunks):</a:t>
+            </a:r>
+          </a:p>
+          <a:p>
+            <a:pPr>
+              <a:defRPr sz="1600">
+                <a:solidFill>
+                  <a:srgbClr val="A6E22E"/>
+                </a:solidFill>
+                <a:latin typeface="Consolas"/>
+              </a:defRPr>
+            </a:pPr>
+            <a:r>
+              <a:t>    embedding = client.embeddings.create(</a:t>
+            </a:r>
+          </a:p>
+          <a:p>
+            <a:pPr>
+              <a:defRPr sz="1600">
+                <a:solidFill>
+                  <a:srgbClr val="A6E22E"/>
+                </a:solidFill>
+                <a:latin typeface="Consolas"/>
+              </a:defRPr>
+            </a:pPr>
+            <a:r>
+              <a:t>        model="text-embedding-3-small",</a:t>
+            </a:r>
+          </a:p>
+          <a:p>
+            <a:pPr>
+              <a:defRPr sz="1600">
+                <a:solidFill>
+                  <a:srgbClr val="A6E22E"/>
+                </a:solidFill>
+                <a:latin typeface="Consolas"/>
+              </a:defRPr>
+            </a:pPr>
+            <a:r>
+              <a:t>        input=chunk</a:t>
+            </a:r>
+          </a:p>
+          <a:p>
+            <a:pPr>
+              <a:defRPr sz="1600">
+                <a:solidFill>
+                  <a:srgbClr val="A6E22E"/>
+                </a:solidFill>
+                <a:latin typeface="Consolas"/>
+              </a:defRPr>
+            </a:pPr>
+            <a:r>
+              <a:t>    ).data[0].embedding</a:t>
+            </a:r>
+          </a:p>
+          <a:p>
+            <a:pPr>
+              <a:defRPr sz="1600">
+                <a:solidFill>
+                  <a:srgbClr val="A6E22E"/>
+                </a:solidFill>
+                <a:latin typeface="Consolas"/>
+              </a:defRPr>
+            </a:pPr>
+            <a:r>
+              <a:t>    </a:t>
+            </a:r>
+          </a:p>
+          <a:p>
+            <a:pPr>
+              <a:defRPr sz="1600">
+                <a:solidFill>
+                  <a:srgbClr val="A6E22E"/>
+                </a:solidFill>
+                <a:latin typeface="Consolas"/>
+              </a:defRPr>
+            </a:pPr>
+            <a:r>
+              <a:t>    collection.add(</a:t>
+            </a:r>
+          </a:p>
+          <a:p>
+            <a:pPr>
+              <a:defRPr sz="1600">
+                <a:solidFill>
+                  <a:srgbClr val="A6E22E"/>
+                </a:solidFill>
+                <a:latin typeface="Consolas"/>
+              </a:defRPr>
+            </a:pPr>
+            <a:r>
+              <a:t>        ids=[f"chunk_{i}"],</a:t>
+            </a:r>
+          </a:p>
+          <a:p>
+            <a:pPr>
+              <a:defRPr sz="1600">
+                <a:solidFill>
+                  <a:srgbClr val="A6E22E"/>
+                </a:solidFill>
+                <a:latin typeface="Consolas"/>
+              </a:defRPr>
+            </a:pPr>
+            <a:r>
+              <a:t>        embeddings=[embedding],</a:t>
+            </a:r>
+          </a:p>
+          <a:p>
+            <a:pPr>
+              <a:defRPr sz="1600">
+                <a:solidFill>
+                  <a:srgbClr val="A6E22E"/>
+                </a:solidFill>
+                <a:latin typeface="Consolas"/>
+              </a:defRPr>
+            </a:pPr>
+            <a:r>
+              <a:t>        documents=[chunk]</a:t>
+            </a:r>
+          </a:p>
+          <a:p>
+            <a:pPr>
+              <a:defRPr sz="1600">
+                <a:solidFill>
+                  <a:srgbClr val="A6E22E"/>
+                </a:solidFill>
+                <a:latin typeface="Consolas"/>
+              </a:defRPr>
+            </a:pPr>
+            <a:r>
+              <a:t>    )</a:t>
+            </a:r>
+          </a:p>
+        </p:txBody>
+      </p:sp>
+    </p:spTree>
+  </p:cSld>
+  <p:clrMapOvr>
+    <a:masterClrMapping/>
+  </p:clrMapOvr>
+</p:sld>
+</file>
+
+<file path=ppt/slides/slide7.xml><?xml version="1.0" encoding="utf-8"?>
+<p:sld xmlns:a="http://schemas.openxmlformats.org/drawingml/2006/main" xmlns:p="http://schemas.openxmlformats.org/presentationml/2006/main" xmlns:r="http://schemas.openxmlformats.org/officeDocument/2006/relationships">
+  <p:cSld>
+    <p:spTree>
+      <p:nvGrpSpPr>
+        <p:cNvPr id="1" name=""/>
+        <p:cNvGrpSpPr/>
+        <p:nvPr/>
+      </p:nvGrpSpPr>
+      <p:grpSpPr/>
+      <p:sp>
+        <p:nvSpPr>
+          <p:cNvPr id="2" name="Rectangle 1"/>
+          <p:cNvSpPr/>
+          <p:nvPr/>
+        </p:nvSpPr>
+        <p:spPr>
+          <a:xfrm>
+            <a:off x="0" y="0"/>
+            <a:ext cx="12191695" cy="1005840"/>
+          </a:xfrm>
+          <a:prstGeom prst="rect">
+            <a:avLst/>
+          </a:prstGeom>
+          <a:solidFill>
+            <a:srgbClr val="1B2A4A"/>
+          </a:solidFill>
+          <a:ln>
+            <a:noFill/>
+          </a:ln>
+        </p:spPr>
+        <p:style>
+          <a:lnRef idx="1">
+            <a:schemeClr val="accent1"/>
+          </a:lnRef>
+          <a:fillRef idx="3">
+            <a:schemeClr val="accent1"/>
+          </a:fillRef>
+          <a:effectRef idx="2">
+            <a:schemeClr val="accent1"/>
+          </a:effectRef>
+          <a:fontRef idx="minor">
+            <a:schemeClr val="lt1"/>
+          </a:fontRef>
+        </p:style>
+        <p:txBody>
+          <a:bodyPr rtlCol="0" anchor="ctr"/>
+          <a:lstStyle/>
+          <a:p>
+            <a:pPr algn="ctr"/>
+          </a:p>
+        </p:txBody>
+      </p:sp>
+      <p:sp>
+        <p:nvSpPr>
+          <p:cNvPr id="3" name="TextBox 2"/>
+          <p:cNvSpPr txBox="1"/>
+          <p:nvPr/>
+        </p:nvSpPr>
+        <p:spPr>
+          <a:xfrm>
+            <a:off x="731520" y="137160"/>
+            <a:ext cx="10698480" cy="731520"/>
+          </a:xfrm>
+          <a:prstGeom prst="rect">
+            <a:avLst/>
+          </a:prstGeom>
+          <a:noFill/>
+        </p:spPr>
+        <p:txBody>
+          <a:bodyPr wrap="square">
+            <a:spAutoFit/>
+          </a:bodyPr>
+          <a:lstStyle/>
+          <a:p>
+            <a:pPr>
+              <a:defRPr sz="2800" b="1">
+                <a:solidFill>
+                  <a:srgbClr val="FFFFFF"/>
+                </a:solidFill>
+              </a:defRPr>
+            </a:pPr>
+            <a:r>
+              <a:t>RAG Pipeline — Retrieval &amp; Generation</a:t>
+            </a:r>
+          </a:p>
+        </p:txBody>
+      </p:sp>
+      <p:sp>
+        <p:nvSpPr>
+          <p:cNvPr id="4" name="Rectangle 3"/>
+          <p:cNvSpPr/>
+          <p:nvPr/>
+        </p:nvSpPr>
+        <p:spPr>
+          <a:xfrm>
+            <a:off x="731520" y="1280160"/>
+            <a:ext cx="10698480" cy="5029200"/>
+          </a:xfrm>
+          <a:prstGeom prst="rect">
+            <a:avLst/>
+          </a:prstGeom>
+          <a:solidFill>
+            <a:srgbClr val="1E1E2E"/>
+          </a:solidFill>
+          <a:ln>
+            <a:noFill/>
+          </a:ln>
+        </p:spPr>
+        <p:style>
+          <a:lnRef idx="1">
+            <a:schemeClr val="accent1"/>
+          </a:lnRef>
+          <a:fillRef idx="3">
+            <a:schemeClr val="accent1"/>
+          </a:fillRef>
+          <a:effectRef idx="2">
+            <a:schemeClr val="accent1"/>
+          </a:effectRef>
+          <a:fontRef idx="minor">
+            <a:schemeClr val="lt1"/>
+          </a:fontRef>
+        </p:style>
+        <p:txBody>
+          <a:bodyPr rtlCol="0" anchor="ctr" wrap="square" lIns="274320" tIns="182880"/>
+          <a:lstStyle/>
+          <a:p>
+            <a:pPr algn="ctr">
+              <a:defRPr sz="1600">
+                <a:solidFill>
+                  <a:srgbClr val="A6E22E"/>
+                </a:solidFill>
+                <a:latin typeface="Consolas"/>
+              </a:defRPr>
+            </a:pPr>
+            <a:r>
+              <a:t># Step 2: Query</a:t>
+            </a:r>
+          </a:p>
+          <a:p>
+            <a:pPr>
+              <a:defRPr sz="1600">
+                <a:solidFill>
+                  <a:srgbClr val="A6E22E"/>
+                </a:solidFill>
+                <a:latin typeface="Consolas"/>
+              </a:defRPr>
+            </a:pPr>
+            <a:r>
+              <a:t>query = "How do I configure MCP?"</a:t>
+            </a:r>
+          </a:p>
+          <a:p>
+            <a:pPr>
+              <a:defRPr sz="1600">
+                <a:solidFill>
+                  <a:srgbClr val="A6E22E"/>
+                </a:solidFill>
+                <a:latin typeface="Consolas"/>
+              </a:defRPr>
+            </a:pPr>
+            <a:r>
+              <a:t>q_embedding = client.embeddings.create(</a:t>
+            </a:r>
+          </a:p>
+          <a:p>
+            <a:pPr>
+              <a:defRPr sz="1600">
+                <a:solidFill>
+                  <a:srgbClr val="A6E22E"/>
+                </a:solidFill>
+                <a:latin typeface="Consolas"/>
+              </a:defRPr>
+            </a:pPr>
+            <a:r>
+              <a:t>    model="text-embedding-3-small", input=query</a:t>
+            </a:r>
+          </a:p>
+          <a:p>
+            <a:pPr>
+              <a:defRPr sz="1600">
+                <a:solidFill>
+                  <a:srgbClr val="A6E22E"/>
+                </a:solidFill>
+                <a:latin typeface="Consolas"/>
+              </a:defRPr>
+            </a:pPr>
+            <a:r>
+              <a:t>).data[0].embedding</a:t>
+            </a:r>
+          </a:p>
+          <a:p>
+            <a:pPr>
+              <a:defRPr sz="1600">
+                <a:solidFill>
+                  <a:srgbClr val="A6E22E"/>
+                </a:solidFill>
+                <a:latin typeface="Consolas"/>
+              </a:defRPr>
+            </a:pPr>
+          </a:p>
+          <a:p>
+            <a:pPr>
+              <a:defRPr sz="1600">
+                <a:solidFill>
+                  <a:srgbClr val="A6E22E"/>
+                </a:solidFill>
+                <a:latin typeface="Consolas"/>
+              </a:defRPr>
+            </a:pPr>
+            <a:r>
+              <a:t>results = collection.query(</a:t>
+            </a:r>
+          </a:p>
+          <a:p>
+            <a:pPr>
+              <a:defRPr sz="1600">
+                <a:solidFill>
+                  <a:srgbClr val="A6E22E"/>
+                </a:solidFill>
+                <a:latin typeface="Consolas"/>
+              </a:defRPr>
+            </a:pPr>
+            <a:r>
+              <a:t>    query_embeddings=[q_embedding], n_results=3</a:t>
+            </a:r>
+          </a:p>
+          <a:p>
+            <a:pPr>
+              <a:defRPr sz="1600">
+                <a:solidFill>
+                  <a:srgbClr val="A6E22E"/>
+                </a:solidFill>
+                <a:latin typeface="Consolas"/>
+              </a:defRPr>
+            </a:pPr>
+            <a:r>
+              <a:t>)</a:t>
+            </a:r>
+          </a:p>
+          <a:p>
+            <a:pPr>
+              <a:defRPr sz="1600">
+                <a:solidFill>
+                  <a:srgbClr val="A6E22E"/>
+                </a:solidFill>
+                <a:latin typeface="Consolas"/>
+              </a:defRPr>
+            </a:pPr>
+          </a:p>
+          <a:p>
+            <a:pPr>
+              <a:defRPr sz="1600">
+                <a:solidFill>
+                  <a:srgbClr val="A6E22E"/>
+                </a:solidFill>
+                <a:latin typeface="Consolas"/>
+              </a:defRPr>
+            </a:pPr>
+            <a:r>
+              <a:t># Step 3: Generate with context</a:t>
+            </a:r>
+          </a:p>
+          <a:p>
+            <a:pPr>
+              <a:defRPr sz="1600">
+                <a:solidFill>
+                  <a:srgbClr val="A6E22E"/>
+                </a:solidFill>
+                <a:latin typeface="Consolas"/>
+              </a:defRPr>
+            </a:pPr>
+            <a:r>
+              <a:t>context = "\n".join(results["documents"][0])</a:t>
+            </a:r>
+          </a:p>
+          <a:p>
+            <a:pPr>
+              <a:defRPr sz="1600">
+                <a:solidFill>
+                  <a:srgbClr val="A6E22E"/>
+                </a:solidFill>
+                <a:latin typeface="Consolas"/>
+              </a:defRPr>
+            </a:pPr>
+            <a:r>
+              <a:t>response = client.chat.completions.create(</a:t>
+            </a:r>
+          </a:p>
+          <a:p>
+            <a:pPr>
+              <a:defRPr sz="1600">
+                <a:solidFill>
+                  <a:srgbClr val="A6E22E"/>
+                </a:solidFill>
+                <a:latin typeface="Consolas"/>
+              </a:defRPr>
+            </a:pPr>
+            <a:r>
+              <a:t>    model="gpt-4.1",</a:t>
+            </a:r>
+          </a:p>
+          <a:p>
+            <a:pPr>
+              <a:defRPr sz="1600">
+                <a:solidFill>
+                  <a:srgbClr val="A6E22E"/>
+                </a:solidFill>
+                <a:latin typeface="Consolas"/>
+              </a:defRPr>
+            </a:pPr>
+            <a:r>
+              <a:t>    messages=[</a:t>
+            </a:r>
+          </a:p>
+          <a:p>
+            <a:pPr>
+              <a:defRPr sz="1600">
+                <a:solidFill>
+                  <a:srgbClr val="A6E22E"/>
+                </a:solidFill>
+                <a:latin typeface="Consolas"/>
+              </a:defRPr>
+            </a:pPr>
+            <a:r>
+              <a:t>        {"role": "system", "content": f"Answer using this context:\n{context}"},</a:t>
+            </a:r>
+          </a:p>
+          <a:p>
+            <a:pPr>
+              <a:defRPr sz="1600">
+                <a:solidFill>
+                  <a:srgbClr val="A6E22E"/>
+                </a:solidFill>
+                <a:latin typeface="Consolas"/>
+              </a:defRPr>
+            </a:pPr>
+            <a:r>
+              <a:t>        {"role": "user", "content": query}</a:t>
+            </a:r>
+          </a:p>
+          <a:p>
+            <a:pPr>
+              <a:defRPr sz="1600">
+                <a:solidFill>
+                  <a:srgbClr val="A6E22E"/>
+                </a:solidFill>
+                <a:latin typeface="Consolas"/>
+              </a:defRPr>
+            </a:pPr>
+            <a:r>
+              <a:t>    ]</a:t>
+            </a:r>
+          </a:p>
+          <a:p>
+            <a:pPr>
+              <a:defRPr sz="1600">
+                <a:solidFill>
+                  <a:srgbClr val="A6E22E"/>
+                </a:solidFill>
+                <a:latin typeface="Consolas"/>
+              </a:defRPr>
+            </a:pPr>
+            <a:r>
+              <a:t>)</a:t>
+            </a:r>
+          </a:p>
+        </p:txBody>
+      </p:sp>
+    </p:spTree>
+  </p:cSld>
+  <p:clrMapOvr>
+    <a:masterClrMapping/>
+  </p:clrMapOvr>
+</p:sld>
+</file>
+
+<file path=ppt/slides/slide8.xml><?xml version="1.0" encoding="utf-8"?>
+<p:sld xmlns:a="http://schemas.openxmlformats.org/drawingml/2006/main" xmlns:p="http://schemas.openxmlformats.org/presentationml/2006/main" xmlns:r="http://schemas.openxmlformats.org/officeDocument/2006/relationships">
+  <p:cSld>
+    <p:bg>
+      <p:bgPr>
+        <a:solidFill>
+          <a:srgbClr val="1B2A4A"/>
+        </a:solidFill>
+        <a:effectLst/>
+      </p:bgPr>
+    </p:bg>
+    <p:spTree>
+      <p:nvGrpSpPr>
+        <p:cNvPr id="1" name=""/>
+        <p:cNvGrpSpPr/>
+        <p:nvPr/>
+      </p:nvGrpSpPr>
+      <p:grpSpPr/>
+      <p:sp>
+        <p:nvSpPr>
+          <p:cNvPr id="2" name="TextBox 1"/>
+          <p:cNvSpPr txBox="1"/>
+          <p:nvPr/>
+        </p:nvSpPr>
+        <p:spPr>
+          <a:xfrm>
+            <a:off x="731520" y="2560320"/>
+            <a:ext cx="10698480" cy="1371600"/>
+          </a:xfrm>
+          <a:prstGeom prst="rect">
+            <a:avLst/>
+          </a:prstGeom>
+          <a:noFill/>
+        </p:spPr>
+        <p:txBody>
+          <a:bodyPr wrap="square">
+            <a:spAutoFit/>
+          </a:bodyPr>
+          <a:lstStyle/>
+          <a:p>
+            <a:pPr algn="l">
+              <a:defRPr sz="3600" b="1">
+                <a:solidFill>
+                  <a:srgbClr val="FFFFFF"/>
+                </a:solidFill>
+              </a:defRPr>
+            </a:pPr>
+            <a:r>
+              <a:t>RAG vs Alternatives</a:t>
+            </a:r>
+          </a:p>
+        </p:txBody>
+      </p:sp>
+      <p:sp>
+        <p:nvSpPr>
+          <p:cNvPr id="3" name="Rectangle 2"/>
+          <p:cNvSpPr/>
+          <p:nvPr/>
+        </p:nvSpPr>
+        <p:spPr>
+          <a:xfrm>
+            <a:off x="731520" y="3931920"/>
+            <a:ext cx="1828800" cy="38100"/>
           </a:xfrm>
           <a:prstGeom prst="rect">
             <a:avLst/>
@@ -5059,172 +6971,6 @@
           </a:p>
         </p:txBody>
       </p:sp>
-      <p:sp>
-        <p:nvSpPr>
-          <p:cNvPr id="3" name="TextBox 2"/>
-          <p:cNvSpPr txBox="1"/>
-          <p:nvPr/>
-        </p:nvSpPr>
-        <p:spPr>
-          <a:xfrm>
-            <a:off x="731520" y="274320"/>
-            <a:ext cx="10728655" cy="822960"/>
-          </a:xfrm>
-          <a:prstGeom prst="rect">
-            <a:avLst/>
-          </a:prstGeom>
-          <a:noFill/>
-        </p:spPr>
-        <p:txBody>
-          <a:bodyPr wrap="square">
-            <a:spAutoFit/>
-          </a:bodyPr>
-          <a:lstStyle/>
-          <a:p>
-            <a:pPr algn="l">
-              <a:defRPr sz="3200" b="1">
-                <a:solidFill>
-                  <a:srgbClr val="1B2A4A"/>
-                </a:solidFill>
-              </a:defRPr>
-            </a:pPr>
-            <a:r>
-              <a:t>Fine-Tuning (Brief Overview)</a:t>
-            </a:r>
-          </a:p>
-        </p:txBody>
-      </p:sp>
-      <p:sp>
-        <p:nvSpPr>
-          <p:cNvPr id="4" name="TextBox 3"/>
-          <p:cNvSpPr txBox="1"/>
-          <p:nvPr/>
-        </p:nvSpPr>
-        <p:spPr>
-          <a:xfrm>
-            <a:off x="914400" y="1280160"/>
-            <a:ext cx="10362895" cy="5029200"/>
-          </a:xfrm>
-          <a:prstGeom prst="rect">
-            <a:avLst/>
-          </a:prstGeom>
-          <a:noFill/>
-        </p:spPr>
-        <p:txBody>
-          <a:bodyPr wrap="square">
-            <a:spAutoFit/>
-          </a:bodyPr>
-          <a:lstStyle/>
-          <a:p>
-            <a:pPr>
-              <a:spcBef>
-                <a:spcPts val="400"/>
-              </a:spcBef>
-              <a:spcAft>
-                <a:spcPts val="800"/>
-              </a:spcAft>
-              <a:defRPr sz="2000">
-                <a:solidFill>
-                  <a:srgbClr val="333333"/>
-                </a:solidFill>
-              </a:defRPr>
-            </a:pPr>
-            <a:r>
-              <a:t>Fine-tuning: train the model on your specific data/style</a:t>
-            </a:r>
-          </a:p>
-          <a:p>
-            <a:pPr>
-              <a:spcBef>
-                <a:spcPts val="400"/>
-              </a:spcBef>
-              <a:spcAft>
-                <a:spcPts val="800"/>
-              </a:spcAft>
-              <a:defRPr sz="2000">
-                <a:solidFill>
-                  <a:srgbClr val="333333"/>
-                </a:solidFill>
-              </a:defRPr>
-            </a:pPr>
-            <a:r>
-              <a:t>OpenAI: fine-tune GPT-4.1 with your JSONL training data</a:t>
-            </a:r>
-          </a:p>
-          <a:p>
-            <a:pPr>
-              <a:spcBef>
-                <a:spcPts val="400"/>
-              </a:spcBef>
-              <a:spcAft>
-                <a:spcPts val="800"/>
-              </a:spcAft>
-              <a:defRPr sz="2000">
-                <a:solidFill>
-                  <a:srgbClr val="333333"/>
-                </a:solidFill>
-              </a:defRPr>
-            </a:pPr>
-            <a:r>
-              <a:t>LoRA: parameter-efficient fine-tuning for open models</a:t>
-            </a:r>
-          </a:p>
-          <a:p>
-            <a:pPr>
-              <a:spcBef>
-                <a:spcPts val="400"/>
-              </a:spcBef>
-              <a:spcAft>
-                <a:spcPts val="800"/>
-              </a:spcAft>
-              <a:defRPr sz="2000">
-                <a:solidFill>
-                  <a:srgbClr val="333333"/>
-                </a:solidFill>
-              </a:defRPr>
-            </a:pPr>
-            <a:r>
-              <a:t>Best for: consistent style, specialized vocabulary, behavior</a:t>
-            </a:r>
-          </a:p>
-          <a:p>
-            <a:pPr>
-              <a:spcBef>
-                <a:spcPts val="400"/>
-              </a:spcBef>
-              <a:spcAft>
-                <a:spcPts val="800"/>
-              </a:spcAft>
-              <a:defRPr sz="2000">
-                <a:solidFill>
-                  <a:srgbClr val="333333"/>
-                </a:solidFill>
-              </a:defRPr>
-            </a:pPr>
-            <a:r>
-              <a:t>NOT for: injecting facts (use RAG), general knowledge</a:t>
-            </a:r>
-          </a:p>
-          <a:p>
-            <a:pPr>
-              <a:spcBef>
-                <a:spcPts val="400"/>
-              </a:spcBef>
-              <a:spcAft>
-                <a:spcPts val="800"/>
-              </a:spcAft>
-              <a:defRPr sz="2000">
-                <a:solidFill>
-                  <a:srgbClr val="333333"/>
-                </a:solidFill>
-              </a:defRPr>
-            </a:pPr>
-            <a:r>
-              <a:t>Start with prompting → RAG → fine-tune (last resort)</a:t>
-            </a:r>
-          </a:p>
-        </p:txBody>
-      </p:sp>
     </p:spTree>
   </p:cSld>
   <p:clrMapOvr>
@@ -5233,7 +6979,7 @@
 </p:sld>
 </file>
 
-<file path=ppt/slides/slide13.xml><?xml version="1.0" encoding="utf-8"?>
+<file path=ppt/slides/slide9.xml><?xml version="1.0" encoding="utf-8"?>
 <p:sld xmlns:a="http://schemas.openxmlformats.org/drawingml/2006/main" xmlns:p="http://schemas.openxmlformats.org/presentationml/2006/main" xmlns:r="http://schemas.openxmlformats.org/officeDocument/2006/relationships">
   <p:cSld>
     <p:spTree>
@@ -5252,13 +6998,13 @@
         <p:spPr>
           <a:xfrm>
             <a:off x="0" y="0"/>
-            <a:ext cx="12191695" cy="73152"/>
+            <a:ext cx="12191695" cy="1005840"/>
           </a:xfrm>
           <a:prstGeom prst="rect">
             <a:avLst/>
           </a:prstGeom>
           <a:solidFill>
-            <a:srgbClr val="0096D6"/>
+            <a:srgbClr val="1B2A4A"/>
           </a:solidFill>
           <a:ln>
             <a:noFill/>
@@ -5294,8 +7040,8 @@
         </p:nvSpPr>
         <p:spPr>
           <a:xfrm>
-            <a:off x="731520" y="274320"/>
-            <a:ext cx="10728655" cy="822960"/>
+            <a:off x="731520" y="137160"/>
+            <a:ext cx="10698480" cy="731520"/>
           </a:xfrm>
           <a:prstGeom prst="rect">
             <a:avLst/>
@@ -5308,15 +7054,15 @@
           </a:bodyPr>
           <a:lstStyle/>
           <a:p>
-            <a:pPr algn="l">
-              <a:defRPr sz="3200" b="1">
-                <a:solidFill>
-                  <a:srgbClr val="1B2A4A"/>
-                </a:solidFill>
-              </a:defRPr>
-            </a:pPr>
-            <a:r>
-              <a:t>Hands-On: RAG Pipeline</a:t>
+            <a:pPr>
+              <a:defRPr sz="2800" b="1">
+                <a:solidFill>
+                  <a:srgbClr val="FFFFFF"/>
+                </a:solidFill>
+              </a:defRPr>
+            </a:pPr>
+            <a:r>
+              <a:t>RAG vs Long Context vs Fine-Tuning</a:t>
             </a:r>
           </a:p>
         </p:txBody>
@@ -5329,8 +7075,8 @@
         </p:nvSpPr>
         <p:spPr>
           <a:xfrm>
-            <a:off x="914400" y="1280160"/>
-            <a:ext cx="10362895" cy="5029200"/>
+            <a:off x="731520" y="1280160"/>
+            <a:ext cx="10698480" cy="5029200"/>
           </a:xfrm>
           <a:prstGeom prst="rect">
             <a:avLst/>
@@ -5344,2848 +7090,92 @@
           <a:lstStyle/>
           <a:p>
             <a:pPr>
-              <a:spcBef>
-                <a:spcPts val="400"/>
-              </a:spcBef>
               <a:spcAft>
-                <a:spcPts val="800"/>
+                <a:spcPts val="1000"/>
               </a:spcAft>
-              <a:defRPr sz="2000">
-                <a:solidFill>
-                  <a:srgbClr val="333333"/>
-                </a:solidFill>
-              </a:defRPr>
-            </a:pPr>
-            <a:r>
-              <a:t>rag_pipeline.py — document Q&amp;A with ChromaDB + GPT-4.1</a:t>
-            </a:r>
-          </a:p>
-          <a:p>
-            <a:pPr>
-              <a:spcBef>
-                <a:spcPts val="400"/>
-              </a:spcBef>
+              <a:defRPr sz="2200">
+                <a:solidFill>
+                  <a:srgbClr val="222222"/>
+                </a:solidFill>
+              </a:defRPr>
+            </a:pPr>
+            <a:r>
+              <a:t>RAG: dynamic retrieval, scales to millions of docs</a:t>
+            </a:r>
+          </a:p>
+          <a:p>
+            <a:pPr>
               <a:spcAft>
-                <a:spcPts val="800"/>
+                <a:spcPts val="1000"/>
               </a:spcAft>
-              <a:defRPr sz="2000">
-                <a:solidFill>
-                  <a:srgbClr val="333333"/>
-                </a:solidFill>
-              </a:defRPr>
-            </a:pPr>
-            <a:r>
-              <a:t>Sample docs: employee handbook, product FAQ, engineering standards</a:t>
-            </a:r>
-          </a:p>
-          <a:p>
-            <a:pPr>
-              <a:spcBef>
-                <a:spcPts val="400"/>
-              </a:spcBef>
+              <a:defRPr sz="2200">
+                <a:solidFill>
+                  <a:srgbClr val="222222"/>
+                </a:solidFill>
+              </a:defRPr>
+            </a:pPr>
+            <a:r>
+              <a:t>Long context (200K+ tokens): simpler, but costly per query</a:t>
+            </a:r>
+          </a:p>
+          <a:p>
+            <a:pPr>
               <a:spcAft>
-                <a:spcPts val="800"/>
+                <a:spcPts val="1000"/>
               </a:spcAft>
-              <a:defRPr sz="2000">
-                <a:solidFill>
-                  <a:srgbClr val="333333"/>
-                </a:solidFill>
-              </a:defRPr>
-            </a:pPr>
-            <a:r>
-              <a:t>Chunks → embeds → stores → retrieves → generates with citations</a:t>
-            </a:r>
-          </a:p>
-          <a:p>
-            <a:pPr>
-              <a:spcBef>
-                <a:spcPts val="400"/>
-              </a:spcBef>
+              <a:defRPr sz="2200">
+                <a:solidFill>
+                  <a:srgbClr val="222222"/>
+                </a:solidFill>
+              </a:defRPr>
+            </a:pPr>
+            <a:r>
+              <a:t>Fine-tuning: bakes knowledge into weights, changes behavior</a:t>
+            </a:r>
+          </a:p>
+          <a:p>
+            <a:pPr>
               <a:spcAft>
-                <a:spcPts val="800"/>
+                <a:spcPts val="1000"/>
               </a:spcAft>
-              <a:defRPr sz="2000">
-                <a:solidFill>
-                  <a:srgbClr val="333333"/>
-                </a:solidFill>
-              </a:defRPr>
-            </a:pPr>
-            <a:r>
-              <a:t>Debug mode: see which chunks were retrieved and similarity scores</a:t>
-            </a:r>
-          </a:p>
-          <a:p>
-            <a:pPr>
-              <a:spcBef>
-                <a:spcPts val="400"/>
-              </a:spcBef>
+              <a:defRPr sz="2200">
+                <a:solidFill>
+                  <a:srgbClr val="222222"/>
+                </a:solidFill>
+              </a:defRPr>
+            </a:pPr>
+            <a:r>
+              <a:t>Use RAG when: data changes often, large corpus, need citations</a:t>
+            </a:r>
+          </a:p>
+          <a:p>
+            <a:pPr>
               <a:spcAft>
-                <a:spcPts val="800"/>
+                <a:spcPts val="1000"/>
               </a:spcAft>
-              <a:defRPr sz="2000">
-                <a:solidFill>
-                  <a:srgbClr val="333333"/>
-                </a:solidFill>
-              </a:defRPr>
-            </a:pPr>
-            <a:r>
-              <a:t>Exercise: add your own documents, experiment with chunk sizes</a:t>
-            </a:r>
-          </a:p>
-          <a:p>
-            <a:pPr>
-              <a:spcBef>
-                <a:spcPts val="400"/>
-              </a:spcBef>
+              <a:defRPr sz="2200">
+                <a:solidFill>
+                  <a:srgbClr val="222222"/>
+                </a:solidFill>
+              </a:defRPr>
+            </a:pPr>
+            <a:r>
+              <a:t>Use long context when: small docs, need full understanding</a:t>
+            </a:r>
+          </a:p>
+          <a:p>
+            <a:pPr>
               <a:spcAft>
-                <a:spcPts val="800"/>
+                <a:spcPts val="1000"/>
               </a:spcAft>
-              <a:defRPr sz="2000">
-                <a:solidFill>
-                  <a:srgbClr val="333333"/>
-                </a:solidFill>
-              </a:defRPr>
-            </a:pPr>
-            <a:r>
-              <a:t>Try questions that span multiple documents</a:t>
-            </a:r>
-          </a:p>
-        </p:txBody>
-      </p:sp>
-    </p:spTree>
-  </p:cSld>
-  <p:clrMapOvr>
-    <a:masterClrMapping/>
-  </p:clrMapOvr>
-</p:sld>
-</file>
-
-<file path=ppt/slides/slide14.xml><?xml version="1.0" encoding="utf-8"?>
-<p:sld xmlns:a="http://schemas.openxmlformats.org/drawingml/2006/main" xmlns:p="http://schemas.openxmlformats.org/presentationml/2006/main" xmlns:r="http://schemas.openxmlformats.org/officeDocument/2006/relationships">
-  <p:cSld>
-    <p:spTree>
-      <p:nvGrpSpPr>
-        <p:cNvPr id="1" name=""/>
-        <p:cNvGrpSpPr/>
-        <p:nvPr/>
-      </p:nvGrpSpPr>
-      <p:grpSpPr/>
-      <p:sp>
-        <p:nvSpPr>
-          <p:cNvPr id="2" name="Rectangle 1"/>
-          <p:cNvSpPr/>
-          <p:nvPr/>
-        </p:nvSpPr>
-        <p:spPr>
-          <a:xfrm>
-            <a:off x="0" y="0"/>
-            <a:ext cx="12191695" cy="73152"/>
-          </a:xfrm>
-          <a:prstGeom prst="rect">
-            <a:avLst/>
-          </a:prstGeom>
-          <a:solidFill>
-            <a:srgbClr val="0096D6"/>
-          </a:solidFill>
-          <a:ln>
-            <a:noFill/>
-          </a:ln>
-        </p:spPr>
-        <p:style>
-          <a:lnRef idx="1">
-            <a:schemeClr val="accent1"/>
-          </a:lnRef>
-          <a:fillRef idx="3">
-            <a:schemeClr val="accent1"/>
-          </a:fillRef>
-          <a:effectRef idx="2">
-            <a:schemeClr val="accent1"/>
-          </a:effectRef>
-          <a:fontRef idx="minor">
-            <a:schemeClr val="lt1"/>
-          </a:fontRef>
-        </p:style>
-        <p:txBody>
-          <a:bodyPr rtlCol="0" anchor="ctr"/>
-          <a:lstStyle/>
-          <a:p>
-            <a:pPr algn="ctr"/>
-          </a:p>
-        </p:txBody>
-      </p:sp>
-      <p:sp>
-        <p:nvSpPr>
-          <p:cNvPr id="3" name="TextBox 2"/>
-          <p:cNvSpPr txBox="1"/>
-          <p:nvPr/>
-        </p:nvSpPr>
-        <p:spPr>
-          <a:xfrm>
-            <a:off x="731520" y="274320"/>
-            <a:ext cx="10728655" cy="822960"/>
-          </a:xfrm>
-          <a:prstGeom prst="rect">
-            <a:avLst/>
-          </a:prstGeom>
-          <a:noFill/>
-        </p:spPr>
-        <p:txBody>
-          <a:bodyPr wrap="square">
-            <a:spAutoFit/>
-          </a:bodyPr>
-          <a:lstStyle/>
-          <a:p>
-            <a:pPr algn="l">
-              <a:defRPr sz="3200" b="1">
-                <a:solidFill>
-                  <a:srgbClr val="1B2A4A"/>
-                </a:solidFill>
-              </a:defRPr>
-            </a:pPr>
-            <a:r>
-              <a:t>Key Takeaways — Session 6</a:t>
-            </a:r>
-          </a:p>
-        </p:txBody>
-      </p:sp>
-      <p:sp>
-        <p:nvSpPr>
-          <p:cNvPr id="4" name="TextBox 3"/>
-          <p:cNvSpPr txBox="1"/>
-          <p:nvPr/>
-        </p:nvSpPr>
-        <p:spPr>
-          <a:xfrm>
-            <a:off x="914400" y="1280160"/>
-            <a:ext cx="10362895" cy="5029200"/>
-          </a:xfrm>
-          <a:prstGeom prst="rect">
-            <a:avLst/>
-          </a:prstGeom>
-          <a:noFill/>
-        </p:spPr>
-        <p:txBody>
-          <a:bodyPr wrap="square">
-            <a:spAutoFit/>
-          </a:bodyPr>
-          <a:lstStyle/>
-          <a:p>
-            <a:pPr>
-              <a:spcBef>
-                <a:spcPts val="400"/>
-              </a:spcBef>
-              <a:spcAft>
-                <a:spcPts val="800"/>
-              </a:spcAft>
-              <a:defRPr sz="2000">
-                <a:solidFill>
-                  <a:srgbClr val="333333"/>
-                </a:solidFill>
-              </a:defRPr>
-            </a:pPr>
-            <a:r>
-              <a:t>RAG = retrieve → augment → generate (most common AI pattern)</a:t>
-            </a:r>
-          </a:p>
-          <a:p>
-            <a:pPr>
-              <a:spcBef>
-                <a:spcPts val="400"/>
-              </a:spcBef>
-              <a:spcAft>
-                <a:spcPts val="800"/>
-              </a:spcAft>
-              <a:defRPr sz="2000">
-                <a:solidFill>
-                  <a:srgbClr val="333333"/>
-                </a:solidFill>
-              </a:defRPr>
-            </a:pPr>
-            <a:r>
-              <a:t>Embeddings: text-embedding-3-small for most use cases</a:t>
-            </a:r>
-          </a:p>
-          <a:p>
-            <a:pPr>
-              <a:spcBef>
-                <a:spcPts val="400"/>
-              </a:spcBef>
-              <a:spcAft>
-                <a:spcPts val="800"/>
-              </a:spcAft>
-              <a:defRPr sz="2000">
-                <a:solidFill>
-                  <a:srgbClr val="333333"/>
-                </a:solidFill>
-              </a:defRPr>
-            </a:pPr>
-            <a:r>
-              <a:t>ChromaDB for prototyping, Pinecone/pgvector for production</a:t>
-            </a:r>
-          </a:p>
-          <a:p>
-            <a:pPr>
-              <a:spcBef>
-                <a:spcPts val="400"/>
-              </a:spcBef>
-              <a:spcAft>
-                <a:spcPts val="800"/>
-              </a:spcAft>
-              <a:defRPr sz="2000">
-                <a:solidFill>
-                  <a:srgbClr val="333333"/>
-                </a:solidFill>
-              </a:defRPr>
-            </a:pPr>
-            <a:r>
-              <a:t>Chunk size matters — experiment to find the sweet spot</a:t>
-            </a:r>
-          </a:p>
-          <a:p>
-            <a:pPr>
-              <a:spcBef>
-                <a:spcPts val="400"/>
-              </a:spcBef>
-              <a:spcAft>
-                <a:spcPts val="800"/>
-              </a:spcAft>
-              <a:defRPr sz="2000">
-                <a:solidFill>
-                  <a:srgbClr val="333333"/>
-                </a:solidFill>
-              </a:defRPr>
-            </a:pPr>
-            <a:r>
-              <a:t>Long context windows may eliminate need for RAG on small corpora</a:t>
-            </a:r>
-          </a:p>
-          <a:p>
-            <a:pPr>
-              <a:spcBef>
-                <a:spcPts val="400"/>
-              </a:spcBef>
-              <a:spcAft>
-                <a:spcPts val="800"/>
-              </a:spcAft>
-              <a:defRPr sz="2000">
-                <a:solidFill>
-                  <a:srgbClr val="333333"/>
-                </a:solidFill>
-              </a:defRPr>
-            </a:pPr>
-            <a:r>
-              <a:t>Next session: observability, evals &amp; security</a:t>
-            </a:r>
-          </a:p>
-        </p:txBody>
-      </p:sp>
-    </p:spTree>
-  </p:cSld>
-  <p:clrMapOvr>
-    <a:masterClrMapping/>
-  </p:clrMapOvr>
-</p:sld>
-</file>
-
-<file path=ppt/slides/slide2.xml><?xml version="1.0" encoding="utf-8"?>
-<p:sld xmlns:a="http://schemas.openxmlformats.org/drawingml/2006/main" xmlns:p="http://schemas.openxmlformats.org/presentationml/2006/main" xmlns:r="http://schemas.openxmlformats.org/officeDocument/2006/relationships">
-  <p:cSld>
-    <p:spTree>
-      <p:nvGrpSpPr>
-        <p:cNvPr id="1" name=""/>
-        <p:cNvGrpSpPr/>
-        <p:nvPr/>
-      </p:nvGrpSpPr>
-      <p:grpSpPr/>
-      <p:sp>
-        <p:nvSpPr>
-          <p:cNvPr id="2" name="Rectangle 1"/>
-          <p:cNvSpPr/>
-          <p:nvPr/>
-        </p:nvSpPr>
-        <p:spPr>
-          <a:xfrm>
-            <a:off x="0" y="0"/>
-            <a:ext cx="12191695" cy="73152"/>
-          </a:xfrm>
-          <a:prstGeom prst="rect">
-            <a:avLst/>
-          </a:prstGeom>
-          <a:solidFill>
-            <a:srgbClr val="0096D6"/>
-          </a:solidFill>
-          <a:ln>
-            <a:noFill/>
-          </a:ln>
-        </p:spPr>
-        <p:style>
-          <a:lnRef idx="1">
-            <a:schemeClr val="accent1"/>
-          </a:lnRef>
-          <a:fillRef idx="3">
-            <a:schemeClr val="accent1"/>
-          </a:fillRef>
-          <a:effectRef idx="2">
-            <a:schemeClr val="accent1"/>
-          </a:effectRef>
-          <a:fontRef idx="minor">
-            <a:schemeClr val="lt1"/>
-          </a:fontRef>
-        </p:style>
-        <p:txBody>
-          <a:bodyPr rtlCol="0" anchor="ctr"/>
-          <a:lstStyle/>
-          <a:p>
-            <a:pPr algn="ctr"/>
-          </a:p>
-        </p:txBody>
-      </p:sp>
-      <p:sp>
-        <p:nvSpPr>
-          <p:cNvPr id="3" name="TextBox 2"/>
-          <p:cNvSpPr txBox="1"/>
-          <p:nvPr/>
-        </p:nvSpPr>
-        <p:spPr>
-          <a:xfrm>
-            <a:off x="731520" y="274320"/>
-            <a:ext cx="10728655" cy="822960"/>
-          </a:xfrm>
-          <a:prstGeom prst="rect">
-            <a:avLst/>
-          </a:prstGeom>
-          <a:noFill/>
-        </p:spPr>
-        <p:txBody>
-          <a:bodyPr wrap="square">
-            <a:spAutoFit/>
-          </a:bodyPr>
-          <a:lstStyle/>
-          <a:p>
-            <a:pPr algn="l">
-              <a:defRPr sz="3200" b="1">
-                <a:solidFill>
-                  <a:srgbClr val="1B2A4A"/>
-                </a:solidFill>
-              </a:defRPr>
-            </a:pPr>
-            <a:r>
-              <a:t>Why RAG?</a:t>
-            </a:r>
-          </a:p>
-        </p:txBody>
-      </p:sp>
-      <p:sp>
-        <p:nvSpPr>
-          <p:cNvPr id="4" name="TextBox 3"/>
-          <p:cNvSpPr txBox="1"/>
-          <p:nvPr/>
-        </p:nvSpPr>
-        <p:spPr>
-          <a:xfrm>
-            <a:off x="914400" y="1280160"/>
-            <a:ext cx="10362895" cy="5029200"/>
-          </a:xfrm>
-          <a:prstGeom prst="rect">
-            <a:avLst/>
-          </a:prstGeom>
-          <a:noFill/>
-        </p:spPr>
-        <p:txBody>
-          <a:bodyPr wrap="square">
-            <a:spAutoFit/>
-          </a:bodyPr>
-          <a:lstStyle/>
-          <a:p>
-            <a:pPr>
-              <a:spcBef>
-                <a:spcPts val="400"/>
-              </a:spcBef>
-              <a:spcAft>
-                <a:spcPts val="800"/>
-              </a:spcAft>
-              <a:defRPr sz="2000">
-                <a:solidFill>
-                  <a:srgbClr val="333333"/>
-                </a:solidFill>
-              </a:defRPr>
-            </a:pPr>
-            <a:r>
-              <a:t>LLMs have training cutoffs — they don't know YOUR data</a:t>
-            </a:r>
-          </a:p>
-          <a:p>
-            <a:pPr>
-              <a:spcBef>
-                <a:spcPts val="400"/>
-              </a:spcBef>
-              <a:spcAft>
-                <a:spcPts val="800"/>
-              </a:spcAft>
-              <a:defRPr sz="2000">
-                <a:solidFill>
-                  <a:srgbClr val="333333"/>
-                </a:solidFill>
-              </a:defRPr>
-            </a:pPr>
-            <a:r>
-              <a:t>RAG: retrieve relevant docs → inject into prompt → generate</a:t>
-            </a:r>
-          </a:p>
-          <a:p>
-            <a:pPr>
-              <a:spcBef>
-                <a:spcPts val="400"/>
-              </a:spcBef>
-              <a:spcAft>
-                <a:spcPts val="800"/>
-              </a:spcAft>
-              <a:defRPr sz="2000">
-                <a:solidFill>
-                  <a:srgbClr val="333333"/>
-                </a:solidFill>
-              </a:defRPr>
-            </a:pPr>
-            <a:r>
-              <a:t>Gives the model accurate, up-to-date, domain-specific info</a:t>
-            </a:r>
-          </a:p>
-          <a:p>
-            <a:pPr>
-              <a:spcBef>
-                <a:spcPts val="400"/>
-              </a:spcBef>
-              <a:spcAft>
-                <a:spcPts val="800"/>
-              </a:spcAft>
-              <a:defRPr sz="2000">
-                <a:solidFill>
-                  <a:srgbClr val="333333"/>
-                </a:solidFill>
-              </a:defRPr>
-            </a:pPr>
-            <a:r>
-              <a:t>No model retraining needed — just update your documents</a:t>
-            </a:r>
-          </a:p>
-          <a:p>
-            <a:pPr>
-              <a:spcBef>
-                <a:spcPts val="400"/>
-              </a:spcBef>
-              <a:spcAft>
-                <a:spcPts val="800"/>
-              </a:spcAft>
-              <a:defRPr sz="2000">
-                <a:solidFill>
-                  <a:srgbClr val="333333"/>
-                </a:solidFill>
-              </a:defRPr>
-            </a:pPr>
-            <a:r>
-              <a:t>Most common production AI pattern (80%+ of enterprise apps)</a:t>
-            </a:r>
-          </a:p>
-          <a:p>
-            <a:pPr>
-              <a:spcBef>
-                <a:spcPts val="400"/>
-              </a:spcBef>
-              <a:spcAft>
-                <a:spcPts val="800"/>
-              </a:spcAft>
-              <a:defRPr sz="2000">
-                <a:solidFill>
-                  <a:srgbClr val="333333"/>
-                </a:solidFill>
-              </a:defRPr>
-            </a:pPr>
-            <a:r>
-              <a:t>Alternative to fine-tuning for domain knowledge</a:t>
-            </a:r>
-          </a:p>
-        </p:txBody>
-      </p:sp>
-    </p:spTree>
-  </p:cSld>
-  <p:clrMapOvr>
-    <a:masterClrMapping/>
-  </p:clrMapOvr>
-</p:sld>
-</file>
-
-<file path=ppt/slides/slide3.xml><?xml version="1.0" encoding="utf-8"?>
-<p:sld xmlns:a="http://schemas.openxmlformats.org/drawingml/2006/main" xmlns:p="http://schemas.openxmlformats.org/presentationml/2006/main" xmlns:r="http://schemas.openxmlformats.org/officeDocument/2006/relationships">
-  <p:cSld>
-    <p:spTree>
-      <p:nvGrpSpPr>
-        <p:cNvPr id="1" name=""/>
-        <p:cNvGrpSpPr/>
-        <p:nvPr/>
-      </p:nvGrpSpPr>
-      <p:grpSpPr/>
-      <p:sp>
-        <p:nvSpPr>
-          <p:cNvPr id="2" name="Rectangle 1"/>
-          <p:cNvSpPr/>
-          <p:nvPr/>
-        </p:nvSpPr>
-        <p:spPr>
-          <a:xfrm>
-            <a:off x="0" y="0"/>
-            <a:ext cx="12191695" cy="73152"/>
-          </a:xfrm>
-          <a:prstGeom prst="rect">
-            <a:avLst/>
-          </a:prstGeom>
-          <a:solidFill>
-            <a:srgbClr val="0096D6"/>
-          </a:solidFill>
-          <a:ln>
-            <a:noFill/>
-          </a:ln>
-        </p:spPr>
-        <p:style>
-          <a:lnRef idx="1">
-            <a:schemeClr val="accent1"/>
-          </a:lnRef>
-          <a:fillRef idx="3">
-            <a:schemeClr val="accent1"/>
-          </a:fillRef>
-          <a:effectRef idx="2">
-            <a:schemeClr val="accent1"/>
-          </a:effectRef>
-          <a:fontRef idx="minor">
-            <a:schemeClr val="lt1"/>
-          </a:fontRef>
-        </p:style>
-        <p:txBody>
-          <a:bodyPr rtlCol="0" anchor="ctr"/>
-          <a:lstStyle/>
-          <a:p>
-            <a:pPr algn="ctr"/>
-          </a:p>
-        </p:txBody>
-      </p:sp>
-      <p:sp>
-        <p:nvSpPr>
-          <p:cNvPr id="3" name="TextBox 2"/>
-          <p:cNvSpPr txBox="1"/>
-          <p:nvPr/>
-        </p:nvSpPr>
-        <p:spPr>
-          <a:xfrm>
-            <a:off x="731520" y="274320"/>
-            <a:ext cx="10728655" cy="822960"/>
-          </a:xfrm>
-          <a:prstGeom prst="rect">
-            <a:avLst/>
-          </a:prstGeom>
-          <a:noFill/>
-        </p:spPr>
-        <p:txBody>
-          <a:bodyPr wrap="square">
-            <a:spAutoFit/>
-          </a:bodyPr>
-          <a:lstStyle/>
-          <a:p>
-            <a:pPr algn="l">
-              <a:defRPr sz="3200" b="1">
-                <a:solidFill>
-                  <a:srgbClr val="1B2A4A"/>
-                </a:solidFill>
-              </a:defRPr>
-            </a:pPr>
-            <a:r>
-              <a:t>The RAG Pipeline</a:t>
-            </a:r>
-          </a:p>
-        </p:txBody>
-      </p:sp>
-      <p:sp>
-        <p:nvSpPr>
-          <p:cNvPr id="4" name="TextBox 3"/>
-          <p:cNvSpPr txBox="1"/>
-          <p:nvPr/>
-        </p:nvSpPr>
-        <p:spPr>
-          <a:xfrm>
-            <a:off x="914400" y="1280160"/>
-            <a:ext cx="10362895" cy="5029200"/>
-          </a:xfrm>
-          <a:prstGeom prst="rect">
-            <a:avLst/>
-          </a:prstGeom>
-          <a:noFill/>
-        </p:spPr>
-        <p:txBody>
-          <a:bodyPr wrap="square">
-            <a:spAutoFit/>
-          </a:bodyPr>
-          <a:lstStyle/>
-          <a:p>
-            <a:pPr>
-              <a:spcBef>
-                <a:spcPts val="400"/>
-              </a:spcBef>
-              <a:spcAft>
-                <a:spcPts val="800"/>
-              </a:spcAft>
-              <a:defRPr sz="2000">
-                <a:solidFill>
-                  <a:srgbClr val="333333"/>
-                </a:solidFill>
-              </a:defRPr>
-            </a:pPr>
-            <a:r>
-              <a:t>1. Ingest: load documents (PDF, MD, HTML, DB records)</a:t>
-            </a:r>
-          </a:p>
-          <a:p>
-            <a:pPr>
-              <a:spcBef>
-                <a:spcPts val="400"/>
-              </a:spcBef>
-              <a:spcAft>
-                <a:spcPts val="800"/>
-              </a:spcAft>
-              <a:defRPr sz="2000">
-                <a:solidFill>
-                  <a:srgbClr val="333333"/>
-                </a:solidFill>
-              </a:defRPr>
-            </a:pPr>
-            <a:r>
-              <a:t>2. Chunk: split into smaller pieces (300-500 tokens typical)</a:t>
-            </a:r>
-          </a:p>
-          <a:p>
-            <a:pPr>
-              <a:spcBef>
-                <a:spcPts val="400"/>
-              </a:spcBef>
-              <a:spcAft>
-                <a:spcPts val="800"/>
-              </a:spcAft>
-              <a:defRPr sz="2000">
-                <a:solidFill>
-                  <a:srgbClr val="333333"/>
-                </a:solidFill>
-              </a:defRPr>
-            </a:pPr>
-            <a:r>
-              <a:t>3. Embed: convert chunks to vectors (text-embedding-3-small)</a:t>
-            </a:r>
-          </a:p>
-          <a:p>
-            <a:pPr>
-              <a:spcBef>
-                <a:spcPts val="400"/>
-              </a:spcBef>
-              <a:spcAft>
-                <a:spcPts val="800"/>
-              </a:spcAft>
-              <a:defRPr sz="2000">
-                <a:solidFill>
-                  <a:srgbClr val="333333"/>
-                </a:solidFill>
-              </a:defRPr>
-            </a:pPr>
-            <a:r>
-              <a:t>4. Store: save vectors in a vector database</a:t>
-            </a:r>
-          </a:p>
-          <a:p>
-            <a:pPr>
-              <a:spcBef>
-                <a:spcPts val="400"/>
-              </a:spcBef>
-              <a:spcAft>
-                <a:spcPts val="800"/>
-              </a:spcAft>
-              <a:defRPr sz="2000">
-                <a:solidFill>
-                  <a:srgbClr val="333333"/>
-                </a:solidFill>
-              </a:defRPr>
-            </a:pPr>
-            <a:r>
-              <a:t>5. Query: embed the question, find similar chunks</a:t>
-            </a:r>
-          </a:p>
-          <a:p>
-            <a:pPr>
-              <a:spcBef>
-                <a:spcPts val="400"/>
-              </a:spcBef>
-              <a:spcAft>
-                <a:spcPts val="800"/>
-              </a:spcAft>
-              <a:defRPr sz="2000">
-                <a:solidFill>
-                  <a:srgbClr val="333333"/>
-                </a:solidFill>
-              </a:defRPr>
-            </a:pPr>
-            <a:r>
-              <a:t>6. Generate: pass retrieved chunks + question to LLM</a:t>
-            </a:r>
-          </a:p>
-        </p:txBody>
-      </p:sp>
-    </p:spTree>
-  </p:cSld>
-  <p:clrMapOvr>
-    <a:masterClrMapping/>
-  </p:clrMapOvr>
-</p:sld>
-</file>
-
-<file path=ppt/slides/slide4.xml><?xml version="1.0" encoding="utf-8"?>
-<p:sld xmlns:a="http://schemas.openxmlformats.org/drawingml/2006/main" xmlns:p="http://schemas.openxmlformats.org/presentationml/2006/main" xmlns:r="http://schemas.openxmlformats.org/officeDocument/2006/relationships">
-  <p:cSld>
-    <p:spTree>
-      <p:nvGrpSpPr>
-        <p:cNvPr id="1" name=""/>
-        <p:cNvGrpSpPr/>
-        <p:nvPr/>
-      </p:nvGrpSpPr>
-      <p:grpSpPr/>
-      <p:sp>
-        <p:nvSpPr>
-          <p:cNvPr id="2" name="Rectangle 1"/>
-          <p:cNvSpPr/>
-          <p:nvPr/>
-        </p:nvSpPr>
-        <p:spPr>
-          <a:xfrm>
-            <a:off x="0" y="0"/>
-            <a:ext cx="12191695" cy="73152"/>
-          </a:xfrm>
-          <a:prstGeom prst="rect">
-            <a:avLst/>
-          </a:prstGeom>
-          <a:solidFill>
-            <a:srgbClr val="0096D6"/>
-          </a:solidFill>
-          <a:ln>
-            <a:noFill/>
-          </a:ln>
-        </p:spPr>
-        <p:style>
-          <a:lnRef idx="1">
-            <a:schemeClr val="accent1"/>
-          </a:lnRef>
-          <a:fillRef idx="3">
-            <a:schemeClr val="accent1"/>
-          </a:fillRef>
-          <a:effectRef idx="2">
-            <a:schemeClr val="accent1"/>
-          </a:effectRef>
-          <a:fontRef idx="minor">
-            <a:schemeClr val="lt1"/>
-          </a:fontRef>
-        </p:style>
-        <p:txBody>
-          <a:bodyPr rtlCol="0" anchor="ctr"/>
-          <a:lstStyle/>
-          <a:p>
-            <a:pPr algn="ctr"/>
-          </a:p>
-        </p:txBody>
-      </p:sp>
-      <p:sp>
-        <p:nvSpPr>
-          <p:cNvPr id="3" name="TextBox 2"/>
-          <p:cNvSpPr txBox="1"/>
-          <p:nvPr/>
-        </p:nvSpPr>
-        <p:spPr>
-          <a:xfrm>
-            <a:off x="731520" y="274320"/>
-            <a:ext cx="10728655" cy="822960"/>
-          </a:xfrm>
-          <a:prstGeom prst="rect">
-            <a:avLst/>
-          </a:prstGeom>
-          <a:noFill/>
-        </p:spPr>
-        <p:txBody>
-          <a:bodyPr wrap="square">
-            <a:spAutoFit/>
-          </a:bodyPr>
-          <a:lstStyle/>
-          <a:p>
-            <a:pPr algn="l">
-              <a:defRPr sz="3200" b="1">
-                <a:solidFill>
-                  <a:srgbClr val="1B2A4A"/>
-                </a:solidFill>
-              </a:defRPr>
-            </a:pPr>
-            <a:r>
-              <a:t>Embeddings — Converting Text to Vectors</a:t>
-            </a:r>
-          </a:p>
-        </p:txBody>
-      </p:sp>
-      <p:sp>
-        <p:nvSpPr>
-          <p:cNvPr id="4" name="TextBox 3"/>
-          <p:cNvSpPr txBox="1"/>
-          <p:nvPr/>
-        </p:nvSpPr>
-        <p:spPr>
-          <a:xfrm>
-            <a:off x="914400" y="1280160"/>
-            <a:ext cx="10362895" cy="5029200"/>
-          </a:xfrm>
-          <a:prstGeom prst="rect">
-            <a:avLst/>
-          </a:prstGeom>
-          <a:noFill/>
-        </p:spPr>
-        <p:txBody>
-          <a:bodyPr wrap="square">
-            <a:spAutoFit/>
-          </a:bodyPr>
-          <a:lstStyle/>
-          <a:p>
-            <a:pPr>
-              <a:spcBef>
-                <a:spcPts val="400"/>
-              </a:spcBef>
-              <a:spcAft>
-                <a:spcPts val="800"/>
-              </a:spcAft>
-              <a:defRPr sz="2000">
-                <a:solidFill>
-                  <a:srgbClr val="333333"/>
-                </a:solidFill>
-              </a:defRPr>
-            </a:pPr>
-            <a:r>
-              <a:t>Embedding: text → dense vector (list of floats)</a:t>
-            </a:r>
-          </a:p>
-          <a:p>
-            <a:pPr>
-              <a:spcBef>
-                <a:spcPts val="400"/>
-              </a:spcBef>
-              <a:spcAft>
-                <a:spcPts val="800"/>
-              </a:spcAft>
-              <a:defRPr sz="2000">
-                <a:solidFill>
-                  <a:srgbClr val="333333"/>
-                </a:solidFill>
-              </a:defRPr>
-            </a:pPr>
-            <a:r>
-              <a:t>Similar meanings → similar vectors (cosine similarity)</a:t>
-            </a:r>
-          </a:p>
-          <a:p>
-            <a:pPr>
-              <a:spcBef>
-                <a:spcPts val="400"/>
-              </a:spcBef>
-              <a:spcAft>
-                <a:spcPts val="800"/>
-              </a:spcAft>
-              <a:defRPr sz="2000">
-                <a:solidFill>
-                  <a:srgbClr val="333333"/>
-                </a:solidFill>
-              </a:defRPr>
-            </a:pPr>
-            <a:r>
-              <a:t>text-embedding-3-small: 1536 dims, $0.02/1M tokens</a:t>
-            </a:r>
-          </a:p>
-          <a:p>
-            <a:pPr>
-              <a:spcBef>
-                <a:spcPts val="400"/>
-              </a:spcBef>
-              <a:spcAft>
-                <a:spcPts val="800"/>
-              </a:spcAft>
-              <a:defRPr sz="2000">
-                <a:solidFill>
-                  <a:srgbClr val="333333"/>
-                </a:solidFill>
-              </a:defRPr>
-            </a:pPr>
-            <a:r>
-              <a:t>text-embedding-3-large: 3072 dims, better quality, higher cost</a:t>
-            </a:r>
-          </a:p>
-          <a:p>
-            <a:pPr>
-              <a:spcBef>
-                <a:spcPts val="400"/>
-              </a:spcBef>
-              <a:spcAft>
-                <a:spcPts val="800"/>
-              </a:spcAft>
-              <a:defRPr sz="2000">
-                <a:solidFill>
-                  <a:srgbClr val="333333"/>
-                </a:solidFill>
-              </a:defRPr>
-            </a:pPr>
-            <a:r>
-              <a:t>Also: Cohere Embed, Voyage AI, open-source (BGE, E5)</a:t>
-            </a:r>
-          </a:p>
-          <a:p>
-            <a:pPr>
-              <a:spcBef>
-                <a:spcPts val="400"/>
-              </a:spcBef>
-              <a:spcAft>
-                <a:spcPts val="800"/>
-              </a:spcAft>
-              <a:defRPr sz="2000">
-                <a:solidFill>
-                  <a:srgbClr val="333333"/>
-                </a:solidFill>
-              </a:defRPr>
-            </a:pPr>
-            <a:r>
-              <a:t>Key: use the SAME embedding model for documents and queries</a:t>
-            </a:r>
-          </a:p>
-        </p:txBody>
-      </p:sp>
-    </p:spTree>
-  </p:cSld>
-  <p:clrMapOvr>
-    <a:masterClrMapping/>
-  </p:clrMapOvr>
-</p:sld>
-</file>
-
-<file path=ppt/slides/slide5.xml><?xml version="1.0" encoding="utf-8"?>
-<p:sld xmlns:a="http://schemas.openxmlformats.org/drawingml/2006/main" xmlns:p="http://schemas.openxmlformats.org/presentationml/2006/main" xmlns:r="http://schemas.openxmlformats.org/officeDocument/2006/relationships">
-  <p:cSld>
-    <p:spTree>
-      <p:nvGrpSpPr>
-        <p:cNvPr id="1" name=""/>
-        <p:cNvGrpSpPr/>
-        <p:nvPr/>
-      </p:nvGrpSpPr>
-      <p:grpSpPr/>
-      <p:sp>
-        <p:nvSpPr>
-          <p:cNvPr id="2" name="Rectangle 1"/>
-          <p:cNvSpPr/>
-          <p:nvPr/>
-        </p:nvSpPr>
-        <p:spPr>
-          <a:xfrm>
-            <a:off x="0" y="0"/>
-            <a:ext cx="12191695" cy="73152"/>
-          </a:xfrm>
-          <a:prstGeom prst="rect">
-            <a:avLst/>
-          </a:prstGeom>
-          <a:solidFill>
-            <a:srgbClr val="0096D6"/>
-          </a:solidFill>
-          <a:ln>
-            <a:noFill/>
-          </a:ln>
-        </p:spPr>
-        <p:style>
-          <a:lnRef idx="1">
-            <a:schemeClr val="accent1"/>
-          </a:lnRef>
-          <a:fillRef idx="3">
-            <a:schemeClr val="accent1"/>
-          </a:fillRef>
-          <a:effectRef idx="2">
-            <a:schemeClr val="accent1"/>
-          </a:effectRef>
-          <a:fontRef idx="minor">
-            <a:schemeClr val="lt1"/>
-          </a:fontRef>
-        </p:style>
-        <p:txBody>
-          <a:bodyPr rtlCol="0" anchor="ctr"/>
-          <a:lstStyle/>
-          <a:p>
-            <a:pPr algn="ctr"/>
-          </a:p>
-        </p:txBody>
-      </p:sp>
-      <p:sp>
-        <p:nvSpPr>
-          <p:cNvPr id="3" name="TextBox 2"/>
-          <p:cNvSpPr txBox="1"/>
-          <p:nvPr/>
-        </p:nvSpPr>
-        <p:spPr>
-          <a:xfrm>
-            <a:off x="731520" y="274320"/>
-            <a:ext cx="10728655" cy="731520"/>
-          </a:xfrm>
-          <a:prstGeom prst="rect">
-            <a:avLst/>
-          </a:prstGeom>
-          <a:noFill/>
-        </p:spPr>
-        <p:txBody>
-          <a:bodyPr wrap="none">
-            <a:spAutoFit/>
-          </a:bodyPr>
-          <a:lstStyle/>
-          <a:p>
-            <a:pPr>
-              <a:defRPr sz="2800" b="1">
-                <a:solidFill>
-                  <a:srgbClr val="1B2A4A"/>
-                </a:solidFill>
-              </a:defRPr>
-            </a:pPr>
-            <a:r>
-              <a:t>Generating Embeddings</a:t>
-            </a:r>
-          </a:p>
-        </p:txBody>
-      </p:sp>
-      <p:sp>
-        <p:nvSpPr>
-          <p:cNvPr id="4" name="Rounded Rectangle 3"/>
-          <p:cNvSpPr/>
-          <p:nvPr/>
-        </p:nvSpPr>
-        <p:spPr>
-          <a:xfrm>
-            <a:off x="731520" y="1188720"/>
-            <a:ext cx="10728655" cy="5212080"/>
-          </a:xfrm>
-          <a:prstGeom prst="roundRect">
-            <a:avLst/>
-          </a:prstGeom>
-          <a:solidFill>
-            <a:srgbClr val="F0F0F0"/>
-          </a:solidFill>
-          <a:ln w="12700">
-            <a:solidFill>
-              <a:srgbClr val="DDDDDD"/>
-            </a:solidFill>
-          </a:ln>
-        </p:spPr>
-        <p:style>
-          <a:lnRef idx="1">
-            <a:schemeClr val="accent1"/>
-          </a:lnRef>
-          <a:fillRef idx="3">
-            <a:schemeClr val="accent1"/>
-          </a:fillRef>
-          <a:effectRef idx="2">
-            <a:schemeClr val="accent1"/>
-          </a:effectRef>
-          <a:fontRef idx="minor">
-            <a:schemeClr val="lt1"/>
-          </a:fontRef>
-        </p:style>
-        <p:txBody>
-          <a:bodyPr rtlCol="0" anchor="ctr"/>
-          <a:lstStyle/>
-          <a:p>
-            <a:pPr algn="ctr"/>
-          </a:p>
-        </p:txBody>
-      </p:sp>
-      <p:sp>
-        <p:nvSpPr>
-          <p:cNvPr id="5" name="TextBox 4"/>
-          <p:cNvSpPr txBox="1"/>
-          <p:nvPr/>
-        </p:nvSpPr>
-        <p:spPr>
-          <a:xfrm>
-            <a:off x="822960" y="1234440"/>
-            <a:ext cx="1828800" cy="320040"/>
-          </a:xfrm>
-          <a:prstGeom prst="rect">
-            <a:avLst/>
-          </a:prstGeom>
-          <a:noFill/>
-        </p:spPr>
-        <p:txBody>
-          <a:bodyPr wrap="none">
-            <a:spAutoFit/>
-          </a:bodyPr>
-          <a:lstStyle/>
-          <a:p>
-            <a:pPr>
-              <a:defRPr sz="1100" b="1">
-                <a:solidFill>
-                  <a:srgbClr val="666666"/>
-                </a:solidFill>
-              </a:defRPr>
-            </a:pPr>
-            <a:r>
-              <a:t>python</a:t>
-            </a:r>
-          </a:p>
-        </p:txBody>
-      </p:sp>
-      <p:sp>
-        <p:nvSpPr>
-          <p:cNvPr id="6" name="TextBox 5"/>
-          <p:cNvSpPr txBox="1"/>
-          <p:nvPr/>
-        </p:nvSpPr>
-        <p:spPr>
-          <a:xfrm>
-            <a:off x="914400" y="1554480"/>
-            <a:ext cx="10362895" cy="4754880"/>
-          </a:xfrm>
-          <a:prstGeom prst="rect">
-            <a:avLst/>
-          </a:prstGeom>
-          <a:noFill/>
-        </p:spPr>
-        <p:txBody>
-          <a:bodyPr wrap="square">
-            <a:spAutoFit/>
-          </a:bodyPr>
-          <a:lstStyle/>
-          <a:p>
-            <a:pPr algn="l">
-              <a:defRPr sz="1300">
-                <a:solidFill>
-                  <a:srgbClr val="333333"/>
-                </a:solidFill>
-                <a:latin typeface="Consolas"/>
-              </a:defRPr>
-            </a:pPr>
-            <a:r>
-              <a:t>from openai import OpenAI</a:t>
-            </a:r>
-            <a:br/>
-            <a:r>
-              <a:t>client = OpenAI()</a:t>
-            </a:r>
-            <a:br/>
-            <a:br/>
-            <a:r>
-              <a:t>def embed_text(text: str) -&gt; list[float]:</a:t>
-            </a:r>
-            <a:br/>
-            <a:r>
-              <a:t>    response = client.embeddings.create(</a:t>
-            </a:r>
-            <a:br/>
-            <a:r>
-              <a:t>        model="text-embedding-3-small",</a:t>
-            </a:r>
-            <a:br/>
-            <a:r>
-              <a:t>        input=text,</a:t>
-            </a:r>
-            <a:br/>
-            <a:r>
-              <a:t>    )</a:t>
-            </a:r>
-            <a:br/>
-            <a:r>
-              <a:t>    return response.data[0].embedding</a:t>
-            </a:r>
-            <a:br/>
-            <a:br/>
-            <a:r>
-              <a:t># Embed a document chunk</a:t>
-            </a:r>
-            <a:br/>
-            <a:r>
-              <a:t>doc_vector = embed_text("Employees get 20 days PTO per year")</a:t>
-            </a:r>
-            <a:br/>
-            <a:r>
-              <a:t># Embed a query</a:t>
-            </a:r>
-            <a:br/>
-            <a:r>
-              <a:t>query_vector = embed_text("How much vacation do I get?")</a:t>
-            </a:r>
-            <a:br/>
-            <a:r>
-              <a:t># These vectors will be very similar (high cosine similarity)</a:t>
-            </a:r>
-          </a:p>
-        </p:txBody>
-      </p:sp>
-    </p:spTree>
-  </p:cSld>
-  <p:clrMapOvr>
-    <a:masterClrMapping/>
-  </p:clrMapOvr>
-</p:sld>
-</file>
-
-<file path=ppt/slides/slide6.xml><?xml version="1.0" encoding="utf-8"?>
-<p:sld xmlns:a="http://schemas.openxmlformats.org/drawingml/2006/main" xmlns:p="http://schemas.openxmlformats.org/presentationml/2006/main" xmlns:r="http://schemas.openxmlformats.org/officeDocument/2006/relationships">
-  <p:cSld>
-    <p:spTree>
-      <p:nvGrpSpPr>
-        <p:cNvPr id="1" name=""/>
-        <p:cNvGrpSpPr/>
-        <p:nvPr/>
-      </p:nvGrpSpPr>
-      <p:grpSpPr/>
-      <p:sp>
-        <p:nvSpPr>
-          <p:cNvPr id="2" name="Rectangle 1"/>
-          <p:cNvSpPr/>
-          <p:nvPr/>
-        </p:nvSpPr>
-        <p:spPr>
-          <a:xfrm>
-            <a:off x="0" y="0"/>
-            <a:ext cx="12191695" cy="73152"/>
-          </a:xfrm>
-          <a:prstGeom prst="rect">
-            <a:avLst/>
-          </a:prstGeom>
-          <a:solidFill>
-            <a:srgbClr val="0096D6"/>
-          </a:solidFill>
-          <a:ln>
-            <a:noFill/>
-          </a:ln>
-        </p:spPr>
-        <p:style>
-          <a:lnRef idx="1">
-            <a:schemeClr val="accent1"/>
-          </a:lnRef>
-          <a:fillRef idx="3">
-            <a:schemeClr val="accent1"/>
-          </a:fillRef>
-          <a:effectRef idx="2">
-            <a:schemeClr val="accent1"/>
-          </a:effectRef>
-          <a:fontRef idx="minor">
-            <a:schemeClr val="lt1"/>
-          </a:fontRef>
-        </p:style>
-        <p:txBody>
-          <a:bodyPr rtlCol="0" anchor="ctr"/>
-          <a:lstStyle/>
-          <a:p>
-            <a:pPr algn="ctr"/>
-          </a:p>
-        </p:txBody>
-      </p:sp>
-      <p:sp>
-        <p:nvSpPr>
-          <p:cNvPr id="3" name="TextBox 2"/>
-          <p:cNvSpPr txBox="1"/>
-          <p:nvPr/>
-        </p:nvSpPr>
-        <p:spPr>
-          <a:xfrm>
-            <a:off x="731520" y="274320"/>
-            <a:ext cx="10728655" cy="731520"/>
-          </a:xfrm>
-          <a:prstGeom prst="rect">
-            <a:avLst/>
-          </a:prstGeom>
-          <a:noFill/>
-        </p:spPr>
-        <p:txBody>
-          <a:bodyPr wrap="none">
-            <a:spAutoFit/>
-          </a:bodyPr>
-          <a:lstStyle/>
-          <a:p>
-            <a:pPr>
-              <a:defRPr sz="3200" b="1">
-                <a:solidFill>
-                  <a:srgbClr val="1B2A4A"/>
-                </a:solidFill>
-              </a:defRPr>
-            </a:pPr>
-            <a:r>
-              <a:t>Vector Database Options</a:t>
-            </a:r>
-          </a:p>
-        </p:txBody>
-      </p:sp>
-      <p:graphicFrame>
-        <p:nvGraphicFramePr>
-          <p:cNvPr id="4" name="Table 3"/>
-          <p:cNvGraphicFramePr>
-            <a:graphicFrameLocks noGrp="1"/>
-          </p:cNvGraphicFramePr>
-          <p:nvPr/>
-        </p:nvGraphicFramePr>
-        <p:xfrm>
-          <a:off x="731520" y="1280160"/>
-          <a:ext cx="10728652" cy="2194560"/>
-        </p:xfrm>
-        <a:graphic>
-          <a:graphicData uri="http://schemas.openxmlformats.org/drawingml/2006/table">
-            <a:tbl>
-              <a:tblPr firstRow="1" bandRow="1">
-                <a:tableStyleId>{5C22544A-7EE6-4342-B048-85BDC9FD1C3A}</a:tableStyleId>
-              </a:tblPr>
-              <a:tblGrid>
-                <a:gridCol w="2682163"/>
-                <a:gridCol w="2682163"/>
-                <a:gridCol w="2682163"/>
-                <a:gridCol w="2682163"/>
-              </a:tblGrid>
-              <a:tr h="365760">
-                <a:tc>
-                  <a:txBody>
-                    <a:bodyPr/>
-                    <a:lstStyle/>
-                    <a:p>
-                      <a:pPr algn="ctr">
-                        <a:defRPr sz="1400" b="1">
-                          <a:solidFill>
-                            <a:srgbClr val="FFFFFF"/>
-                          </a:solidFill>
-                        </a:defRPr>
-                      </a:pPr>
-                      <a:r>
-                        <a:t>Database</a:t>
-                      </a:r>
-                    </a:p>
-                  </a:txBody>
-                  <a:tcPr>
-                    <a:solidFill>
-                      <a:srgbClr val="1B2A4A"/>
-                    </a:solidFill>
-                  </a:tcPr>
-                </a:tc>
-                <a:tc>
-                  <a:txBody>
-                    <a:bodyPr/>
-                    <a:lstStyle/>
-                    <a:p>
-                      <a:pPr algn="ctr">
-                        <a:defRPr sz="1400" b="1">
-                          <a:solidFill>
-                            <a:srgbClr val="FFFFFF"/>
-                          </a:solidFill>
-                        </a:defRPr>
-                      </a:pPr>
-                      <a:r>
-                        <a:t>Type</a:t>
-                      </a:r>
-                    </a:p>
-                  </a:txBody>
-                  <a:tcPr>
-                    <a:solidFill>
-                      <a:srgbClr val="1B2A4A"/>
-                    </a:solidFill>
-                  </a:tcPr>
-                </a:tc>
-                <a:tc>
-                  <a:txBody>
-                    <a:bodyPr/>
-                    <a:lstStyle/>
-                    <a:p>
-                      <a:pPr algn="ctr">
-                        <a:defRPr sz="1400" b="1">
-                          <a:solidFill>
-                            <a:srgbClr val="FFFFFF"/>
-                          </a:solidFill>
-                        </a:defRPr>
-                      </a:pPr>
-                      <a:r>
-                        <a:t>Best For</a:t>
-                      </a:r>
-                    </a:p>
-                  </a:txBody>
-                  <a:tcPr>
-                    <a:solidFill>
-                      <a:srgbClr val="1B2A4A"/>
-                    </a:solidFill>
-                  </a:tcPr>
-                </a:tc>
-                <a:tc>
-                  <a:txBody>
-                    <a:bodyPr/>
-                    <a:lstStyle/>
-                    <a:p>
-                      <a:pPr algn="ctr">
-                        <a:defRPr sz="1400" b="1">
-                          <a:solidFill>
-                            <a:srgbClr val="FFFFFF"/>
-                          </a:solidFill>
-                        </a:defRPr>
-                      </a:pPr>
-                      <a:r>
-                        <a:t>Pricing</a:t>
-                      </a:r>
-                    </a:p>
-                  </a:txBody>
-                  <a:tcPr>
-                    <a:solidFill>
-                      <a:srgbClr val="1B2A4A"/>
-                    </a:solidFill>
-                  </a:tcPr>
-                </a:tc>
-              </a:tr>
-              <a:tr h="365760">
-                <a:tc>
-                  <a:txBody>
-                    <a:bodyPr/>
-                    <a:lstStyle/>
-                    <a:p>
-                      <a:pPr algn="ctr">
-                        <a:defRPr sz="1300">
-                          <a:solidFill>
-                            <a:srgbClr val="333333"/>
-                          </a:solidFill>
-                        </a:defRPr>
-                      </a:pPr>
-                      <a:r>
-                        <a:t>ChromaDB</a:t>
-                      </a:r>
-                    </a:p>
-                  </a:txBody>
-                  <a:tcPr/>
-                </a:tc>
-                <a:tc>
-                  <a:txBody>
-                    <a:bodyPr/>
-                    <a:lstStyle/>
-                    <a:p>
-                      <a:pPr algn="ctr">
-                        <a:defRPr sz="1300">
-                          <a:solidFill>
-                            <a:srgbClr val="333333"/>
-                          </a:solidFill>
-                        </a:defRPr>
-                      </a:pPr>
-                      <a:r>
-                        <a:t>Embedded / local</a:t>
-                      </a:r>
-                    </a:p>
-                  </a:txBody>
-                  <a:tcPr/>
-                </a:tc>
-                <a:tc>
-                  <a:txBody>
-                    <a:bodyPr/>
-                    <a:lstStyle/>
-                    <a:p>
-                      <a:pPr algn="ctr">
-                        <a:defRPr sz="1300">
-                          <a:solidFill>
-                            <a:srgbClr val="333333"/>
-                          </a:solidFill>
-                        </a:defRPr>
-                      </a:pPr>
-                      <a:r>
-                        <a:t>Prototyping, small datasets</a:t>
-                      </a:r>
-                    </a:p>
-                  </a:txBody>
-                  <a:tcPr/>
-                </a:tc>
-                <a:tc>
-                  <a:txBody>
-                    <a:bodyPr/>
-                    <a:lstStyle/>
-                    <a:p>
-                      <a:pPr algn="ctr">
-                        <a:defRPr sz="1300">
-                          <a:solidFill>
-                            <a:srgbClr val="333333"/>
-                          </a:solidFill>
-                        </a:defRPr>
-                      </a:pPr>
-                      <a:r>
-                        <a:t>Free (open source)</a:t>
-                      </a:r>
-                    </a:p>
-                  </a:txBody>
-                  <a:tcPr/>
-                </a:tc>
-              </a:tr>
-              <a:tr h="365760">
-                <a:tc>
-                  <a:txBody>
-                    <a:bodyPr/>
-                    <a:lstStyle/>
-                    <a:p>
-                      <a:pPr algn="ctr">
-                        <a:defRPr sz="1300">
-                          <a:solidFill>
-                            <a:srgbClr val="333333"/>
-                          </a:solidFill>
-                        </a:defRPr>
-                      </a:pPr>
-                      <a:r>
-                        <a:t>Pinecone</a:t>
-                      </a:r>
-                    </a:p>
-                  </a:txBody>
-                  <a:tcPr>
-                    <a:solidFill>
-                      <a:srgbClr val="F5F7FA"/>
-                    </a:solidFill>
-                  </a:tcPr>
-                </a:tc>
-                <a:tc>
-                  <a:txBody>
-                    <a:bodyPr/>
-                    <a:lstStyle/>
-                    <a:p>
-                      <a:pPr algn="ctr">
-                        <a:defRPr sz="1300">
-                          <a:solidFill>
-                            <a:srgbClr val="333333"/>
-                          </a:solidFill>
-                        </a:defRPr>
-                      </a:pPr>
-                      <a:r>
-                        <a:t>Managed cloud</a:t>
-                      </a:r>
-                    </a:p>
-                  </a:txBody>
-                  <a:tcPr>
-                    <a:solidFill>
-                      <a:srgbClr val="F5F7FA"/>
-                    </a:solidFill>
-                  </a:tcPr>
-                </a:tc>
-                <a:tc>
-                  <a:txBody>
-                    <a:bodyPr/>
-                    <a:lstStyle/>
-                    <a:p>
-                      <a:pPr algn="ctr">
-                        <a:defRPr sz="1300">
-                          <a:solidFill>
-                            <a:srgbClr val="333333"/>
-                          </a:solidFill>
-                        </a:defRPr>
-                      </a:pPr>
-                      <a:r>
-                        <a:t>Production, zero-ops</a:t>
-                      </a:r>
-                    </a:p>
-                  </a:txBody>
-                  <a:tcPr>
-                    <a:solidFill>
-                      <a:srgbClr val="F5F7FA"/>
-                    </a:solidFill>
-                  </a:tcPr>
-                </a:tc>
-                <a:tc>
-                  <a:txBody>
-                    <a:bodyPr/>
-                    <a:lstStyle/>
-                    <a:p>
-                      <a:pPr algn="ctr">
-                        <a:defRPr sz="1300">
-                          <a:solidFill>
-                            <a:srgbClr val="333333"/>
-                          </a:solidFill>
-                        </a:defRPr>
-                      </a:pPr>
-                      <a:r>
-                        <a:t>$0.33/hr+</a:t>
-                      </a:r>
-                    </a:p>
-                  </a:txBody>
-                  <a:tcPr>
-                    <a:solidFill>
-                      <a:srgbClr val="F5F7FA"/>
-                    </a:solidFill>
-                  </a:tcPr>
-                </a:tc>
-              </a:tr>
-              <a:tr h="365760">
-                <a:tc>
-                  <a:txBody>
-                    <a:bodyPr/>
-                    <a:lstStyle/>
-                    <a:p>
-                      <a:pPr algn="ctr">
-                        <a:defRPr sz="1300">
-                          <a:solidFill>
-                            <a:srgbClr val="333333"/>
-                          </a:solidFill>
-                        </a:defRPr>
-                      </a:pPr>
-                      <a:r>
-                        <a:t>pgvector</a:t>
-                      </a:r>
-                    </a:p>
-                  </a:txBody>
-                  <a:tcPr/>
-                </a:tc>
-                <a:tc>
-                  <a:txBody>
-                    <a:bodyPr/>
-                    <a:lstStyle/>
-                    <a:p>
-                      <a:pPr algn="ctr">
-                        <a:defRPr sz="1300">
-                          <a:solidFill>
-                            <a:srgbClr val="333333"/>
-                          </a:solidFill>
-                        </a:defRPr>
-                      </a:pPr>
-                      <a:r>
-                        <a:t>Postgres extension</a:t>
-                      </a:r>
-                    </a:p>
-                  </a:txBody>
-                  <a:tcPr/>
-                </a:tc>
-                <a:tc>
-                  <a:txBody>
-                    <a:bodyPr/>
-                    <a:lstStyle/>
-                    <a:p>
-                      <a:pPr algn="ctr">
-                        <a:defRPr sz="1300">
-                          <a:solidFill>
-                            <a:srgbClr val="333333"/>
-                          </a:solidFill>
-                        </a:defRPr>
-                      </a:pPr>
-                      <a:r>
-                        <a:t>Existing Postgres users</a:t>
-                      </a:r>
-                    </a:p>
-                  </a:txBody>
-                  <a:tcPr/>
-                </a:tc>
-                <a:tc>
-                  <a:txBody>
-                    <a:bodyPr/>
-                    <a:lstStyle/>
-                    <a:p>
-                      <a:pPr algn="ctr">
-                        <a:defRPr sz="1300">
-                          <a:solidFill>
-                            <a:srgbClr val="333333"/>
-                          </a:solidFill>
-                        </a:defRPr>
-                      </a:pPr>
-                      <a:r>
-                        <a:t>Free (ext)</a:t>
-                      </a:r>
-                    </a:p>
-                  </a:txBody>
-                  <a:tcPr/>
-                </a:tc>
-              </a:tr>
-              <a:tr h="365760">
-                <a:tc>
-                  <a:txBody>
-                    <a:bodyPr/>
-                    <a:lstStyle/>
-                    <a:p>
-                      <a:pPr algn="ctr">
-                        <a:defRPr sz="1300">
-                          <a:solidFill>
-                            <a:srgbClr val="333333"/>
-                          </a:solidFill>
-                        </a:defRPr>
-                      </a:pPr>
-                      <a:r>
-                        <a:t>Weaviate</a:t>
-                      </a:r>
-                    </a:p>
-                  </a:txBody>
-                  <a:tcPr>
-                    <a:solidFill>
-                      <a:srgbClr val="F5F7FA"/>
-                    </a:solidFill>
-                  </a:tcPr>
-                </a:tc>
-                <a:tc>
-                  <a:txBody>
-                    <a:bodyPr/>
-                    <a:lstStyle/>
-                    <a:p>
-                      <a:pPr algn="ctr">
-                        <a:defRPr sz="1300">
-                          <a:solidFill>
-                            <a:srgbClr val="333333"/>
-                          </a:solidFill>
-                        </a:defRPr>
-                      </a:pPr>
-                      <a:r>
-                        <a:t>Self-hosted / cloud</a:t>
-                      </a:r>
-                    </a:p>
-                  </a:txBody>
-                  <a:tcPr>
-                    <a:solidFill>
-                      <a:srgbClr val="F5F7FA"/>
-                    </a:solidFill>
-                  </a:tcPr>
-                </a:tc>
-                <a:tc>
-                  <a:txBody>
-                    <a:bodyPr/>
-                    <a:lstStyle/>
-                    <a:p>
-                      <a:pPr algn="ctr">
-                        <a:defRPr sz="1300">
-                          <a:solidFill>
-                            <a:srgbClr val="333333"/>
-                          </a:solidFill>
-                        </a:defRPr>
-                      </a:pPr>
-                      <a:r>
-                        <a:t>Multi-modal search</a:t>
-                      </a:r>
-                    </a:p>
-                  </a:txBody>
-                  <a:tcPr>
-                    <a:solidFill>
-                      <a:srgbClr val="F5F7FA"/>
-                    </a:solidFill>
-                  </a:tcPr>
-                </a:tc>
-                <a:tc>
-                  <a:txBody>
-                    <a:bodyPr/>
-                    <a:lstStyle/>
-                    <a:p>
-                      <a:pPr algn="ctr">
-                        <a:defRPr sz="1300">
-                          <a:solidFill>
-                            <a:srgbClr val="333333"/>
-                          </a:solidFill>
-                        </a:defRPr>
-                      </a:pPr>
-                      <a:r>
-                        <a:t>Free / managed</a:t>
-                      </a:r>
-                    </a:p>
-                  </a:txBody>
-                  <a:tcPr>
-                    <a:solidFill>
-                      <a:srgbClr val="F5F7FA"/>
-                    </a:solidFill>
-                  </a:tcPr>
-                </a:tc>
-              </a:tr>
-              <a:tr h="365760">
-                <a:tc>
-                  <a:txBody>
-                    <a:bodyPr/>
-                    <a:lstStyle/>
-                    <a:p>
-                      <a:pPr algn="ctr">
-                        <a:defRPr sz="1300">
-                          <a:solidFill>
-                            <a:srgbClr val="333333"/>
-                          </a:solidFill>
-                        </a:defRPr>
-                      </a:pPr>
-                      <a:r>
-                        <a:t>Qdrant</a:t>
-                      </a:r>
-                    </a:p>
-                  </a:txBody>
-                  <a:tcPr/>
-                </a:tc>
-                <a:tc>
-                  <a:txBody>
-                    <a:bodyPr/>
-                    <a:lstStyle/>
-                    <a:p>
-                      <a:pPr algn="ctr">
-                        <a:defRPr sz="1300">
-                          <a:solidFill>
-                            <a:srgbClr val="333333"/>
-                          </a:solidFill>
-                        </a:defRPr>
-                      </a:pPr>
-                      <a:r>
-                        <a:t>Self-hosted / cloud</a:t>
-                      </a:r>
-                    </a:p>
-                  </a:txBody>
-                  <a:tcPr/>
-                </a:tc>
-                <a:tc>
-                  <a:txBody>
-                    <a:bodyPr/>
-                    <a:lstStyle/>
-                    <a:p>
-                      <a:pPr algn="ctr">
-                        <a:defRPr sz="1300">
-                          <a:solidFill>
-                            <a:srgbClr val="333333"/>
-                          </a:solidFill>
-                        </a:defRPr>
-                      </a:pPr>
-                      <a:r>
-                        <a:t>High performance</a:t>
-                      </a:r>
-                    </a:p>
-                  </a:txBody>
-                  <a:tcPr/>
-                </a:tc>
-                <a:tc>
-                  <a:txBody>
-                    <a:bodyPr/>
-                    <a:lstStyle/>
-                    <a:p>
-                      <a:pPr algn="ctr">
-                        <a:defRPr sz="1300">
-                          <a:solidFill>
-                            <a:srgbClr val="333333"/>
-                          </a:solidFill>
-                        </a:defRPr>
-                      </a:pPr>
-                      <a:r>
-                        <a:t>Free / managed</a:t>
-                      </a:r>
-                    </a:p>
-                  </a:txBody>
-                  <a:tcPr/>
-                </a:tc>
-              </a:tr>
-            </a:tbl>
-          </a:graphicData>
-        </a:graphic>
-      </p:graphicFrame>
-    </p:spTree>
-  </p:cSld>
-  <p:clrMapOvr>
-    <a:masterClrMapping/>
-  </p:clrMapOvr>
-</p:sld>
-</file>
-
-<file path=ppt/slides/slide7.xml><?xml version="1.0" encoding="utf-8"?>
-<p:sld xmlns:a="http://schemas.openxmlformats.org/drawingml/2006/main" xmlns:p="http://schemas.openxmlformats.org/presentationml/2006/main" xmlns:r="http://schemas.openxmlformats.org/officeDocument/2006/relationships">
-  <p:cSld>
-    <p:spTree>
-      <p:nvGrpSpPr>
-        <p:cNvPr id="1" name=""/>
-        <p:cNvGrpSpPr/>
-        <p:nvPr/>
-      </p:nvGrpSpPr>
-      <p:grpSpPr/>
-      <p:sp>
-        <p:nvSpPr>
-          <p:cNvPr id="2" name="Rectangle 1"/>
-          <p:cNvSpPr/>
-          <p:nvPr/>
-        </p:nvSpPr>
-        <p:spPr>
-          <a:xfrm>
-            <a:off x="0" y="0"/>
-            <a:ext cx="12191695" cy="73152"/>
-          </a:xfrm>
-          <a:prstGeom prst="rect">
-            <a:avLst/>
-          </a:prstGeom>
-          <a:solidFill>
-            <a:srgbClr val="0096D6"/>
-          </a:solidFill>
-          <a:ln>
-            <a:noFill/>
-          </a:ln>
-        </p:spPr>
-        <p:style>
-          <a:lnRef idx="1">
-            <a:schemeClr val="accent1"/>
-          </a:lnRef>
-          <a:fillRef idx="3">
-            <a:schemeClr val="accent1"/>
-          </a:fillRef>
-          <a:effectRef idx="2">
-            <a:schemeClr val="accent1"/>
-          </a:effectRef>
-          <a:fontRef idx="minor">
-            <a:schemeClr val="lt1"/>
-          </a:fontRef>
-        </p:style>
-        <p:txBody>
-          <a:bodyPr rtlCol="0" anchor="ctr"/>
-          <a:lstStyle/>
-          <a:p>
-            <a:pPr algn="ctr"/>
-          </a:p>
-        </p:txBody>
-      </p:sp>
-      <p:sp>
-        <p:nvSpPr>
-          <p:cNvPr id="3" name="TextBox 2"/>
-          <p:cNvSpPr txBox="1"/>
-          <p:nvPr/>
-        </p:nvSpPr>
-        <p:spPr>
-          <a:xfrm>
-            <a:off x="731520" y="274320"/>
-            <a:ext cx="10728655" cy="731520"/>
-          </a:xfrm>
-          <a:prstGeom prst="rect">
-            <a:avLst/>
-          </a:prstGeom>
-          <a:noFill/>
-        </p:spPr>
-        <p:txBody>
-          <a:bodyPr wrap="none">
-            <a:spAutoFit/>
-          </a:bodyPr>
-          <a:lstStyle/>
-          <a:p>
-            <a:pPr>
-              <a:defRPr sz="2800" b="1">
-                <a:solidFill>
-                  <a:srgbClr val="1B2A4A"/>
-                </a:solidFill>
-              </a:defRPr>
-            </a:pPr>
-            <a:r>
-              <a:t>ChromaDB — Store &amp; Query</a:t>
-            </a:r>
-          </a:p>
-        </p:txBody>
-      </p:sp>
-      <p:sp>
-        <p:nvSpPr>
-          <p:cNvPr id="4" name="Rounded Rectangle 3"/>
-          <p:cNvSpPr/>
-          <p:nvPr/>
-        </p:nvSpPr>
-        <p:spPr>
-          <a:xfrm>
-            <a:off x="731520" y="1188720"/>
-            <a:ext cx="10728655" cy="5212080"/>
-          </a:xfrm>
-          <a:prstGeom prst="roundRect">
-            <a:avLst/>
-          </a:prstGeom>
-          <a:solidFill>
-            <a:srgbClr val="F0F0F0"/>
-          </a:solidFill>
-          <a:ln w="12700">
-            <a:solidFill>
-              <a:srgbClr val="DDDDDD"/>
-            </a:solidFill>
-          </a:ln>
-        </p:spPr>
-        <p:style>
-          <a:lnRef idx="1">
-            <a:schemeClr val="accent1"/>
-          </a:lnRef>
-          <a:fillRef idx="3">
-            <a:schemeClr val="accent1"/>
-          </a:fillRef>
-          <a:effectRef idx="2">
-            <a:schemeClr val="accent1"/>
-          </a:effectRef>
-          <a:fontRef idx="minor">
-            <a:schemeClr val="lt1"/>
-          </a:fontRef>
-        </p:style>
-        <p:txBody>
-          <a:bodyPr rtlCol="0" anchor="ctr"/>
-          <a:lstStyle/>
-          <a:p>
-            <a:pPr algn="ctr"/>
-          </a:p>
-        </p:txBody>
-      </p:sp>
-      <p:sp>
-        <p:nvSpPr>
-          <p:cNvPr id="5" name="TextBox 4"/>
-          <p:cNvSpPr txBox="1"/>
-          <p:nvPr/>
-        </p:nvSpPr>
-        <p:spPr>
-          <a:xfrm>
-            <a:off x="822960" y="1234440"/>
-            <a:ext cx="1828800" cy="320040"/>
-          </a:xfrm>
-          <a:prstGeom prst="rect">
-            <a:avLst/>
-          </a:prstGeom>
-          <a:noFill/>
-        </p:spPr>
-        <p:txBody>
-          <a:bodyPr wrap="none">
-            <a:spAutoFit/>
-          </a:bodyPr>
-          <a:lstStyle/>
-          <a:p>
-            <a:pPr>
-              <a:defRPr sz="1100" b="1">
-                <a:solidFill>
-                  <a:srgbClr val="666666"/>
-                </a:solidFill>
-              </a:defRPr>
-            </a:pPr>
-            <a:r>
-              <a:t>python</a:t>
-            </a:r>
-          </a:p>
-        </p:txBody>
-      </p:sp>
-      <p:sp>
-        <p:nvSpPr>
-          <p:cNvPr id="6" name="TextBox 5"/>
-          <p:cNvSpPr txBox="1"/>
-          <p:nvPr/>
-        </p:nvSpPr>
-        <p:spPr>
-          <a:xfrm>
-            <a:off x="914400" y="1554480"/>
-            <a:ext cx="10362895" cy="4754880"/>
-          </a:xfrm>
-          <a:prstGeom prst="rect">
-            <a:avLst/>
-          </a:prstGeom>
-          <a:noFill/>
-        </p:spPr>
-        <p:txBody>
-          <a:bodyPr wrap="square">
-            <a:spAutoFit/>
-          </a:bodyPr>
-          <a:lstStyle/>
-          <a:p>
-            <a:pPr algn="l">
-              <a:defRPr sz="1300">
-                <a:solidFill>
-                  <a:srgbClr val="333333"/>
-                </a:solidFill>
-                <a:latin typeface="Consolas"/>
-              </a:defRPr>
-            </a:pPr>
-            <a:r>
-              <a:t>import chromadb</a:t>
-            </a:r>
-            <a:br/>
-            <a:r>
-              <a:t>chroma = chromadb.Client()  # In-memory for demo</a:t>
-            </a:r>
-            <a:br/>
-            <a:br/>
-            <a:r>
-              <a:t>collection = chroma.create_collection("docs",</a:t>
-            </a:r>
-            <a:br/>
-            <a:r>
-              <a:t>    metadata={"hnsw:space": "cosine"})</a:t>
-            </a:r>
-            <a:br/>
-            <a:br/>
-            <a:r>
-              <a:t># Store chunks with embeddings</a:t>
-            </a:r>
-            <a:br/>
-            <a:r>
-              <a:t>collection.add(</a:t>
-            </a:r>
-            <a:br/>
-            <a:r>
-              <a:t>    ids=["chunk_1", "chunk_2"],</a:t>
-            </a:r>
-            <a:br/>
-            <a:r>
-              <a:t>    embeddings=[embed_text(chunk1), embed_text(chunk2)],</a:t>
-            </a:r>
-            <a:br/>
-            <a:r>
-              <a:t>    documents=[chunk1, chunk2],</a:t>
-            </a:r>
-            <a:br/>
-            <a:r>
-              <a:t>    metadatas=[{"source": "handbook.md"}, {"source": "faq.md"}],</a:t>
-            </a:r>
-            <a:br/>
-            <a:r>
-              <a:t>)</a:t>
-            </a:r>
-            <a:br/>
-            <a:br/>
-            <a:r>
-              <a:t># Query</a:t>
-            </a:r>
-            <a:br/>
-            <a:r>
-              <a:t>results = collection.query(</a:t>
-            </a:r>
-            <a:br/>
-            <a:r>
-              <a:t>    query_embeddings=[embed_text("vacation policy")],</a:t>
-            </a:r>
-            <a:br/>
-            <a:r>
-              <a:t>    n_results=3,</a:t>
-            </a:r>
-            <a:br/>
-            <a:r>
-              <a:t>)</a:t>
-            </a:r>
-          </a:p>
-        </p:txBody>
-      </p:sp>
-    </p:spTree>
-  </p:cSld>
-  <p:clrMapOvr>
-    <a:masterClrMapping/>
-  </p:clrMapOvr>
-</p:sld>
-</file>
-
-<file path=ppt/slides/slide8.xml><?xml version="1.0" encoding="utf-8"?>
-<p:sld xmlns:a="http://schemas.openxmlformats.org/drawingml/2006/main" xmlns:p="http://schemas.openxmlformats.org/presentationml/2006/main" xmlns:r="http://schemas.openxmlformats.org/officeDocument/2006/relationships">
-  <p:cSld>
-    <p:spTree>
-      <p:nvGrpSpPr>
-        <p:cNvPr id="1" name=""/>
-        <p:cNvGrpSpPr/>
-        <p:nvPr/>
-      </p:nvGrpSpPr>
-      <p:grpSpPr/>
-      <p:sp>
-        <p:nvSpPr>
-          <p:cNvPr id="2" name="Rectangle 1"/>
-          <p:cNvSpPr/>
-          <p:nvPr/>
-        </p:nvSpPr>
-        <p:spPr>
-          <a:xfrm>
-            <a:off x="0" y="0"/>
-            <a:ext cx="12191695" cy="73152"/>
-          </a:xfrm>
-          <a:prstGeom prst="rect">
-            <a:avLst/>
-          </a:prstGeom>
-          <a:solidFill>
-            <a:srgbClr val="0096D6"/>
-          </a:solidFill>
-          <a:ln>
-            <a:noFill/>
-          </a:ln>
-        </p:spPr>
-        <p:style>
-          <a:lnRef idx="1">
-            <a:schemeClr val="accent1"/>
-          </a:lnRef>
-          <a:fillRef idx="3">
-            <a:schemeClr val="accent1"/>
-          </a:fillRef>
-          <a:effectRef idx="2">
-            <a:schemeClr val="accent1"/>
-          </a:effectRef>
-          <a:fontRef idx="minor">
-            <a:schemeClr val="lt1"/>
-          </a:fontRef>
-        </p:style>
-        <p:txBody>
-          <a:bodyPr rtlCol="0" anchor="ctr"/>
-          <a:lstStyle/>
-          <a:p>
-            <a:pPr algn="ctr"/>
-          </a:p>
-        </p:txBody>
-      </p:sp>
-      <p:sp>
-        <p:nvSpPr>
-          <p:cNvPr id="3" name="TextBox 2"/>
-          <p:cNvSpPr txBox="1"/>
-          <p:nvPr/>
-        </p:nvSpPr>
-        <p:spPr>
-          <a:xfrm>
-            <a:off x="731520" y="274320"/>
-            <a:ext cx="10728655" cy="731520"/>
-          </a:xfrm>
-          <a:prstGeom prst="rect">
-            <a:avLst/>
-          </a:prstGeom>
-          <a:noFill/>
-        </p:spPr>
-        <p:txBody>
-          <a:bodyPr wrap="none">
-            <a:spAutoFit/>
-          </a:bodyPr>
-          <a:lstStyle/>
-          <a:p>
-            <a:pPr>
-              <a:defRPr sz="2800" b="1">
-                <a:solidFill>
-                  <a:srgbClr val="1B2A4A"/>
-                </a:solidFill>
-              </a:defRPr>
-            </a:pPr>
-            <a:r>
-              <a:t>RAG Generation — Putting It Together</a:t>
-            </a:r>
-          </a:p>
-        </p:txBody>
-      </p:sp>
-      <p:sp>
-        <p:nvSpPr>
-          <p:cNvPr id="4" name="Rounded Rectangle 3"/>
-          <p:cNvSpPr/>
-          <p:nvPr/>
-        </p:nvSpPr>
-        <p:spPr>
-          <a:xfrm>
-            <a:off x="731520" y="1188720"/>
-            <a:ext cx="10728655" cy="5212080"/>
-          </a:xfrm>
-          <a:prstGeom prst="roundRect">
-            <a:avLst/>
-          </a:prstGeom>
-          <a:solidFill>
-            <a:srgbClr val="F0F0F0"/>
-          </a:solidFill>
-          <a:ln w="12700">
-            <a:solidFill>
-              <a:srgbClr val="DDDDDD"/>
-            </a:solidFill>
-          </a:ln>
-        </p:spPr>
-        <p:style>
-          <a:lnRef idx="1">
-            <a:schemeClr val="accent1"/>
-          </a:lnRef>
-          <a:fillRef idx="3">
-            <a:schemeClr val="accent1"/>
-          </a:fillRef>
-          <a:effectRef idx="2">
-            <a:schemeClr val="accent1"/>
-          </a:effectRef>
-          <a:fontRef idx="minor">
-            <a:schemeClr val="lt1"/>
-          </a:fontRef>
-        </p:style>
-        <p:txBody>
-          <a:bodyPr rtlCol="0" anchor="ctr"/>
-          <a:lstStyle/>
-          <a:p>
-            <a:pPr algn="ctr"/>
-          </a:p>
-        </p:txBody>
-      </p:sp>
-      <p:sp>
-        <p:nvSpPr>
-          <p:cNvPr id="5" name="TextBox 4"/>
-          <p:cNvSpPr txBox="1"/>
-          <p:nvPr/>
-        </p:nvSpPr>
-        <p:spPr>
-          <a:xfrm>
-            <a:off x="822960" y="1234440"/>
-            <a:ext cx="1828800" cy="320040"/>
-          </a:xfrm>
-          <a:prstGeom prst="rect">
-            <a:avLst/>
-          </a:prstGeom>
-          <a:noFill/>
-        </p:spPr>
-        <p:txBody>
-          <a:bodyPr wrap="none">
-            <a:spAutoFit/>
-          </a:bodyPr>
-          <a:lstStyle/>
-          <a:p>
-            <a:pPr>
-              <a:defRPr sz="1100" b="1">
-                <a:solidFill>
-                  <a:srgbClr val="666666"/>
-                </a:solidFill>
-              </a:defRPr>
-            </a:pPr>
-            <a:r>
-              <a:t>python</a:t>
-            </a:r>
-          </a:p>
-        </p:txBody>
-      </p:sp>
-      <p:sp>
-        <p:nvSpPr>
-          <p:cNvPr id="6" name="TextBox 5"/>
-          <p:cNvSpPr txBox="1"/>
-          <p:nvPr/>
-        </p:nvSpPr>
-        <p:spPr>
-          <a:xfrm>
-            <a:off x="914400" y="1554480"/>
-            <a:ext cx="10362895" cy="4754880"/>
-          </a:xfrm>
-          <a:prstGeom prst="rect">
-            <a:avLst/>
-          </a:prstGeom>
-          <a:noFill/>
-        </p:spPr>
-        <p:txBody>
-          <a:bodyPr wrap="square">
-            <a:spAutoFit/>
-          </a:bodyPr>
-          <a:lstStyle/>
-          <a:p>
-            <a:pPr algn="l">
-              <a:defRPr sz="1300">
-                <a:solidFill>
-                  <a:srgbClr val="333333"/>
-                </a:solidFill>
-                <a:latin typeface="Consolas"/>
-              </a:defRPr>
-            </a:pPr>
-            <a:r>
-              <a:t>def generate_answer(query, context_chunks):</a:t>
-            </a:r>
-            <a:br/>
-            <a:r>
-              <a:t>    context = "\n\n".join(</a:t>
-            </a:r>
-            <a:br/>
-            <a:r>
-              <a:t>        f"[Source: {c['source']}]\n{c['text']}"</a:t>
-            </a:r>
-            <a:br/>
-            <a:r>
-              <a:t>        for c in context_chunks</a:t>
-            </a:r>
-            <a:br/>
-            <a:r>
-              <a:t>    )</a:t>
-            </a:r>
-            <a:br/>
-            <a:r>
-              <a:t>    response = client.chat.completions.create(</a:t>
-            </a:r>
-            <a:br/>
-            <a:r>
-              <a:t>        model="gpt-4.1",</a:t>
-            </a:r>
-            <a:br/>
-            <a:r>
-              <a:t>        messages=[</a:t>
-            </a:r>
-            <a:br/>
-            <a:r>
-              <a:t>            {"role": "system", "content":</a:t>
-            </a:r>
-            <a:br/>
-            <a:r>
-              <a:t>             "Answer based ONLY on the provided context. "</a:t>
-            </a:r>
-            <a:br/>
-            <a:r>
-              <a:t>             "Cite sources. If unsure, say so."},</a:t>
-            </a:r>
-            <a:br/>
-            <a:r>
-              <a:t>            {"role": "user", "content":</a:t>
-            </a:r>
-            <a:br/>
-            <a:r>
-              <a:t>             f"Context:\n{context}\n\nQuestion: {query}"},</a:t>
-            </a:r>
-            <a:br/>
-            <a:r>
-              <a:t>        ],</a:t>
-            </a:r>
-            <a:br/>
-            <a:r>
-              <a:t>        temperature=0,</a:t>
-            </a:r>
-            <a:br/>
-            <a:r>
-              <a:t>    )</a:t>
-            </a:r>
-            <a:br/>
-            <a:r>
-              <a:t>    return response.choices[0].message.content</a:t>
-            </a:r>
-          </a:p>
-        </p:txBody>
-      </p:sp>
-    </p:spTree>
-  </p:cSld>
-  <p:clrMapOvr>
-    <a:masterClrMapping/>
-  </p:clrMapOvr>
-</p:sld>
-</file>
-
-<file path=ppt/slides/slide9.xml><?xml version="1.0" encoding="utf-8"?>
-<p:sld xmlns:a="http://schemas.openxmlformats.org/drawingml/2006/main" xmlns:p="http://schemas.openxmlformats.org/presentationml/2006/main" xmlns:r="http://schemas.openxmlformats.org/officeDocument/2006/relationships">
-  <p:cSld>
-    <p:spTree>
-      <p:nvGrpSpPr>
-        <p:cNvPr id="1" name=""/>
-        <p:cNvGrpSpPr/>
-        <p:nvPr/>
-      </p:nvGrpSpPr>
-      <p:grpSpPr/>
-      <p:sp>
-        <p:nvSpPr>
-          <p:cNvPr id="2" name="Rectangle 1"/>
-          <p:cNvSpPr/>
-          <p:nvPr/>
-        </p:nvSpPr>
-        <p:spPr>
-          <a:xfrm>
-            <a:off x="0" y="0"/>
-            <a:ext cx="12191695" cy="73152"/>
-          </a:xfrm>
-          <a:prstGeom prst="rect">
-            <a:avLst/>
-          </a:prstGeom>
-          <a:solidFill>
-            <a:srgbClr val="0096D6"/>
-          </a:solidFill>
-          <a:ln>
-            <a:noFill/>
-          </a:ln>
-        </p:spPr>
-        <p:style>
-          <a:lnRef idx="1">
-            <a:schemeClr val="accent1"/>
-          </a:lnRef>
-          <a:fillRef idx="3">
-            <a:schemeClr val="accent1"/>
-          </a:fillRef>
-          <a:effectRef idx="2">
-            <a:schemeClr val="accent1"/>
-          </a:effectRef>
-          <a:fontRef idx="minor">
-            <a:schemeClr val="lt1"/>
-          </a:fontRef>
-        </p:style>
-        <p:txBody>
-          <a:bodyPr rtlCol="0" anchor="ctr"/>
-          <a:lstStyle/>
-          <a:p>
-            <a:pPr algn="ctr"/>
-          </a:p>
-        </p:txBody>
-      </p:sp>
-      <p:sp>
-        <p:nvSpPr>
-          <p:cNvPr id="3" name="TextBox 2"/>
-          <p:cNvSpPr txBox="1"/>
-          <p:nvPr/>
-        </p:nvSpPr>
-        <p:spPr>
-          <a:xfrm>
-            <a:off x="731520" y="274320"/>
-            <a:ext cx="10728655" cy="731520"/>
-          </a:xfrm>
-          <a:prstGeom prst="rect">
-            <a:avLst/>
-          </a:prstGeom>
-          <a:noFill/>
-        </p:spPr>
-        <p:txBody>
-          <a:bodyPr wrap="none">
-            <a:spAutoFit/>
-          </a:bodyPr>
-          <a:lstStyle/>
-          <a:p>
-            <a:pPr>
-              <a:defRPr sz="3200" b="1">
-                <a:solidFill>
-                  <a:srgbClr val="1B2A4A"/>
-                </a:solidFill>
-              </a:defRPr>
-            </a:pPr>
-            <a:r>
-              <a:t>RAG vs Long Context vs Fine-Tuning</a:t>
-            </a:r>
-          </a:p>
-        </p:txBody>
-      </p:sp>
-      <p:sp>
-        <p:nvSpPr>
-          <p:cNvPr id="4" name="TextBox 3"/>
-          <p:cNvSpPr txBox="1"/>
-          <p:nvPr/>
-        </p:nvSpPr>
-        <p:spPr>
-          <a:xfrm>
-            <a:off x="731520" y="1188720"/>
-            <a:ext cx="5029200" cy="457200"/>
-          </a:xfrm>
-          <a:prstGeom prst="rect">
-            <a:avLst/>
-          </a:prstGeom>
-          <a:noFill/>
-        </p:spPr>
-        <p:txBody>
-          <a:bodyPr wrap="none">
-            <a:spAutoFit/>
-          </a:bodyPr>
-          <a:lstStyle/>
-          <a:p>
-            <a:pPr>
-              <a:defRPr sz="2200" b="1">
-                <a:solidFill>
-                  <a:srgbClr val="0096D6"/>
-                </a:solidFill>
-              </a:defRPr>
-            </a:pPr>
-            <a:r>
-              <a:t>When to Use RAG</a:t>
-            </a:r>
-          </a:p>
-        </p:txBody>
-      </p:sp>
-      <p:sp>
-        <p:nvSpPr>
-          <p:cNvPr id="5" name="TextBox 4"/>
-          <p:cNvSpPr txBox="1"/>
-          <p:nvPr/>
-        </p:nvSpPr>
-        <p:spPr>
-          <a:xfrm>
-            <a:off x="731520" y="1737360"/>
-            <a:ext cx="5029200" cy="4572000"/>
-          </a:xfrm>
-          <a:prstGeom prst="rect">
-            <a:avLst/>
-          </a:prstGeom>
-          <a:noFill/>
-        </p:spPr>
-        <p:txBody>
-          <a:bodyPr wrap="square">
-            <a:spAutoFit/>
-          </a:bodyPr>
-          <a:lstStyle/>
-          <a:p>
-            <a:pPr>
-              <a:spcAft>
-                <a:spcPts val="600"/>
-              </a:spcAft>
-              <a:defRPr sz="1800">
-                <a:solidFill>
-                  <a:srgbClr val="333333"/>
-                </a:solidFill>
-              </a:defRPr>
-            </a:pPr>
-            <a:r>
-              <a:t>Large document collections (&gt;200K tokens total)</a:t>
-            </a:r>
-          </a:p>
-          <a:p>
-            <a:pPr>
-              <a:spcAft>
-                <a:spcPts val="600"/>
-              </a:spcAft>
-              <a:defRPr sz="1800">
-                <a:solidFill>
-                  <a:srgbClr val="333333"/>
-                </a:solidFill>
-              </a:defRPr>
-            </a:pPr>
-            <a:r>
-              <a:t>Frequently updated data</a:t>
-            </a:r>
-          </a:p>
-          <a:p>
-            <a:pPr>
-              <a:spcAft>
-                <a:spcPts val="600"/>
-              </a:spcAft>
-              <a:defRPr sz="1800">
-                <a:solidFill>
-                  <a:srgbClr val="333333"/>
-                </a:solidFill>
-              </a:defRPr>
-            </a:pPr>
-            <a:r>
-              <a:t>Need source citations</a:t>
-            </a:r>
-          </a:p>
-          <a:p>
-            <a:pPr>
-              <a:spcAft>
-                <a:spcPts val="600"/>
-              </a:spcAft>
-              <a:defRPr sz="1800">
-                <a:solidFill>
-                  <a:srgbClr val="333333"/>
-                </a:solidFill>
-              </a:defRPr>
-            </a:pPr>
-            <a:r>
-              <a:t>Multiple users with different doc access</a:t>
-            </a:r>
-          </a:p>
-          <a:p>
-            <a:pPr>
-              <a:spcAft>
-                <a:spcPts val="600"/>
-              </a:spcAft>
-              <a:defRPr sz="1800">
-                <a:solidFill>
-                  <a:srgbClr val="333333"/>
-                </a:solidFill>
-              </a:defRPr>
-            </a:pPr>
-            <a:r>
-              <a:t>Cost-sensitive (only retrieve what's needed)</a:t>
-            </a:r>
-          </a:p>
-        </p:txBody>
-      </p:sp>
-      <p:sp>
-        <p:nvSpPr>
-          <p:cNvPr id="6" name="TextBox 5"/>
-          <p:cNvSpPr txBox="1"/>
-          <p:nvPr/>
-        </p:nvSpPr>
-        <p:spPr>
-          <a:xfrm>
-            <a:off x="6400800" y="1188720"/>
-            <a:ext cx="5029200" cy="457200"/>
-          </a:xfrm>
-          <a:prstGeom prst="rect">
-            <a:avLst/>
-          </a:prstGeom>
-          <a:noFill/>
-        </p:spPr>
-        <p:txBody>
-          <a:bodyPr wrap="none">
-            <a:spAutoFit/>
-          </a:bodyPr>
-          <a:lstStyle/>
-          <a:p>
-            <a:pPr>
-              <a:defRPr sz="2200" b="1">
-                <a:solidFill>
-                  <a:srgbClr val="0096D6"/>
-                </a:solidFill>
-              </a:defRPr>
-            </a:pPr>
-            <a:r>
-              <a:t>When NOT to Use RAG</a:t>
-            </a:r>
-          </a:p>
-        </p:txBody>
-      </p:sp>
-      <p:sp>
-        <p:nvSpPr>
-          <p:cNvPr id="7" name="TextBox 6"/>
-          <p:cNvSpPr txBox="1"/>
-          <p:nvPr/>
-        </p:nvSpPr>
-        <p:spPr>
-          <a:xfrm>
-            <a:off x="6400800" y="1737360"/>
-            <a:ext cx="5029200" cy="4572000"/>
-          </a:xfrm>
-          <a:prstGeom prst="rect">
-            <a:avLst/>
-          </a:prstGeom>
-          <a:noFill/>
-        </p:spPr>
-        <p:txBody>
-          <a:bodyPr wrap="square">
-            <a:spAutoFit/>
-          </a:bodyPr>
-          <a:lstStyle/>
-          <a:p>
-            <a:pPr>
-              <a:spcAft>
-                <a:spcPts val="600"/>
-              </a:spcAft>
-              <a:defRPr sz="1800">
-                <a:solidFill>
-                  <a:srgbClr val="333333"/>
-                </a:solidFill>
-              </a:defRPr>
-            </a:pPr>
-            <a:r>
-              <a:t>Small corpus that fits in context window</a:t>
-            </a:r>
-          </a:p>
-          <a:p>
-            <a:pPr>
-              <a:spcAft>
-                <a:spcPts val="600"/>
-              </a:spcAft>
-              <a:defRPr sz="1800">
-                <a:solidFill>
-                  <a:srgbClr val="333333"/>
-                </a:solidFill>
-              </a:defRPr>
-            </a:pPr>
-            <a:r>
-              <a:t>  → Just pass it all in (200K+ token windows)</a:t>
-            </a:r>
-          </a:p>
-          <a:p>
-            <a:pPr>
-              <a:spcAft>
-                <a:spcPts val="600"/>
-              </a:spcAft>
-              <a:defRPr sz="1800">
-                <a:solidFill>
-                  <a:srgbClr val="333333"/>
-                </a:solidFill>
-              </a:defRPr>
-            </a:pPr>
-            <a:r>
-              <a:t>Need to change model behavior/style</a:t>
-            </a:r>
-          </a:p>
-          <a:p>
-            <a:pPr>
-              <a:spcAft>
-                <a:spcPts val="600"/>
-              </a:spcAft>
-              <a:defRPr sz="1800">
-                <a:solidFill>
-                  <a:srgbClr val="333333"/>
-                </a:solidFill>
-              </a:defRPr>
-            </a:pPr>
-            <a:r>
-              <a:t>  → Fine-tuning is better</a:t>
-            </a:r>
-          </a:p>
-          <a:p>
-            <a:pPr>
-              <a:spcAft>
-                <a:spcPts val="600"/>
-              </a:spcAft>
-              <a:defRPr sz="1800">
-                <a:solidFill>
-                  <a:srgbClr val="333333"/>
-                </a:solidFill>
-              </a:defRPr>
-            </a:pPr>
-            <a:r>
-              <a:t>Real-time data needs</a:t>
-            </a:r>
-          </a:p>
-          <a:p>
-            <a:pPr>
-              <a:spcAft>
-                <a:spcPts val="600"/>
-              </a:spcAft>
-              <a:defRPr sz="1800">
-                <a:solidFill>
-                  <a:srgbClr val="333333"/>
-                </a:solidFill>
-              </a:defRPr>
-            </a:pPr>
-            <a:r>
-              <a:t>  → Use tool calls to live APIs</a:t>
+              <a:defRPr sz="2200">
+                <a:solidFill>
+                  <a:srgbClr val="222222"/>
+                </a:solidFill>
+              </a:defRPr>
+            </a:pPr>
+            <a:r>
+              <a:t>Use fine-tuning when: changing model behavior/style/format</a:t>
             </a:r>
           </a:p>
         </p:txBody>
